--- a/e commerce presentation.pptx
+++ b/e commerce presentation.pptx
@@ -11,7 +11,7 @@
     <p:sldId id="338" r:id="rId5"/>
     <p:sldId id="339" r:id="rId6"/>
     <p:sldId id="340" r:id="rId7"/>
-    <p:sldId id="341" r:id="rId8"/>
+    <p:sldId id="355" r:id="rId8"/>
     <p:sldId id="261" r:id="rId9"/>
     <p:sldId id="342" r:id="rId10"/>
     <p:sldId id="343" r:id="rId11"/>
@@ -19,81 +19,75 @@
     <p:sldId id="345" r:id="rId13"/>
     <p:sldId id="346" r:id="rId14"/>
     <p:sldId id="332" r:id="rId15"/>
-    <p:sldId id="333" r:id="rId16"/>
-    <p:sldId id="334" r:id="rId17"/>
-    <p:sldId id="268" r:id="rId18"/>
-    <p:sldId id="335" r:id="rId19"/>
-    <p:sldId id="256" r:id="rId20"/>
-    <p:sldId id="348" r:id="rId21"/>
-    <p:sldId id="349" r:id="rId22"/>
-    <p:sldId id="350" r:id="rId23"/>
-    <p:sldId id="351" r:id="rId24"/>
-    <p:sldId id="352" r:id="rId25"/>
-    <p:sldId id="353" r:id="rId26"/>
-    <p:sldId id="354" r:id="rId27"/>
-    <p:sldId id="257" r:id="rId28"/>
-    <p:sldId id="258" r:id="rId29"/>
-    <p:sldId id="259" r:id="rId30"/>
-    <p:sldId id="260" r:id="rId31"/>
-    <p:sldId id="265" r:id="rId32"/>
-    <p:sldId id="266" r:id="rId33"/>
-    <p:sldId id="262" r:id="rId34"/>
-    <p:sldId id="269" r:id="rId35"/>
-    <p:sldId id="264" r:id="rId36"/>
-    <p:sldId id="263" r:id="rId37"/>
-    <p:sldId id="270" r:id="rId38"/>
-    <p:sldId id="267" r:id="rId39"/>
-    <p:sldId id="272" r:id="rId40"/>
-    <p:sldId id="273" r:id="rId41"/>
-    <p:sldId id="274" r:id="rId42"/>
-    <p:sldId id="275" r:id="rId43"/>
-    <p:sldId id="276" r:id="rId44"/>
-    <p:sldId id="277" r:id="rId45"/>
-    <p:sldId id="278" r:id="rId46"/>
-    <p:sldId id="279" r:id="rId47"/>
-    <p:sldId id="281" r:id="rId48"/>
-    <p:sldId id="280" r:id="rId49"/>
-    <p:sldId id="282" r:id="rId50"/>
-    <p:sldId id="283" r:id="rId51"/>
-    <p:sldId id="284" r:id="rId52"/>
-    <p:sldId id="285" r:id="rId53"/>
-    <p:sldId id="287" r:id="rId54"/>
-    <p:sldId id="286" r:id="rId55"/>
-    <p:sldId id="288" r:id="rId56"/>
-    <p:sldId id="289" r:id="rId57"/>
-    <p:sldId id="290" r:id="rId58"/>
-    <p:sldId id="291" r:id="rId59"/>
-    <p:sldId id="292" r:id="rId60"/>
-    <p:sldId id="293" r:id="rId61"/>
-    <p:sldId id="294" r:id="rId62"/>
-    <p:sldId id="295" r:id="rId63"/>
-    <p:sldId id="296" r:id="rId64"/>
-    <p:sldId id="297" r:id="rId65"/>
-    <p:sldId id="298" r:id="rId66"/>
-    <p:sldId id="299" r:id="rId67"/>
-    <p:sldId id="300" r:id="rId68"/>
-    <p:sldId id="301" r:id="rId69"/>
-    <p:sldId id="302" r:id="rId70"/>
-    <p:sldId id="303" r:id="rId71"/>
-    <p:sldId id="304" r:id="rId72"/>
-    <p:sldId id="305" r:id="rId73"/>
-    <p:sldId id="306" r:id="rId74"/>
-    <p:sldId id="307" r:id="rId75"/>
-    <p:sldId id="308" r:id="rId76"/>
-    <p:sldId id="309" r:id="rId77"/>
-    <p:sldId id="310" r:id="rId78"/>
-    <p:sldId id="311" r:id="rId79"/>
-    <p:sldId id="312" r:id="rId80"/>
-    <p:sldId id="313" r:id="rId81"/>
-    <p:sldId id="314" r:id="rId82"/>
-    <p:sldId id="315" r:id="rId83"/>
-    <p:sldId id="316" r:id="rId84"/>
-    <p:sldId id="317" r:id="rId85"/>
-    <p:sldId id="318" r:id="rId86"/>
-    <p:sldId id="319" r:id="rId87"/>
-    <p:sldId id="320" r:id="rId88"/>
-    <p:sldId id="321" r:id="rId89"/>
-    <p:sldId id="322" r:id="rId90"/>
+    <p:sldId id="268" r:id="rId16"/>
+    <p:sldId id="356" r:id="rId17"/>
+    <p:sldId id="357" r:id="rId18"/>
+    <p:sldId id="358" r:id="rId19"/>
+    <p:sldId id="359" r:id="rId20"/>
+    <p:sldId id="360" r:id="rId21"/>
+    <p:sldId id="257" r:id="rId22"/>
+    <p:sldId id="258" r:id="rId23"/>
+    <p:sldId id="259" r:id="rId24"/>
+    <p:sldId id="260" r:id="rId25"/>
+    <p:sldId id="265" r:id="rId26"/>
+    <p:sldId id="266" r:id="rId27"/>
+    <p:sldId id="262" r:id="rId28"/>
+    <p:sldId id="269" r:id="rId29"/>
+    <p:sldId id="264" r:id="rId30"/>
+    <p:sldId id="263" r:id="rId31"/>
+    <p:sldId id="270" r:id="rId32"/>
+    <p:sldId id="267" r:id="rId33"/>
+    <p:sldId id="272" r:id="rId34"/>
+    <p:sldId id="273" r:id="rId35"/>
+    <p:sldId id="274" r:id="rId36"/>
+    <p:sldId id="275" r:id="rId37"/>
+    <p:sldId id="276" r:id="rId38"/>
+    <p:sldId id="277" r:id="rId39"/>
+    <p:sldId id="278" r:id="rId40"/>
+    <p:sldId id="279" r:id="rId41"/>
+    <p:sldId id="281" r:id="rId42"/>
+    <p:sldId id="280" r:id="rId43"/>
+    <p:sldId id="282" r:id="rId44"/>
+    <p:sldId id="283" r:id="rId45"/>
+    <p:sldId id="284" r:id="rId46"/>
+    <p:sldId id="285" r:id="rId47"/>
+    <p:sldId id="287" r:id="rId48"/>
+    <p:sldId id="286" r:id="rId49"/>
+    <p:sldId id="288" r:id="rId50"/>
+    <p:sldId id="289" r:id="rId51"/>
+    <p:sldId id="290" r:id="rId52"/>
+    <p:sldId id="291" r:id="rId53"/>
+    <p:sldId id="292" r:id="rId54"/>
+    <p:sldId id="293" r:id="rId55"/>
+    <p:sldId id="294" r:id="rId56"/>
+    <p:sldId id="295" r:id="rId57"/>
+    <p:sldId id="296" r:id="rId58"/>
+    <p:sldId id="297" r:id="rId59"/>
+    <p:sldId id="298" r:id="rId60"/>
+    <p:sldId id="299" r:id="rId61"/>
+    <p:sldId id="300" r:id="rId62"/>
+    <p:sldId id="301" r:id="rId63"/>
+    <p:sldId id="302" r:id="rId64"/>
+    <p:sldId id="303" r:id="rId65"/>
+    <p:sldId id="304" r:id="rId66"/>
+    <p:sldId id="305" r:id="rId67"/>
+    <p:sldId id="306" r:id="rId68"/>
+    <p:sldId id="307" r:id="rId69"/>
+    <p:sldId id="308" r:id="rId70"/>
+    <p:sldId id="309" r:id="rId71"/>
+    <p:sldId id="310" r:id="rId72"/>
+    <p:sldId id="311" r:id="rId73"/>
+    <p:sldId id="312" r:id="rId74"/>
+    <p:sldId id="313" r:id="rId75"/>
+    <p:sldId id="314" r:id="rId76"/>
+    <p:sldId id="315" r:id="rId77"/>
+    <p:sldId id="316" r:id="rId78"/>
+    <p:sldId id="317" r:id="rId79"/>
+    <p:sldId id="318" r:id="rId80"/>
+    <p:sldId id="319" r:id="rId81"/>
+    <p:sldId id="320" r:id="rId82"/>
+    <p:sldId id="321" r:id="rId83"/>
+    <p:sldId id="322" r:id="rId84"/>
   </p:sldIdLst>
   <p:sldSz cx="12192000" cy="6858000"/>
   <p:notesSz cx="6858000" cy="9144000"/>
@@ -203,7 +197,7 @@
 <file path=ppt/revisionInfo.xml><?xml version="1.0" encoding="utf-8"?>
 <p1510:revInfo xmlns:a="http://schemas.openxmlformats.org/drawingml/2006/main" xmlns:r="http://schemas.openxmlformats.org/officeDocument/2006/relationships" xmlns:p1510="http://schemas.microsoft.com/office/powerpoint/2015/10/main">
   <p1510:revLst>
-    <p1510:client id="{1C84705C-32F5-451B-B417-2166EB23CF08}" v="69" dt="2025-02-12T22:06:42.706"/>
+    <p1510:client id="{1C84705C-32F5-451B-B417-2166EB23CF08}" v="74" dt="2025-02-22T17:08:17.867"/>
   </p1510:revLst>
 </p1510:revInfo>
 </file>
@@ -213,12 +207,12 @@
   <pc:docChgLst>
     <pc:chgData name="abdulrahman eid" userId="8e5052248ce1e415" providerId="LiveId" clId="{1C84705C-32F5-451B-B417-2166EB23CF08}"/>
     <pc:docChg chg="undo custSel addSld delSld modSld sldOrd">
-      <pc:chgData name="abdulrahman eid" userId="8e5052248ce1e415" providerId="LiveId" clId="{1C84705C-32F5-451B-B417-2166EB23CF08}" dt="2025-02-12T22:06:42.680" v="153"/>
+      <pc:chgData name="abdulrahman eid" userId="8e5052248ce1e415" providerId="LiveId" clId="{1C84705C-32F5-451B-B417-2166EB23CF08}" dt="2025-02-22T17:21:01.081" v="190" actId="20577"/>
       <pc:docMkLst>
         <pc:docMk/>
       </pc:docMkLst>
-      <pc:sldChg chg="add">
-        <pc:chgData name="abdulrahman eid" userId="8e5052248ce1e415" providerId="LiveId" clId="{1C84705C-32F5-451B-B417-2166EB23CF08}" dt="2025-02-12T22:06:09.155" v="146"/>
+      <pc:sldChg chg="add del">
+        <pc:chgData name="abdulrahman eid" userId="8e5052248ce1e415" providerId="LiveId" clId="{1C84705C-32F5-451B-B417-2166EB23CF08}" dt="2025-02-22T17:07:44.854" v="177" actId="47"/>
         <pc:sldMkLst>
           <pc:docMk/>
           <pc:sldMk cId="0" sldId="256"/>
@@ -230,30 +224,6 @@
           <pc:docMk/>
           <pc:sldMk cId="2486327714" sldId="256"/>
         </pc:sldMkLst>
-        <pc:spChg chg="mod">
-          <ac:chgData name="abdulrahman eid" userId="8e5052248ce1e415" providerId="LiveId" clId="{1C84705C-32F5-451B-B417-2166EB23CF08}" dt="2025-02-12T00:03:03.794" v="43" actId="14100"/>
-          <ac:spMkLst>
-            <pc:docMk/>
-            <pc:sldMk cId="2486327714" sldId="256"/>
-            <ac:spMk id="2" creationId="{6681A2F1-C2E2-444A-0169-08959892F0C3}"/>
-          </ac:spMkLst>
-        </pc:spChg>
-        <pc:picChg chg="add mod">
-          <ac:chgData name="abdulrahman eid" userId="8e5052248ce1e415" providerId="LiveId" clId="{1C84705C-32F5-451B-B417-2166EB23CF08}" dt="2025-02-12T00:03:03.794" v="43" actId="14100"/>
-          <ac:picMkLst>
-            <pc:docMk/>
-            <pc:sldMk cId="2486327714" sldId="256"/>
-            <ac:picMk id="1026" creationId="{96D49C62-3688-1C61-9BB8-4065749493DB}"/>
-          </ac:picMkLst>
-        </pc:picChg>
-        <pc:picChg chg="add">
-          <ac:chgData name="abdulrahman eid" userId="8e5052248ce1e415" providerId="LiveId" clId="{1C84705C-32F5-451B-B417-2166EB23CF08}" dt="2025-02-12T00:03:06.289" v="44"/>
-          <ac:picMkLst>
-            <pc:docMk/>
-            <pc:sldMk cId="2486327714" sldId="256"/>
-            <ac:picMk id="1028" creationId="{9EB0266E-05BC-9820-80B5-A3AAAFFEB6CB}"/>
-          </ac:picMkLst>
-        </pc:picChg>
       </pc:sldChg>
       <pc:sldChg chg="ord">
         <pc:chgData name="abdulrahman eid" userId="8e5052248ce1e415" providerId="LiveId" clId="{1C84705C-32F5-451B-B417-2166EB23CF08}" dt="2025-02-12T00:14:49.402" v="110"/>
@@ -269,6 +239,21 @@
           <pc:sldMk cId="0" sldId="261"/>
         </pc:sldMkLst>
       </pc:sldChg>
+      <pc:sldChg chg="modSp mod">
+        <pc:chgData name="abdulrahman eid" userId="8e5052248ce1e415" providerId="LiveId" clId="{1C84705C-32F5-451B-B417-2166EB23CF08}" dt="2025-02-22T17:21:01.081" v="190" actId="20577"/>
+        <pc:sldMkLst>
+          <pc:docMk/>
+          <pc:sldMk cId="2597321795" sldId="262"/>
+        </pc:sldMkLst>
+        <pc:spChg chg="mod">
+          <ac:chgData name="abdulrahman eid" userId="8e5052248ce1e415" providerId="LiveId" clId="{1C84705C-32F5-451B-B417-2166EB23CF08}" dt="2025-02-22T17:21:01.081" v="190" actId="20577"/>
+          <ac:spMkLst>
+            <pc:docMk/>
+            <pc:sldMk cId="2597321795" sldId="262"/>
+            <ac:spMk id="5" creationId="{4C84879C-8158-8CF1-3033-818087A05078}"/>
+          </ac:spMkLst>
+        </pc:spChg>
+      </pc:sldChg>
       <pc:sldChg chg="addSp delSp modSp add mod">
         <pc:chgData name="abdulrahman eid" userId="8e5052248ce1e415" providerId="LiveId" clId="{1C84705C-32F5-451B-B417-2166EB23CF08}" dt="2025-02-12T21:52:33.601" v="135" actId="22"/>
         <pc:sldMkLst>
@@ -281,22 +266,6 @@
             <pc:docMk/>
             <pc:sldMk cId="0" sldId="268"/>
             <ac:spMk id="3" creationId="{00000000-0000-0000-0000-000000000000}"/>
-          </ac:spMkLst>
-        </pc:spChg>
-        <pc:spChg chg="add del">
-          <ac:chgData name="abdulrahman eid" userId="8e5052248ce1e415" providerId="LiveId" clId="{1C84705C-32F5-451B-B417-2166EB23CF08}" dt="2025-02-12T21:52:33.601" v="135" actId="22"/>
-          <ac:spMkLst>
-            <pc:docMk/>
-            <pc:sldMk cId="0" sldId="268"/>
-            <ac:spMk id="5" creationId="{0C43179F-92DB-BFE7-1296-DD6E16AD90F7}"/>
-          </ac:spMkLst>
-        </pc:spChg>
-        <pc:spChg chg="add del">
-          <ac:chgData name="abdulrahman eid" userId="8e5052248ce1e415" providerId="LiveId" clId="{1C84705C-32F5-451B-B417-2166EB23CF08}" dt="2025-02-12T21:52:32.240" v="134" actId="22"/>
-          <ac:spMkLst>
-            <pc:docMk/>
-            <pc:sldMk cId="0" sldId="268"/>
-            <ac:spMk id="7" creationId="{CC22E6D9-D05D-97E9-CE64-CF9235435514}"/>
           </ac:spMkLst>
         </pc:spChg>
       </pc:sldChg>
@@ -378,50 +347,26 @@
           </ac:spMkLst>
         </pc:spChg>
       </pc:sldChg>
-      <pc:sldChg chg="modSp add mod">
-        <pc:chgData name="abdulrahman eid" userId="8e5052248ce1e415" providerId="LiveId" clId="{1C84705C-32F5-451B-B417-2166EB23CF08}" dt="2025-02-12T00:16:45.626" v="128" actId="5793"/>
+      <pc:sldChg chg="modSp add del mod">
+        <pc:chgData name="abdulrahman eid" userId="8e5052248ce1e415" providerId="LiveId" clId="{1C84705C-32F5-451B-B417-2166EB23CF08}" dt="2025-02-21T15:16:47.366" v="174" actId="47"/>
         <pc:sldMkLst>
           <pc:docMk/>
           <pc:sldMk cId="0" sldId="333"/>
         </pc:sldMkLst>
-        <pc:spChg chg="mod">
-          <ac:chgData name="abdulrahman eid" userId="8e5052248ce1e415" providerId="LiveId" clId="{1C84705C-32F5-451B-B417-2166EB23CF08}" dt="2025-02-12T00:16:45.626" v="128" actId="5793"/>
-          <ac:spMkLst>
-            <pc:docMk/>
-            <pc:sldMk cId="0" sldId="333"/>
-            <ac:spMk id="3" creationId="{00000000-0000-0000-0000-000000000000}"/>
-          </ac:spMkLst>
-        </pc:spChg>
       </pc:sldChg>
-      <pc:sldChg chg="modSp add mod">
-        <pc:chgData name="abdulrahman eid" userId="8e5052248ce1e415" providerId="LiveId" clId="{1C84705C-32F5-451B-B417-2166EB23CF08}" dt="2025-02-12T00:16:39.996" v="123" actId="5793"/>
+      <pc:sldChg chg="modSp add del mod">
+        <pc:chgData name="abdulrahman eid" userId="8e5052248ce1e415" providerId="LiveId" clId="{1C84705C-32F5-451B-B417-2166EB23CF08}" dt="2025-02-21T15:16:52.914" v="175" actId="47"/>
         <pc:sldMkLst>
           <pc:docMk/>
           <pc:sldMk cId="0" sldId="334"/>
         </pc:sldMkLst>
-        <pc:spChg chg="mod">
-          <ac:chgData name="abdulrahman eid" userId="8e5052248ce1e415" providerId="LiveId" clId="{1C84705C-32F5-451B-B417-2166EB23CF08}" dt="2025-02-12T00:16:39.996" v="123" actId="5793"/>
-          <ac:spMkLst>
-            <pc:docMk/>
-            <pc:sldMk cId="0" sldId="334"/>
-            <ac:spMk id="3" creationId="{00000000-0000-0000-0000-000000000000}"/>
-          </ac:spMkLst>
-        </pc:spChg>
       </pc:sldChg>
-      <pc:sldChg chg="modSp add mod">
-        <pc:chgData name="abdulrahman eid" userId="8e5052248ce1e415" providerId="LiveId" clId="{1C84705C-32F5-451B-B417-2166EB23CF08}" dt="2025-02-12T00:16:25.471" v="112" actId="5793"/>
+      <pc:sldChg chg="modSp add del mod">
+        <pc:chgData name="abdulrahman eid" userId="8e5052248ce1e415" providerId="LiveId" clId="{1C84705C-32F5-451B-B417-2166EB23CF08}" dt="2025-02-22T08:55:36.592" v="176" actId="47"/>
         <pc:sldMkLst>
           <pc:docMk/>
           <pc:sldMk cId="0" sldId="335"/>
         </pc:sldMkLst>
-        <pc:spChg chg="mod">
-          <ac:chgData name="abdulrahman eid" userId="8e5052248ce1e415" providerId="LiveId" clId="{1C84705C-32F5-451B-B417-2166EB23CF08}" dt="2025-02-12T00:16:25.471" v="112" actId="5793"/>
-          <ac:spMkLst>
-            <pc:docMk/>
-            <pc:sldMk cId="0" sldId="335"/>
-            <ac:spMk id="3" creationId="{00000000-0000-0000-0000-000000000000}"/>
-          </ac:spMkLst>
-        </pc:spChg>
       </pc:sldChg>
       <pc:sldChg chg="add">
         <pc:chgData name="abdulrahman eid" userId="8e5052248ce1e415" providerId="LiveId" clId="{1C84705C-32F5-451B-B417-2166EB23CF08}" dt="2025-02-11T23:59:31.586" v="25"/>
@@ -460,30 +405,46 @@
           </ac:spMkLst>
         </pc:spChg>
       </pc:sldChg>
-      <pc:sldChg chg="add">
-        <pc:chgData name="abdulrahman eid" userId="8e5052248ce1e415" providerId="LiveId" clId="{1C84705C-32F5-451B-B417-2166EB23CF08}" dt="2025-02-11T23:59:49.826" v="30"/>
+      <pc:sldChg chg="modSp add mod">
+        <pc:chgData name="abdulrahman eid" userId="8e5052248ce1e415" providerId="LiveId" clId="{1C84705C-32F5-451B-B417-2166EB23CF08}" dt="2025-02-21T13:19:07.249" v="157" actId="14100"/>
         <pc:sldMkLst>
           <pc:docMk/>
           <pc:sldMk cId="3644646178" sldId="339"/>
         </pc:sldMkLst>
+        <pc:spChg chg="mod">
+          <ac:chgData name="abdulrahman eid" userId="8e5052248ce1e415" providerId="LiveId" clId="{1C84705C-32F5-451B-B417-2166EB23CF08}" dt="2025-02-21T13:19:07.249" v="157" actId="14100"/>
+          <ac:spMkLst>
+            <pc:docMk/>
+            <pc:sldMk cId="3644646178" sldId="339"/>
+            <ac:spMk id="3" creationId="{B21060CF-4EF5-0C50-1BF3-98F0E4D2EF02}"/>
+          </ac:spMkLst>
+        </pc:spChg>
       </pc:sldChg>
-      <pc:sldChg chg="modSp add mod">
-        <pc:chgData name="abdulrahman eid" userId="8e5052248ce1e415" providerId="LiveId" clId="{1C84705C-32F5-451B-B417-2166EB23CF08}" dt="2025-02-12T00:01:10.056" v="40" actId="20577"/>
+      <pc:sldChg chg="addSp modSp add mod">
+        <pc:chgData name="abdulrahman eid" userId="8e5052248ce1e415" providerId="LiveId" clId="{1C84705C-32F5-451B-B417-2166EB23CF08}" dt="2025-02-21T13:27:27.799" v="171" actId="20577"/>
         <pc:sldMkLst>
           <pc:docMk/>
           <pc:sldMk cId="0" sldId="340"/>
         </pc:sldMkLst>
         <pc:spChg chg="mod">
-          <ac:chgData name="abdulrahman eid" userId="8e5052248ce1e415" providerId="LiveId" clId="{1C84705C-32F5-451B-B417-2166EB23CF08}" dt="2025-02-12T00:01:10.056" v="40" actId="20577"/>
+          <ac:chgData name="abdulrahman eid" userId="8e5052248ce1e415" providerId="LiveId" clId="{1C84705C-32F5-451B-B417-2166EB23CF08}" dt="2025-02-21T13:25:41.687" v="160" actId="14100"/>
           <ac:spMkLst>
             <pc:docMk/>
             <pc:sldMk cId="0" sldId="340"/>
             <ac:spMk id="3" creationId="{00000000-0000-0000-0000-000000000000}"/>
           </ac:spMkLst>
         </pc:spChg>
+        <pc:spChg chg="add mod">
+          <ac:chgData name="abdulrahman eid" userId="8e5052248ce1e415" providerId="LiveId" clId="{1C84705C-32F5-451B-B417-2166EB23CF08}" dt="2025-02-21T13:27:27.799" v="171" actId="20577"/>
+          <ac:spMkLst>
+            <pc:docMk/>
+            <pc:sldMk cId="0" sldId="340"/>
+            <ac:spMk id="5" creationId="{63195042-5CD2-D5A3-6161-EABCC14D5EF2}"/>
+          </ac:spMkLst>
+        </pc:spChg>
       </pc:sldChg>
-      <pc:sldChg chg="add">
-        <pc:chgData name="abdulrahman eid" userId="8e5052248ce1e415" providerId="LiveId" clId="{1C84705C-32F5-451B-B417-2166EB23CF08}" dt="2025-02-12T00:00:00.212" v="33"/>
+      <pc:sldChg chg="add del">
+        <pc:chgData name="abdulrahman eid" userId="8e5052248ce1e415" providerId="LiveId" clId="{1C84705C-32F5-451B-B417-2166EB23CF08}" dt="2025-02-21T13:41:52.140" v="173" actId="47"/>
         <pc:sldMkLst>
           <pc:docMk/>
           <pc:sldMk cId="0" sldId="341"/>
@@ -554,22 +515,6 @@
             <ac:spMk id="5" creationId="{B898435E-E7E7-A882-BE0A-5B4448DE2F34}"/>
           </ac:spMkLst>
         </pc:spChg>
-        <pc:picChg chg="add">
-          <ac:chgData name="abdulrahman eid" userId="8e5052248ce1e415" providerId="LiveId" clId="{1C84705C-32F5-451B-B417-2166EB23CF08}" dt="2025-02-12T00:03:12.680" v="46"/>
-          <ac:picMkLst>
-            <pc:docMk/>
-            <pc:sldMk cId="1442320890" sldId="347"/>
-            <ac:picMk id="2050" creationId="{72C65D9C-E580-3B41-E70A-2236DFE25F03}"/>
-          </ac:picMkLst>
-        </pc:picChg>
-        <pc:picChg chg="add mod">
-          <ac:chgData name="abdulrahman eid" userId="8e5052248ce1e415" providerId="LiveId" clId="{1C84705C-32F5-451B-B417-2166EB23CF08}" dt="2025-02-12T00:03:29.890" v="51" actId="14100"/>
-          <ac:picMkLst>
-            <pc:docMk/>
-            <pc:sldMk cId="1442320890" sldId="347"/>
-            <ac:picMk id="2052" creationId="{0C09421C-1CB2-DC6C-22D8-F2967B8154E3}"/>
-          </ac:picMkLst>
-        </pc:picChg>
         <pc:picChg chg="add mod">
           <ac:chgData name="abdulrahman eid" userId="8e5052248ce1e415" providerId="LiveId" clId="{1C84705C-32F5-451B-B417-2166EB23CF08}" dt="2025-02-12T00:09:46.719" v="93" actId="14100"/>
           <ac:picMkLst>
@@ -580,68 +525,102 @@
         </pc:picChg>
       </pc:sldChg>
       <pc:sldChg chg="modSp add del mod">
-        <pc:chgData name="abdulrahman eid" userId="8e5052248ce1e415" providerId="LiveId" clId="{1C84705C-32F5-451B-B417-2166EB23CF08}" dt="2025-02-12T22:06:13.446" v="147"/>
+        <pc:chgData name="abdulrahman eid" userId="8e5052248ce1e415" providerId="LiveId" clId="{1C84705C-32F5-451B-B417-2166EB23CF08}" dt="2025-02-22T17:07:46.448" v="178" actId="47"/>
         <pc:sldMkLst>
           <pc:docMk/>
           <pc:sldMk cId="0" sldId="348"/>
         </pc:sldMkLst>
-        <pc:spChg chg="mod">
-          <ac:chgData name="abdulrahman eid" userId="8e5052248ce1e415" providerId="LiveId" clId="{1C84705C-32F5-451B-B417-2166EB23CF08}" dt="2025-02-12T21:52:39.934" v="137" actId="27636"/>
-          <ac:spMkLst>
-            <pc:docMk/>
-            <pc:sldMk cId="0" sldId="348"/>
-            <ac:spMk id="3" creationId="{00000000-0000-0000-0000-000000000000}"/>
-          </ac:spMkLst>
-        </pc:spChg>
       </pc:sldChg>
       <pc:sldChg chg="modSp add del mod ord">
-        <pc:chgData name="abdulrahman eid" userId="8e5052248ce1e415" providerId="LiveId" clId="{1C84705C-32F5-451B-B417-2166EB23CF08}" dt="2025-02-12T22:06:18.700" v="148"/>
+        <pc:chgData name="abdulrahman eid" userId="8e5052248ce1e415" providerId="LiveId" clId="{1C84705C-32F5-451B-B417-2166EB23CF08}" dt="2025-02-22T17:07:47.594" v="179" actId="47"/>
         <pc:sldMkLst>
           <pc:docMk/>
           <pc:sldMk cId="0" sldId="349"/>
         </pc:sldMkLst>
-        <pc:spChg chg="mod">
-          <ac:chgData name="abdulrahman eid" userId="8e5052248ce1e415" providerId="LiveId" clId="{1C84705C-32F5-451B-B417-2166EB23CF08}" dt="2025-02-12T21:54:06.670" v="139" actId="27636"/>
-          <ac:spMkLst>
-            <pc:docMk/>
-            <pc:sldMk cId="0" sldId="349"/>
-            <ac:spMk id="3" creationId="{00000000-0000-0000-0000-000000000000}"/>
-          </ac:spMkLst>
-        </pc:spChg>
       </pc:sldChg>
-      <pc:sldChg chg="add">
-        <pc:chgData name="abdulrahman eid" userId="8e5052248ce1e415" providerId="LiveId" clId="{1C84705C-32F5-451B-B417-2166EB23CF08}" dt="2025-02-12T22:06:24.245" v="149"/>
+      <pc:sldChg chg="add del">
+        <pc:chgData name="abdulrahman eid" userId="8e5052248ce1e415" providerId="LiveId" clId="{1C84705C-32F5-451B-B417-2166EB23CF08}" dt="2025-02-22T17:07:48.613" v="180" actId="47"/>
         <pc:sldMkLst>
           <pc:docMk/>
           <pc:sldMk cId="0" sldId="350"/>
         </pc:sldMkLst>
       </pc:sldChg>
-      <pc:sldChg chg="add">
-        <pc:chgData name="abdulrahman eid" userId="8e5052248ce1e415" providerId="LiveId" clId="{1C84705C-32F5-451B-B417-2166EB23CF08}" dt="2025-02-12T22:06:29.875" v="150"/>
+      <pc:sldChg chg="add del">
+        <pc:chgData name="abdulrahman eid" userId="8e5052248ce1e415" providerId="LiveId" clId="{1C84705C-32F5-451B-B417-2166EB23CF08}" dt="2025-02-22T17:07:50.520" v="181" actId="47"/>
         <pc:sldMkLst>
           <pc:docMk/>
           <pc:sldMk cId="0" sldId="351"/>
         </pc:sldMkLst>
       </pc:sldChg>
-      <pc:sldChg chg="add">
-        <pc:chgData name="abdulrahman eid" userId="8e5052248ce1e415" providerId="LiveId" clId="{1C84705C-32F5-451B-B417-2166EB23CF08}" dt="2025-02-12T22:06:34.490" v="151"/>
+      <pc:sldChg chg="add del">
+        <pc:chgData name="abdulrahman eid" userId="8e5052248ce1e415" providerId="LiveId" clId="{1C84705C-32F5-451B-B417-2166EB23CF08}" dt="2025-02-22T17:07:52.077" v="182" actId="47"/>
         <pc:sldMkLst>
           <pc:docMk/>
           <pc:sldMk cId="0" sldId="352"/>
         </pc:sldMkLst>
       </pc:sldChg>
-      <pc:sldChg chg="add">
-        <pc:chgData name="abdulrahman eid" userId="8e5052248ce1e415" providerId="LiveId" clId="{1C84705C-32F5-451B-B417-2166EB23CF08}" dt="2025-02-12T22:06:38.992" v="152"/>
+      <pc:sldChg chg="add del">
+        <pc:chgData name="abdulrahman eid" userId="8e5052248ce1e415" providerId="LiveId" clId="{1C84705C-32F5-451B-B417-2166EB23CF08}" dt="2025-02-22T17:07:53.246" v="183" actId="47"/>
         <pc:sldMkLst>
           <pc:docMk/>
           <pc:sldMk cId="0" sldId="353"/>
         </pc:sldMkLst>
       </pc:sldChg>
-      <pc:sldChg chg="add">
-        <pc:chgData name="abdulrahman eid" userId="8e5052248ce1e415" providerId="LiveId" clId="{1C84705C-32F5-451B-B417-2166EB23CF08}" dt="2025-02-12T22:06:42.680" v="153"/>
+      <pc:sldChg chg="add del">
+        <pc:chgData name="abdulrahman eid" userId="8e5052248ce1e415" providerId="LiveId" clId="{1C84705C-32F5-451B-B417-2166EB23CF08}" dt="2025-02-22T17:07:54.818" v="184" actId="47"/>
         <pc:sldMkLst>
           <pc:docMk/>
           <pc:sldMk cId="0" sldId="354"/>
+        </pc:sldMkLst>
+      </pc:sldChg>
+      <pc:sldChg chg="addSp modSp new mod">
+        <pc:chgData name="abdulrahman eid" userId="8e5052248ce1e415" providerId="LiveId" clId="{1C84705C-32F5-451B-B417-2166EB23CF08}" dt="2025-02-21T13:28:26.467" v="172" actId="20577"/>
+        <pc:sldMkLst>
+          <pc:docMk/>
+          <pc:sldMk cId="3906137354" sldId="355"/>
+        </pc:sldMkLst>
+        <pc:spChg chg="add mod">
+          <ac:chgData name="abdulrahman eid" userId="8e5052248ce1e415" providerId="LiveId" clId="{1C84705C-32F5-451B-B417-2166EB23CF08}" dt="2025-02-21T13:28:26.467" v="172" actId="20577"/>
+          <ac:spMkLst>
+            <pc:docMk/>
+            <pc:sldMk cId="3906137354" sldId="355"/>
+            <ac:spMk id="3" creationId="{78D7D998-6A51-4273-3614-7CC129E2C742}"/>
+          </ac:spMkLst>
+        </pc:spChg>
+      </pc:sldChg>
+      <pc:sldChg chg="add">
+        <pc:chgData name="abdulrahman eid" userId="8e5052248ce1e415" providerId="LiveId" clId="{1C84705C-32F5-451B-B417-2166EB23CF08}" dt="2025-02-22T17:07:58.586" v="185"/>
+        <pc:sldMkLst>
+          <pc:docMk/>
+          <pc:sldMk cId="3502634024" sldId="356"/>
+        </pc:sldMkLst>
+      </pc:sldChg>
+      <pc:sldChg chg="add">
+        <pc:chgData name="abdulrahman eid" userId="8e5052248ce1e415" providerId="LiveId" clId="{1C84705C-32F5-451B-B417-2166EB23CF08}" dt="2025-02-22T17:08:04.420" v="186"/>
+        <pc:sldMkLst>
+          <pc:docMk/>
+          <pc:sldMk cId="3408879523" sldId="357"/>
+        </pc:sldMkLst>
+      </pc:sldChg>
+      <pc:sldChg chg="add">
+        <pc:chgData name="abdulrahman eid" userId="8e5052248ce1e415" providerId="LiveId" clId="{1C84705C-32F5-451B-B417-2166EB23CF08}" dt="2025-02-22T17:08:08.453" v="187"/>
+        <pc:sldMkLst>
+          <pc:docMk/>
+          <pc:sldMk cId="1518739870" sldId="358"/>
+        </pc:sldMkLst>
+      </pc:sldChg>
+      <pc:sldChg chg="add">
+        <pc:chgData name="abdulrahman eid" userId="8e5052248ce1e415" providerId="LiveId" clId="{1C84705C-32F5-451B-B417-2166EB23CF08}" dt="2025-02-22T17:08:13.633" v="188"/>
+        <pc:sldMkLst>
+          <pc:docMk/>
+          <pc:sldMk cId="3402570870" sldId="359"/>
+        </pc:sldMkLst>
+      </pc:sldChg>
+      <pc:sldChg chg="add">
+        <pc:chgData name="abdulrahman eid" userId="8e5052248ce1e415" providerId="LiveId" clId="{1C84705C-32F5-451B-B417-2166EB23CF08}" dt="2025-02-22T17:08:17.853" v="189"/>
+        <pc:sldMkLst>
+          <pc:docMk/>
+          <pc:sldMk cId="869918906" sldId="360"/>
         </pc:sldMkLst>
       </pc:sldChg>
     </pc:docChg>
@@ -796,7 +775,7 @@
           <a:p>
             <a:fld id="{135BA12F-94F9-4C91-BA6D-58CC4EAFE9AA}" type="datetimeFigureOut">
               <a:rPr lang="en-US" smtClean="0"/>
-              <a:t>2/12/2025</a:t>
+              <a:t>2/21/2025</a:t>
             </a:fld>
             <a:endParaRPr lang="en-US"/>
           </a:p>
@@ -994,7 +973,7 @@
           <a:p>
             <a:fld id="{135BA12F-94F9-4C91-BA6D-58CC4EAFE9AA}" type="datetimeFigureOut">
               <a:rPr lang="en-US" smtClean="0"/>
-              <a:t>2/12/2025</a:t>
+              <a:t>2/21/2025</a:t>
             </a:fld>
             <a:endParaRPr lang="en-US"/>
           </a:p>
@@ -1202,7 +1181,7 @@
           <a:p>
             <a:fld id="{135BA12F-94F9-4C91-BA6D-58CC4EAFE9AA}" type="datetimeFigureOut">
               <a:rPr lang="en-US" smtClean="0"/>
-              <a:t>2/12/2025</a:t>
+              <a:t>2/21/2025</a:t>
             </a:fld>
             <a:endParaRPr lang="en-US"/>
           </a:p>
@@ -1400,7 +1379,7 @@
           <a:p>
             <a:fld id="{135BA12F-94F9-4C91-BA6D-58CC4EAFE9AA}" type="datetimeFigureOut">
               <a:rPr lang="en-US" smtClean="0"/>
-              <a:t>2/12/2025</a:t>
+              <a:t>2/21/2025</a:t>
             </a:fld>
             <a:endParaRPr lang="en-US"/>
           </a:p>
@@ -1675,7 +1654,7 @@
           <a:p>
             <a:fld id="{135BA12F-94F9-4C91-BA6D-58CC4EAFE9AA}" type="datetimeFigureOut">
               <a:rPr lang="en-US" smtClean="0"/>
-              <a:t>2/12/2025</a:t>
+              <a:t>2/21/2025</a:t>
             </a:fld>
             <a:endParaRPr lang="en-US"/>
           </a:p>
@@ -1940,7 +1919,7 @@
           <a:p>
             <a:fld id="{135BA12F-94F9-4C91-BA6D-58CC4EAFE9AA}" type="datetimeFigureOut">
               <a:rPr lang="en-US" smtClean="0"/>
-              <a:t>2/12/2025</a:t>
+              <a:t>2/21/2025</a:t>
             </a:fld>
             <a:endParaRPr lang="en-US"/>
           </a:p>
@@ -2352,7 +2331,7 @@
           <a:p>
             <a:fld id="{135BA12F-94F9-4C91-BA6D-58CC4EAFE9AA}" type="datetimeFigureOut">
               <a:rPr lang="en-US" smtClean="0"/>
-              <a:t>2/12/2025</a:t>
+              <a:t>2/21/2025</a:t>
             </a:fld>
             <a:endParaRPr lang="en-US"/>
           </a:p>
@@ -2493,7 +2472,7 @@
           <a:p>
             <a:fld id="{135BA12F-94F9-4C91-BA6D-58CC4EAFE9AA}" type="datetimeFigureOut">
               <a:rPr lang="en-US" smtClean="0"/>
-              <a:t>2/12/2025</a:t>
+              <a:t>2/21/2025</a:t>
             </a:fld>
             <a:endParaRPr lang="en-US"/>
           </a:p>
@@ -2606,7 +2585,7 @@
           <a:p>
             <a:fld id="{135BA12F-94F9-4C91-BA6D-58CC4EAFE9AA}" type="datetimeFigureOut">
               <a:rPr lang="en-US" smtClean="0"/>
-              <a:t>2/12/2025</a:t>
+              <a:t>2/21/2025</a:t>
             </a:fld>
             <a:endParaRPr lang="en-US"/>
           </a:p>
@@ -2917,7 +2896,7 @@
           <a:p>
             <a:fld id="{135BA12F-94F9-4C91-BA6D-58CC4EAFE9AA}" type="datetimeFigureOut">
               <a:rPr lang="en-US" smtClean="0"/>
-              <a:t>2/12/2025</a:t>
+              <a:t>2/21/2025</a:t>
             </a:fld>
             <a:endParaRPr lang="en-US"/>
           </a:p>
@@ -3205,7 +3184,7 @@
           <a:p>
             <a:fld id="{135BA12F-94F9-4C91-BA6D-58CC4EAFE9AA}" type="datetimeFigureOut">
               <a:rPr lang="en-US" smtClean="0"/>
-              <a:t>2/12/2025</a:t>
+              <a:t>2/21/2025</a:t>
             </a:fld>
             <a:endParaRPr lang="en-US"/>
           </a:p>
@@ -3446,7 +3425,7 @@
           <a:p>
             <a:fld id="{135BA12F-94F9-4C91-BA6D-58CC4EAFE9AA}" type="datetimeFigureOut">
               <a:rPr lang="en-US" smtClean="0"/>
-              <a:t>2/12/2025</a:t>
+              <a:t>2/21/2025</a:t>
             </a:fld>
             <a:endParaRPr lang="en-US"/>
           </a:p>
@@ -4574,7 +4553,7 @@
           <a:lstStyle/>
           <a:p>
             <a:r>
-              <a:t>ETL Challenges</a:t>
+              <a:t>Best Practices for ETL</a:t>
             </a:r>
           </a:p>
         </p:txBody>
@@ -4599,7 +4578,7 @@
             </a:pPr>
             <a:r>
               <a:rPr dirty="0"/>
-              <a:t>• Handling large data volumes</a:t>
+              <a:t>• Optimize extraction with indexing and partitioning.</a:t>
             </a:r>
           </a:p>
           <a:p>
@@ -4608,7 +4587,7 @@
             </a:pPr>
             <a:r>
               <a:rPr dirty="0"/>
-              <a:t>• Ensuring data quality</a:t>
+              <a:t>• Improve transformation with parallel processing.</a:t>
             </a:r>
           </a:p>
           <a:p>
@@ -4617,7 +4596,7 @@
             </a:pPr>
             <a:r>
               <a:rPr dirty="0"/>
-              <a:t>• Managing real-time processing</a:t>
+              <a:t>• Efficient loading via bulk inserts.</a:t>
             </a:r>
           </a:p>
           <a:p>
@@ -4626,7 +4605,7 @@
             </a:pPr>
             <a:r>
               <a:rPr dirty="0"/>
-              <a:t>• Adapting to schema changes</a:t>
+              <a:t>• Automate with Airflow.</a:t>
             </a:r>
           </a:p>
           <a:p>
@@ -4635,7 +4614,7 @@
             </a:pPr>
             <a:r>
               <a:rPr dirty="0"/>
-              <a:t>• Monitoring job failures</a:t>
+              <a:t>• Ensure scalability using cloud-based ETL.</a:t>
             </a:r>
           </a:p>
         </p:txBody>
@@ -4667,78 +4646,133 @@
       </p:grpSpPr>
       <p:sp>
         <p:nvSpPr>
-          <p:cNvPr id="2" name="Title 1"/>
-          <p:cNvSpPr>
-            <a:spLocks noGrp="1"/>
-          </p:cNvSpPr>
-          <p:nvPr>
-            <p:ph type="title"/>
-          </p:nvPr>
+          <p:cNvPr id="3" name="TextBox 2">
+            <a:extLst>
+              <a:ext uri="{FF2B5EF4-FFF2-40B4-BE49-F238E27FC236}">
+                <a16:creationId xmlns:a16="http://schemas.microsoft.com/office/drawing/2014/main" id="{4B875040-366B-E1A9-F38A-1607FD722C54}"/>
+              </a:ext>
+            </a:extLst>
+          </p:cNvPr>
+          <p:cNvSpPr txBox="1"/>
+          <p:nvPr/>
         </p:nvSpPr>
-        <p:spPr/>
+        <p:spPr>
+          <a:xfrm>
+            <a:off x="1656736" y="280220"/>
+            <a:ext cx="9011265" cy="5078313"/>
+          </a:xfrm>
+          <a:prstGeom prst="rect">
+            <a:avLst/>
+          </a:prstGeom>
+          <a:noFill/>
+        </p:spPr>
         <p:txBody>
-          <a:bodyPr/>
+          <a:bodyPr wrap="square">
+            <a:spAutoFit/>
+          </a:bodyPr>
           <a:lstStyle/>
           <a:p>
-            <a:r>
-              <a:t>Real-World ETL Use Cases</a:t>
-            </a:r>
-          </a:p>
-        </p:txBody>
-      </p:sp>
-      <p:sp>
-        <p:nvSpPr>
-          <p:cNvPr id="3" name="Content Placeholder 2"/>
-          <p:cNvSpPr>
-            <a:spLocks noGrp="1"/>
-          </p:cNvSpPr>
-          <p:nvPr>
-            <p:ph idx="1"/>
-          </p:nvPr>
-        </p:nvSpPr>
-        <p:spPr/>
-        <p:txBody>
-          <a:bodyPr/>
-          <a:lstStyle/>
-          <a:p>
-            <a:pPr marL="0" indent="0">
-              <a:buNone/>
+            <a:pPr algn="ctr"/>
+            <a:r>
+              <a:rPr lang="en-GB" sz="3600" b="1" dirty="0"/>
+              <a:t>What is a Data Warehouse?</a:t>
+            </a:r>
+          </a:p>
+          <a:p>
+            <a:pPr>
+              <a:buFont typeface="Arial" panose="020B0604020202020204" pitchFamily="34" charset="0"/>
+              <a:buChar char="•"/>
             </a:pPr>
             <a:r>
-              <a:rPr dirty="0"/>
-              <a:t>• E-Commerce: Sales and order processing.</a:t>
-            </a:r>
-          </a:p>
-          <a:p>
-            <a:pPr marL="0" indent="0">
-              <a:buNone/>
+              <a:rPr lang="en-GB" sz="2400" dirty="0"/>
+              <a:t>Aggregates data from multiple sources into a single, central, and consistent store</a:t>
+            </a:r>
+          </a:p>
+          <a:p>
+            <a:pPr>
+              <a:buFont typeface="Arial" panose="020B0604020202020204" pitchFamily="34" charset="0"/>
+              <a:buChar char="•"/>
             </a:pPr>
-            <a:r>
-              <a:rPr dirty="0"/>
-              <a:t>• Healthcare: Integrating patient records.</a:t>
-            </a:r>
-          </a:p>
-          <a:p>
-            <a:pPr marL="0" indent="0">
-              <a:buNone/>
+            <a:endParaRPr lang="en-GB" sz="2400" dirty="0"/>
+          </a:p>
+          <a:p>
+            <a:pPr>
+              <a:buFont typeface="Arial" panose="020B0604020202020204" pitchFamily="34" charset="0"/>
+              <a:buChar char="•"/>
             </a:pPr>
             <a:r>
-              <a:rPr dirty="0"/>
-              <a:t>• Finance: Fraud detection and compliance.</a:t>
-            </a:r>
-          </a:p>
-          <a:p>
-            <a:pPr marL="0" indent="0">
-              <a:buNone/>
+              <a:rPr lang="en-GB" sz="2400" dirty="0"/>
+              <a:t>Supports </a:t>
+            </a:r>
+            <a:r>
+              <a:rPr lang="en-GB" sz="2400" b="1" dirty="0"/>
+              <a:t>data analytics, business intelligence (BI), data mining, machine learning (ML), and artificial intelligence (AI)</a:t>
+            </a:r>
+          </a:p>
+          <a:p>
+            <a:pPr>
+              <a:buFont typeface="Arial" panose="020B0604020202020204" pitchFamily="34" charset="0"/>
+              <a:buChar char="•"/>
             </a:pPr>
-            <a:r>
-              <a:rPr dirty="0"/>
-              <a:t>• IoT: Streaming sensor data.</a:t>
-            </a:r>
+            <a:endParaRPr lang="en-GB" sz="2400" dirty="0"/>
+          </a:p>
+          <a:p>
+            <a:pPr>
+              <a:buFont typeface="Arial" panose="020B0604020202020204" pitchFamily="34" charset="0"/>
+              <a:buChar char="•"/>
+            </a:pPr>
+            <a:r>
+              <a:rPr lang="en-GB" sz="2400" dirty="0"/>
+              <a:t>Can handle structured, semi-structured, and unstructured data</a:t>
+            </a:r>
+          </a:p>
+          <a:p>
+            <a:pPr>
+              <a:buFont typeface="Arial" panose="020B0604020202020204" pitchFamily="34" charset="0"/>
+              <a:buChar char="•"/>
+            </a:pPr>
+            <a:endParaRPr lang="en-GB" sz="2400" dirty="0"/>
+          </a:p>
+          <a:p>
+            <a:pPr>
+              <a:buFont typeface="Arial" panose="020B0604020202020204" pitchFamily="34" charset="0"/>
+              <a:buChar char="•"/>
+            </a:pPr>
+            <a:r>
+              <a:rPr lang="en-GB" sz="2400" dirty="0"/>
+              <a:t>Feeds data from systems like CRM, inventory, POS, and supply chain management</a:t>
+            </a:r>
+          </a:p>
+          <a:p>
+            <a:pPr>
+              <a:buFont typeface="Arial" panose="020B0604020202020204" pitchFamily="34" charset="0"/>
+              <a:buChar char="•"/>
+            </a:pPr>
+            <a:endParaRPr lang="en-GB" sz="2400" dirty="0"/>
+          </a:p>
+          <a:p>
+            <a:pPr>
+              <a:buFont typeface="Arial" panose="020B0604020202020204" pitchFamily="34" charset="0"/>
+              <a:buChar char="•"/>
+            </a:pPr>
+            <a:r>
+              <a:rPr lang="en-GB" sz="2400" dirty="0"/>
+              <a:t>Traditionally on-premises but now widely hosted in the </a:t>
+            </a:r>
+            <a:r>
+              <a:rPr lang="en-GB" sz="2400" b="1" dirty="0"/>
+              <a:t>cloud</a:t>
+            </a:r>
+            <a:endParaRPr lang="en-GB" sz="2400" dirty="0"/>
           </a:p>
         </p:txBody>
       </p:sp>
     </p:spTree>
+    <p:extLst>
+      <p:ext uri="{BB962C8B-B14F-4D97-AF65-F5344CB8AC3E}">
+        <p14:creationId xmlns:p14="http://schemas.microsoft.com/office/powerpoint/2010/main" val="3502634024"/>
+      </p:ext>
+    </p:extLst>
   </p:cSld>
   <p:clrMapOvr>
     <a:masterClrMapping/>
@@ -4765,87 +4799,131 @@
       </p:grpSpPr>
       <p:sp>
         <p:nvSpPr>
-          <p:cNvPr id="2" name="Title 1"/>
-          <p:cNvSpPr>
-            <a:spLocks noGrp="1"/>
-          </p:cNvSpPr>
-          <p:nvPr>
-            <p:ph type="title"/>
-          </p:nvPr>
+          <p:cNvPr id="3" name="TextBox 2">
+            <a:extLst>
+              <a:ext uri="{FF2B5EF4-FFF2-40B4-BE49-F238E27FC236}">
+                <a16:creationId xmlns:a16="http://schemas.microsoft.com/office/drawing/2014/main" id="{C14C6234-DBE6-B7E6-B9EA-FA73FDD3A685}"/>
+              </a:ext>
+            </a:extLst>
+          </p:cNvPr>
+          <p:cNvSpPr txBox="1"/>
+          <p:nvPr/>
         </p:nvSpPr>
-        <p:spPr/>
+        <p:spPr>
+          <a:xfrm>
+            <a:off x="1524000" y="191729"/>
+            <a:ext cx="9144000" cy="3970318"/>
+          </a:xfrm>
+          <a:prstGeom prst="rect">
+            <a:avLst/>
+          </a:prstGeom>
+          <a:noFill/>
+        </p:spPr>
         <p:txBody>
-          <a:bodyPr/>
+          <a:bodyPr wrap="square">
+            <a:spAutoFit/>
+          </a:bodyPr>
           <a:lstStyle/>
           <a:p>
-            <a:r>
-              <a:t>Best Practices for ETL</a:t>
-            </a:r>
-          </a:p>
-        </p:txBody>
-      </p:sp>
-      <p:sp>
-        <p:nvSpPr>
-          <p:cNvPr id="3" name="Content Placeholder 2"/>
-          <p:cNvSpPr>
-            <a:spLocks noGrp="1"/>
-          </p:cNvSpPr>
-          <p:nvPr>
-            <p:ph idx="1"/>
-          </p:nvPr>
-        </p:nvSpPr>
-        <p:spPr/>
-        <p:txBody>
-          <a:bodyPr/>
-          <a:lstStyle/>
-          <a:p>
-            <a:pPr marL="0" indent="0">
-              <a:buNone/>
+            <a:pPr algn="ctr"/>
+            <a:r>
+              <a:rPr lang="en-GB" sz="3600" b="1" dirty="0"/>
+              <a:t>Evolution of the Data Warehouse</a:t>
+            </a:r>
+          </a:p>
+          <a:p>
+            <a:pPr>
+              <a:buFont typeface="Arial" panose="020B0604020202020204" pitchFamily="34" charset="0"/>
+              <a:buChar char="•"/>
             </a:pPr>
             <a:r>
-              <a:rPr dirty="0"/>
-              <a:t>• Optimize extraction with indexing and partitioning.</a:t>
-            </a:r>
-          </a:p>
-          <a:p>
-            <a:pPr marL="0" indent="0">
-              <a:buNone/>
+              <a:rPr lang="en-GB" sz="2400" b="1" dirty="0"/>
+              <a:t>1980s:</a:t>
+            </a:r>
+            <a:r>
+              <a:rPr lang="en-GB" sz="2400" dirty="0"/>
+              <a:t> Developed to integrate transactional data for analytics</a:t>
+            </a:r>
+          </a:p>
+          <a:p>
+            <a:pPr>
+              <a:buFont typeface="Arial" panose="020B0604020202020204" pitchFamily="34" charset="0"/>
+              <a:buChar char="•"/>
             </a:pPr>
-            <a:r>
-              <a:rPr dirty="0"/>
-              <a:t>• Improve transformation with parallel processing.</a:t>
-            </a:r>
-          </a:p>
-          <a:p>
-            <a:pPr marL="0" indent="0">
-              <a:buNone/>
+            <a:endParaRPr lang="en-GB" sz="2400" dirty="0"/>
+          </a:p>
+          <a:p>
+            <a:pPr>
+              <a:buFont typeface="Arial" panose="020B0604020202020204" pitchFamily="34" charset="0"/>
+              <a:buChar char="•"/>
             </a:pPr>
             <a:r>
-              <a:rPr dirty="0"/>
-              <a:t>• Efficient loading via bulk inserts.</a:t>
-            </a:r>
-          </a:p>
-          <a:p>
-            <a:pPr marL="0" indent="0">
-              <a:buNone/>
+              <a:rPr lang="en-GB" sz="2400" b="1" dirty="0"/>
+              <a:t>New data sources:</a:t>
+            </a:r>
+            <a:r>
+              <a:rPr lang="en-GB" sz="2400" dirty="0"/>
+              <a:t> Web, social media, IoT led to increased demand</a:t>
+            </a:r>
+          </a:p>
+          <a:p>
+            <a:pPr>
+              <a:buFont typeface="Arial" panose="020B0604020202020204" pitchFamily="34" charset="0"/>
+              <a:buChar char="•"/>
             </a:pPr>
-            <a:r>
-              <a:rPr dirty="0"/>
-              <a:t>• Automate with Airflow.</a:t>
-            </a:r>
-          </a:p>
-          <a:p>
-            <a:pPr marL="0" indent="0">
-              <a:buNone/>
+            <a:endParaRPr lang="en-GB" sz="2400" dirty="0"/>
+          </a:p>
+          <a:p>
+            <a:pPr>
+              <a:buFont typeface="Arial" panose="020B0604020202020204" pitchFamily="34" charset="0"/>
+              <a:buChar char="•"/>
             </a:pPr>
             <a:r>
-              <a:rPr dirty="0"/>
-              <a:t>• Ensure scalability using cloud-based ETL.</a:t>
+              <a:rPr lang="en-GB" sz="2400" b="1" dirty="0"/>
+              <a:t>Legacy systems limitations:</a:t>
+            </a:r>
+            <a:r>
+              <a:rPr lang="en-GB" sz="2400" dirty="0"/>
+              <a:t> Couldn’t manage large workloads or unstructured data</a:t>
+            </a:r>
+          </a:p>
+          <a:p>
+            <a:pPr>
+              <a:buFont typeface="Arial" panose="020B0604020202020204" pitchFamily="34" charset="0"/>
+              <a:buChar char="•"/>
+            </a:pPr>
+            <a:endParaRPr lang="en-GB" sz="2400" dirty="0"/>
+          </a:p>
+          <a:p>
+            <a:pPr>
+              <a:buFont typeface="Arial" panose="020B0604020202020204" pitchFamily="34" charset="0"/>
+              <a:buChar char="•"/>
+            </a:pPr>
+            <a:r>
+              <a:rPr lang="en-GB" sz="2400" b="1" dirty="0"/>
+              <a:t>Modern solutions:</a:t>
+            </a:r>
+            <a:r>
+              <a:rPr lang="en-GB" sz="2400" dirty="0"/>
+              <a:t> Cloud-native warehouses &amp; data </a:t>
+            </a:r>
+            <a:r>
+              <a:rPr lang="en-GB" sz="2400" dirty="0" err="1"/>
+              <a:t>lakehouses</a:t>
+            </a:r>
+            <a:r>
+              <a:rPr lang="en-GB" sz="2400" dirty="0"/>
+              <a:t> emerged</a:t>
             </a:r>
           </a:p>
         </p:txBody>
       </p:sp>
     </p:spTree>
+    <p:extLst>
+      <p:ext uri="{BB962C8B-B14F-4D97-AF65-F5344CB8AC3E}">
+        <p14:creationId xmlns:p14="http://schemas.microsoft.com/office/powerpoint/2010/main" val="3408879523"/>
+      </p:ext>
+    </p:extLst>
   </p:cSld>
   <p:clrMapOvr>
     <a:masterClrMapping/>
@@ -4872,60 +4950,62 @@
       </p:grpSpPr>
       <p:sp>
         <p:nvSpPr>
-          <p:cNvPr id="2" name="Title 1"/>
-          <p:cNvSpPr>
-            <a:spLocks noGrp="1"/>
-          </p:cNvSpPr>
-          <p:nvPr>
-            <p:ph type="title"/>
-          </p:nvPr>
+          <p:cNvPr id="3" name="TextBox 2">
+            <a:extLst>
+              <a:ext uri="{FF2B5EF4-FFF2-40B4-BE49-F238E27FC236}">
+                <a16:creationId xmlns:a16="http://schemas.microsoft.com/office/drawing/2014/main" id="{E10CE890-BBCC-0ACA-D22C-3EEB7FDB65E0}"/>
+              </a:ext>
+            </a:extLst>
+          </p:cNvPr>
+          <p:cNvSpPr txBox="1"/>
+          <p:nvPr/>
         </p:nvSpPr>
-        <p:spPr/>
+        <p:spPr>
+          <a:xfrm>
+            <a:off x="1524000" y="221226"/>
+            <a:ext cx="9144000" cy="1754326"/>
+          </a:xfrm>
+          <a:prstGeom prst="rect">
+            <a:avLst/>
+          </a:prstGeom>
+          <a:noFill/>
+        </p:spPr>
         <p:txBody>
-          <a:bodyPr/>
+          <a:bodyPr wrap="square">
+            <a:spAutoFit/>
+          </a:bodyPr>
           <a:lstStyle/>
           <a:p>
-            <a:r>
-              <a:t>Conclusion</a:t>
-            </a:r>
-          </a:p>
-        </p:txBody>
-      </p:sp>
-      <p:sp>
-        <p:nvSpPr>
-          <p:cNvPr id="3" name="Content Placeholder 2"/>
-          <p:cNvSpPr>
-            <a:spLocks noGrp="1"/>
-          </p:cNvSpPr>
-          <p:nvPr>
-            <p:ph idx="1"/>
-          </p:nvPr>
-        </p:nvSpPr>
-        <p:spPr/>
-        <p:txBody>
-          <a:bodyPr/>
-          <a:lstStyle/>
-          <a:p>
-            <a:pPr marL="0" indent="0">
-              <a:buNone/>
-            </a:pPr>
-            <a:r>
-              <a:rPr dirty="0"/>
-              <a:t>• ETL is essential for reliable data pipelines.</a:t>
-            </a:r>
-          </a:p>
-          <a:p>
-            <a:pPr marL="0" indent="0">
-              <a:buNone/>
-            </a:pPr>
-            <a:r>
-              <a:rPr dirty="0"/>
-              <a:t>• Choosing the right tools and handling challenges ensures efficiency.</a:t>
+            <a:pPr algn="ctr"/>
+            <a:r>
+              <a:rPr lang="en-US" sz="3600" b="1" dirty="0"/>
+              <a:t>Schemas in Data Warehouses</a:t>
+            </a:r>
+          </a:p>
+          <a:p>
+            <a:r>
+              <a:rPr lang="en-US" sz="2400" b="1" dirty="0"/>
+              <a:t>-Star Schema</a:t>
+            </a:r>
+          </a:p>
+          <a:p>
+            <a:pPr lvl="1"/>
+            <a:endParaRPr lang="en-US" sz="2400" dirty="0"/>
+          </a:p>
+          <a:p>
+            <a:r>
+              <a:rPr lang="en-US" sz="2400" b="1" dirty="0"/>
+              <a:t>-Snowflake Schema</a:t>
             </a:r>
           </a:p>
         </p:txBody>
       </p:sp>
     </p:spTree>
+    <p:extLst>
+      <p:ext uri="{BB962C8B-B14F-4D97-AF65-F5344CB8AC3E}">
+        <p14:creationId xmlns:p14="http://schemas.microsoft.com/office/powerpoint/2010/main" val="1518739870"/>
+      </p:ext>
+    </p:extLst>
   </p:cSld>
   <p:clrMapOvr>
     <a:masterClrMapping/>
@@ -4950,79 +5030,59 @@
           <a:chExt cx="0" cy="0"/>
         </a:xfrm>
       </p:grpSpPr>
-      <p:sp>
-        <p:nvSpPr>
-          <p:cNvPr id="2" name="Title 1"/>
-          <p:cNvSpPr>
-            <a:spLocks noGrp="1"/>
-          </p:cNvSpPr>
-          <p:nvPr>
-            <p:ph type="title"/>
-          </p:nvPr>
-        </p:nvSpPr>
-        <p:spPr/>
-        <p:txBody>
-          <a:bodyPr/>
-          <a:lstStyle/>
-          <a:p>
-            <a:r>
-              <a:t>Introduction to Data Warehouses</a:t>
-            </a:r>
-          </a:p>
-        </p:txBody>
-      </p:sp>
-      <p:sp>
-        <p:nvSpPr>
-          <p:cNvPr id="3" name="Content Placeholder 2"/>
-          <p:cNvSpPr>
-            <a:spLocks noGrp="1"/>
-          </p:cNvSpPr>
-          <p:nvPr>
-            <p:ph idx="1"/>
-          </p:nvPr>
-        </p:nvSpPr>
-        <p:spPr/>
-        <p:txBody>
-          <a:bodyPr/>
-          <a:lstStyle/>
-          <a:p>
-            <a:r>
-              <a:t>- A Data Warehouse (DW) is a central repository designed for analytics and reporting.</a:t>
-            </a:r>
-          </a:p>
-          <a:p>
-            <a:r>
-              <a:t>- Integrates data from multiple sources to provide a single version of truth.</a:t>
-            </a:r>
-          </a:p>
-          <a:p>
-            <a:r>
-              <a:t>- Key characteristics:</a:t>
-            </a:r>
-          </a:p>
-          <a:p>
-            <a:r>
-              <a:t>  - Subject-oriented</a:t>
-            </a:r>
-          </a:p>
-          <a:p>
-            <a:r>
-              <a:t>  - Integrated</a:t>
-            </a:r>
-          </a:p>
-          <a:p>
-            <a:r>
-              <a:t>  - Time-variant</a:t>
-            </a:r>
-          </a:p>
-          <a:p>
-            <a:r>
-              <a:t>  - Non-volatile</a:t>
-            </a:r>
-          </a:p>
-        </p:txBody>
-      </p:sp>
+      <p:pic>
+        <p:nvPicPr>
+          <p:cNvPr id="2054" name="Picture 6">
+            <a:extLst>
+              <a:ext uri="{FF2B5EF4-FFF2-40B4-BE49-F238E27FC236}">
+                <a16:creationId xmlns:a16="http://schemas.microsoft.com/office/drawing/2014/main" id="{0B8C9034-70F1-D533-BD61-0D0E3E04BD17}"/>
+              </a:ext>
+            </a:extLst>
+          </p:cNvPr>
+          <p:cNvPicPr>
+            <a:picLocks noChangeAspect="1" noChangeArrowheads="1"/>
+          </p:cNvPicPr>
+          <p:nvPr/>
+        </p:nvPicPr>
+        <p:blipFill>
+          <a:blip r:embed="rId2">
+            <a:extLst>
+              <a:ext uri="{28A0092B-C50C-407E-A947-70E740481C1C}">
+                <a14:useLocalDpi xmlns:a14="http://schemas.microsoft.com/office/drawing/2010/main" val="0"/>
+              </a:ext>
+            </a:extLst>
+          </a:blip>
+          <a:srcRect/>
+          <a:stretch>
+            <a:fillRect/>
+          </a:stretch>
+        </p:blipFill>
+        <p:spPr bwMode="auto">
+          <a:xfrm>
+            <a:off x="1524000" y="0"/>
+            <a:ext cx="9144000" cy="6858000"/>
+          </a:xfrm>
+          <a:prstGeom prst="rect">
+            <a:avLst/>
+          </a:prstGeom>
+          <a:noFill/>
+          <a:extLst>
+            <a:ext uri="{909E8E84-426E-40DD-AFC4-6F175D3DCCD1}">
+              <a14:hiddenFill xmlns:a14="http://schemas.microsoft.com/office/drawing/2010/main">
+                <a:solidFill>
+                  <a:srgbClr val="FFFFFF"/>
+                </a:solidFill>
+              </a14:hiddenFill>
+            </a:ext>
+          </a:extLst>
+        </p:spPr>
+      </p:pic>
     </p:spTree>
+    <p:extLst>
+      <p:ext uri="{BB962C8B-B14F-4D97-AF65-F5344CB8AC3E}">
+        <p14:creationId xmlns:p14="http://schemas.microsoft.com/office/powerpoint/2010/main" val="3402570870"/>
+      </p:ext>
+    </p:extLst>
   </p:cSld>
   <p:clrMapOvr>
     <a:masterClrMapping/>
@@ -5116,64 +5176,42 @@
           <a:chExt cx="0" cy="0"/>
         </a:xfrm>
       </p:grpSpPr>
-      <p:sp>
-        <p:nvSpPr>
-          <p:cNvPr id="2" name="Title 1"/>
-          <p:cNvSpPr>
-            <a:spLocks noGrp="1"/>
-          </p:cNvSpPr>
-          <p:nvPr>
-            <p:ph type="title"/>
-          </p:nvPr>
-        </p:nvSpPr>
-        <p:spPr/>
-        <p:txBody>
-          <a:bodyPr/>
-          <a:lstStyle/>
-          <a:p>
-            <a:r>
-              <a:t>Why Use a Data Warehouse?</a:t>
-            </a:r>
-          </a:p>
-        </p:txBody>
-      </p:sp>
-      <p:sp>
-        <p:nvSpPr>
-          <p:cNvPr id="3" name="Content Placeholder 2"/>
-          <p:cNvSpPr>
-            <a:spLocks noGrp="1"/>
-          </p:cNvSpPr>
-          <p:nvPr>
-            <p:ph idx="1"/>
-          </p:nvPr>
-        </p:nvSpPr>
-        <p:spPr/>
-        <p:txBody>
-          <a:bodyPr/>
-          <a:lstStyle/>
-          <a:p>
-            <a:r>
-              <a:t>- Helps organizations make data-driven decisions.</a:t>
-            </a:r>
-          </a:p>
-          <a:p>
-            <a:r>
-              <a:t>- Stores historical data for trend analysis and forecasting.</a:t>
-            </a:r>
-          </a:p>
-          <a:p>
-            <a:r>
-              <a:t>- Improves query performance for reporting.</a:t>
-            </a:r>
-          </a:p>
-          <a:p>
-            <a:r>
-              <a:t>- Provides data consistency across departments.</a:t>
-            </a:r>
-          </a:p>
-        </p:txBody>
-      </p:sp>
+      <p:pic>
+        <p:nvPicPr>
+          <p:cNvPr id="5" name="Picture 4" descr="A diagram of different colored circles&#10;&#10;AI-generated content may be incorrect.">
+            <a:extLst>
+              <a:ext uri="{FF2B5EF4-FFF2-40B4-BE49-F238E27FC236}">
+                <a16:creationId xmlns:a16="http://schemas.microsoft.com/office/drawing/2014/main" id="{89990E46-FC47-53EA-4491-7B74E6EBE29A}"/>
+              </a:ext>
+            </a:extLst>
+          </p:cNvPr>
+          <p:cNvPicPr>
+            <a:picLocks noChangeAspect="1"/>
+          </p:cNvPicPr>
+          <p:nvPr/>
+        </p:nvPicPr>
+        <p:blipFill>
+          <a:blip r:embed="rId2"/>
+          <a:stretch>
+            <a:fillRect/>
+          </a:stretch>
+        </p:blipFill>
+        <p:spPr>
+          <a:xfrm>
+            <a:off x="1524000" y="0"/>
+            <a:ext cx="9144000" cy="6858000"/>
+          </a:xfrm>
+          <a:prstGeom prst="rect">
+            <a:avLst/>
+          </a:prstGeom>
+        </p:spPr>
+      </p:pic>
     </p:spTree>
+    <p:extLst>
+      <p:ext uri="{BB962C8B-B14F-4D97-AF65-F5344CB8AC3E}">
+        <p14:creationId xmlns:p14="http://schemas.microsoft.com/office/powerpoint/2010/main" val="869918906"/>
+      </p:ext>
+    </p:extLst>
   </p:cSld>
   <p:clrMapOvr>
     <a:masterClrMapping/>
@@ -5182,483 +5220,6 @@
 </file>
 
 <file path=ppt/slides/slide21.xml><?xml version="1.0" encoding="utf-8"?>
-<p:sld xmlns:a="http://schemas.openxmlformats.org/drawingml/2006/main" xmlns:r="http://schemas.openxmlformats.org/officeDocument/2006/relationships" xmlns:p="http://schemas.openxmlformats.org/presentationml/2006/main">
-  <p:cSld>
-    <p:spTree>
-      <p:nvGrpSpPr>
-        <p:cNvPr id="1" name=""/>
-        <p:cNvGrpSpPr/>
-        <p:nvPr/>
-      </p:nvGrpSpPr>
-      <p:grpSpPr>
-        <a:xfrm>
-          <a:off x="0" y="0"/>
-          <a:ext cx="0" cy="0"/>
-          <a:chOff x="0" y="0"/>
-          <a:chExt cx="0" cy="0"/>
-        </a:xfrm>
-      </p:grpSpPr>
-      <p:sp>
-        <p:nvSpPr>
-          <p:cNvPr id="2" name="Title 1"/>
-          <p:cNvSpPr>
-            <a:spLocks noGrp="1"/>
-          </p:cNvSpPr>
-          <p:nvPr>
-            <p:ph type="title"/>
-          </p:nvPr>
-        </p:nvSpPr>
-        <p:spPr/>
-        <p:txBody>
-          <a:bodyPr/>
-          <a:lstStyle/>
-          <a:p>
-            <a:r>
-              <a:t>Data Warehouse Architecture</a:t>
-            </a:r>
-          </a:p>
-        </p:txBody>
-      </p:sp>
-      <p:sp>
-        <p:nvSpPr>
-          <p:cNvPr id="3" name="Content Placeholder 2"/>
-          <p:cNvSpPr>
-            <a:spLocks noGrp="1"/>
-          </p:cNvSpPr>
-          <p:nvPr>
-            <p:ph idx="1"/>
-          </p:nvPr>
-        </p:nvSpPr>
-        <p:spPr/>
-        <p:txBody>
-          <a:bodyPr/>
-          <a:lstStyle/>
-          <a:p>
-            <a:r>
-              <a:t>- Data Sources: CRM, ERP, Social Media, IoT devices, etc.</a:t>
-            </a:r>
-          </a:p>
-          <a:p>
-            <a:r>
-              <a:t>- ETL Process: Extract, Transform, Load (ETL) moves data to the warehouse.</a:t>
-            </a:r>
-          </a:p>
-          <a:p>
-            <a:r>
-              <a:t>- Data Warehouse: Centralized storage optimized for querying.</a:t>
-            </a:r>
-          </a:p>
-          <a:p>
-            <a:r>
-              <a:t>- BI Tools: Dashboards, reports, and analytics platforms consume the data.</a:t>
-            </a:r>
-          </a:p>
-        </p:txBody>
-      </p:sp>
-    </p:spTree>
-  </p:cSld>
-  <p:clrMapOvr>
-    <a:masterClrMapping/>
-  </p:clrMapOvr>
-</p:sld>
-</file>
-
-<file path=ppt/slides/slide22.xml><?xml version="1.0" encoding="utf-8"?>
-<p:sld xmlns:a="http://schemas.openxmlformats.org/drawingml/2006/main" xmlns:r="http://schemas.openxmlformats.org/officeDocument/2006/relationships" xmlns:p="http://schemas.openxmlformats.org/presentationml/2006/main">
-  <p:cSld>
-    <p:spTree>
-      <p:nvGrpSpPr>
-        <p:cNvPr id="1" name=""/>
-        <p:cNvGrpSpPr/>
-        <p:nvPr/>
-      </p:nvGrpSpPr>
-      <p:grpSpPr>
-        <a:xfrm>
-          <a:off x="0" y="0"/>
-          <a:ext cx="0" cy="0"/>
-          <a:chOff x="0" y="0"/>
-          <a:chExt cx="0" cy="0"/>
-        </a:xfrm>
-      </p:grpSpPr>
-      <p:sp>
-        <p:nvSpPr>
-          <p:cNvPr id="2" name="Title 1"/>
-          <p:cNvSpPr>
-            <a:spLocks noGrp="1"/>
-          </p:cNvSpPr>
-          <p:nvPr>
-            <p:ph type="title"/>
-          </p:nvPr>
-        </p:nvSpPr>
-        <p:spPr/>
-        <p:txBody>
-          <a:bodyPr/>
-          <a:lstStyle/>
-          <a:p>
-            <a:r>
-              <a:t>Fact Tables in Data Warehousing</a:t>
-            </a:r>
-          </a:p>
-        </p:txBody>
-      </p:sp>
-      <p:sp>
-        <p:nvSpPr>
-          <p:cNvPr id="3" name="Content Placeholder 2"/>
-          <p:cNvSpPr>
-            <a:spLocks noGrp="1"/>
-          </p:cNvSpPr>
-          <p:nvPr>
-            <p:ph idx="1"/>
-          </p:nvPr>
-        </p:nvSpPr>
-        <p:spPr/>
-        <p:txBody>
-          <a:bodyPr/>
-          <a:lstStyle/>
-          <a:p>
-            <a:r>
-              <a:t>- Fact tables store measurable business events (e.g., sales, orders, transactions).</a:t>
-            </a:r>
-          </a:p>
-          <a:p>
-            <a:r>
-              <a:t>- Contains metrics (facts) and foreign keys referencing dimension tables.</a:t>
-            </a:r>
-          </a:p>
-          <a:p>
-            <a:r>
-              <a:t>- Example: FCT_SALES with facts like total_sales, quantity_sold, revenue.</a:t>
-            </a:r>
-          </a:p>
-        </p:txBody>
-      </p:sp>
-    </p:spTree>
-  </p:cSld>
-  <p:clrMapOvr>
-    <a:masterClrMapping/>
-  </p:clrMapOvr>
-</p:sld>
-</file>
-
-<file path=ppt/slides/slide23.xml><?xml version="1.0" encoding="utf-8"?>
-<p:sld xmlns:a="http://schemas.openxmlformats.org/drawingml/2006/main" xmlns:r="http://schemas.openxmlformats.org/officeDocument/2006/relationships" xmlns:p="http://schemas.openxmlformats.org/presentationml/2006/main">
-  <p:cSld>
-    <p:spTree>
-      <p:nvGrpSpPr>
-        <p:cNvPr id="1" name=""/>
-        <p:cNvGrpSpPr/>
-        <p:nvPr/>
-      </p:nvGrpSpPr>
-      <p:grpSpPr>
-        <a:xfrm>
-          <a:off x="0" y="0"/>
-          <a:ext cx="0" cy="0"/>
-          <a:chOff x="0" y="0"/>
-          <a:chExt cx="0" cy="0"/>
-        </a:xfrm>
-      </p:grpSpPr>
-      <p:sp>
-        <p:nvSpPr>
-          <p:cNvPr id="2" name="Title 1"/>
-          <p:cNvSpPr>
-            <a:spLocks noGrp="1"/>
-          </p:cNvSpPr>
-          <p:nvPr>
-            <p:ph type="title"/>
-          </p:nvPr>
-        </p:nvSpPr>
-        <p:spPr/>
-        <p:txBody>
-          <a:bodyPr/>
-          <a:lstStyle/>
-          <a:p>
-            <a:r>
-              <a:t>Types of Fact Tables</a:t>
-            </a:r>
-          </a:p>
-        </p:txBody>
-      </p:sp>
-      <p:sp>
-        <p:nvSpPr>
-          <p:cNvPr id="3" name="Content Placeholder 2"/>
-          <p:cNvSpPr>
-            <a:spLocks noGrp="1"/>
-          </p:cNvSpPr>
-          <p:nvPr>
-            <p:ph idx="1"/>
-          </p:nvPr>
-        </p:nvSpPr>
-        <p:spPr/>
-        <p:txBody>
-          <a:bodyPr/>
-          <a:lstStyle/>
-          <a:p>
-            <a:r>
-              <a:t>1. Transactional Fact Tables: Stores detailed events (e.g., sales orders per transaction).</a:t>
-            </a:r>
-          </a:p>
-          <a:p>
-            <a:r>
-              <a:t>2. Periodic Snapshot Fact Tables: Captures data at specific time intervals (e.g., daily sales).</a:t>
-            </a:r>
-          </a:p>
-          <a:p>
-            <a:r>
-              <a:t>3. Accumulating Snapshot Fact Tables: Tracks a process over time (e.g., order fulfillment stages).</a:t>
-            </a:r>
-          </a:p>
-        </p:txBody>
-      </p:sp>
-    </p:spTree>
-  </p:cSld>
-  <p:clrMapOvr>
-    <a:masterClrMapping/>
-  </p:clrMapOvr>
-</p:sld>
-</file>
-
-<file path=ppt/slides/slide24.xml><?xml version="1.0" encoding="utf-8"?>
-<p:sld xmlns:a="http://schemas.openxmlformats.org/drawingml/2006/main" xmlns:r="http://schemas.openxmlformats.org/officeDocument/2006/relationships" xmlns:p="http://schemas.openxmlformats.org/presentationml/2006/main">
-  <p:cSld>
-    <p:spTree>
-      <p:nvGrpSpPr>
-        <p:cNvPr id="1" name=""/>
-        <p:cNvGrpSpPr/>
-        <p:nvPr/>
-      </p:nvGrpSpPr>
-      <p:grpSpPr>
-        <a:xfrm>
-          <a:off x="0" y="0"/>
-          <a:ext cx="0" cy="0"/>
-          <a:chOff x="0" y="0"/>
-          <a:chExt cx="0" cy="0"/>
-        </a:xfrm>
-      </p:grpSpPr>
-      <p:sp>
-        <p:nvSpPr>
-          <p:cNvPr id="2" name="Title 1"/>
-          <p:cNvSpPr>
-            <a:spLocks noGrp="1"/>
-          </p:cNvSpPr>
-          <p:nvPr>
-            <p:ph type="title"/>
-          </p:nvPr>
-        </p:nvSpPr>
-        <p:spPr/>
-        <p:txBody>
-          <a:bodyPr/>
-          <a:lstStyle/>
-          <a:p>
-            <a:r>
-              <a:t>Dimension Tables</a:t>
-            </a:r>
-          </a:p>
-        </p:txBody>
-      </p:sp>
-      <p:sp>
-        <p:nvSpPr>
-          <p:cNvPr id="3" name="Content Placeholder 2"/>
-          <p:cNvSpPr>
-            <a:spLocks noGrp="1"/>
-          </p:cNvSpPr>
-          <p:nvPr>
-            <p:ph idx="1"/>
-          </p:nvPr>
-        </p:nvSpPr>
-        <p:spPr/>
-        <p:txBody>
-          <a:bodyPr/>
-          <a:lstStyle/>
-          <a:p>
-            <a:r>
-              <a:t>- Dimension tables store descriptive attributes (e.g., customer, product, location).</a:t>
-            </a:r>
-          </a:p>
-          <a:p>
-            <a:r>
-              <a:t>- Each record has a primary key that links to the fact table.</a:t>
-            </a:r>
-          </a:p>
-          <a:p>
-            <a:r>
-              <a:t>- Example: DIM_PRODUCT with attributes Product_ID, Name, Category, Brand.</a:t>
-            </a:r>
-          </a:p>
-        </p:txBody>
-      </p:sp>
-    </p:spTree>
-  </p:cSld>
-  <p:clrMapOvr>
-    <a:masterClrMapping/>
-  </p:clrMapOvr>
-</p:sld>
-</file>
-
-<file path=ppt/slides/slide25.xml><?xml version="1.0" encoding="utf-8"?>
-<p:sld xmlns:a="http://schemas.openxmlformats.org/drawingml/2006/main" xmlns:r="http://schemas.openxmlformats.org/officeDocument/2006/relationships" xmlns:p="http://schemas.openxmlformats.org/presentationml/2006/main">
-  <p:cSld>
-    <p:spTree>
-      <p:nvGrpSpPr>
-        <p:cNvPr id="1" name=""/>
-        <p:cNvGrpSpPr/>
-        <p:nvPr/>
-      </p:nvGrpSpPr>
-      <p:grpSpPr>
-        <a:xfrm>
-          <a:off x="0" y="0"/>
-          <a:ext cx="0" cy="0"/>
-          <a:chOff x="0" y="0"/>
-          <a:chExt cx="0" cy="0"/>
-        </a:xfrm>
-      </p:grpSpPr>
-      <p:sp>
-        <p:nvSpPr>
-          <p:cNvPr id="2" name="Title 1"/>
-          <p:cNvSpPr>
-            <a:spLocks noGrp="1"/>
-          </p:cNvSpPr>
-          <p:nvPr>
-            <p:ph type="title"/>
-          </p:nvPr>
-        </p:nvSpPr>
-        <p:spPr/>
-        <p:txBody>
-          <a:bodyPr/>
-          <a:lstStyle/>
-          <a:p>
-            <a:r>
-              <a:t>Slowly Changing Dimensions (SCDs)</a:t>
-            </a:r>
-          </a:p>
-        </p:txBody>
-      </p:sp>
-      <p:sp>
-        <p:nvSpPr>
-          <p:cNvPr id="3" name="Content Placeholder 2"/>
-          <p:cNvSpPr>
-            <a:spLocks noGrp="1"/>
-          </p:cNvSpPr>
-          <p:nvPr>
-            <p:ph idx="1"/>
-          </p:nvPr>
-        </p:nvSpPr>
-        <p:spPr/>
-        <p:txBody>
-          <a:bodyPr/>
-          <a:lstStyle/>
-          <a:p>
-            <a:r>
-              <a:t>- SCDs track changes in dimension data over time.</a:t>
-            </a:r>
-          </a:p>
-          <a:p>
-            <a:r>
-              <a:t>- Types of SCDs:</a:t>
-            </a:r>
-          </a:p>
-          <a:p>
-            <a:r>
-              <a:t>  1. SCD Type 1: Overwrites old data (e.g., updating an address without history).</a:t>
-            </a:r>
-          </a:p>
-          <a:p>
-            <a:r>
-              <a:t>  2. SCD Type 2: Keeps historical versions (e.g., adding a new row for address change).</a:t>
-            </a:r>
-          </a:p>
-          <a:p>
-            <a:r>
-              <a:t>  3. SCD Type 3: Keeps limited history using an additional column (e.g., previous address).</a:t>
-            </a:r>
-          </a:p>
-        </p:txBody>
-      </p:sp>
-    </p:spTree>
-  </p:cSld>
-  <p:clrMapOvr>
-    <a:masterClrMapping/>
-  </p:clrMapOvr>
-</p:sld>
-</file>
-
-<file path=ppt/slides/slide26.xml><?xml version="1.0" encoding="utf-8"?>
-<p:sld xmlns:a="http://schemas.openxmlformats.org/drawingml/2006/main" xmlns:r="http://schemas.openxmlformats.org/officeDocument/2006/relationships" xmlns:p="http://schemas.openxmlformats.org/presentationml/2006/main">
-  <p:cSld>
-    <p:spTree>
-      <p:nvGrpSpPr>
-        <p:cNvPr id="1" name=""/>
-        <p:cNvGrpSpPr/>
-        <p:nvPr/>
-      </p:nvGrpSpPr>
-      <p:grpSpPr>
-        <a:xfrm>
-          <a:off x="0" y="0"/>
-          <a:ext cx="0" cy="0"/>
-          <a:chOff x="0" y="0"/>
-          <a:chExt cx="0" cy="0"/>
-        </a:xfrm>
-      </p:grpSpPr>
-      <p:sp>
-        <p:nvSpPr>
-          <p:cNvPr id="2" name="Title 1"/>
-          <p:cNvSpPr>
-            <a:spLocks noGrp="1"/>
-          </p:cNvSpPr>
-          <p:nvPr>
-            <p:ph type="title"/>
-          </p:nvPr>
-        </p:nvSpPr>
-        <p:spPr/>
-        <p:txBody>
-          <a:bodyPr/>
-          <a:lstStyle/>
-          <a:p>
-            <a:r>
-              <a:t>Choosing the Right SCD Type</a:t>
-            </a:r>
-          </a:p>
-        </p:txBody>
-      </p:sp>
-      <p:sp>
-        <p:nvSpPr>
-          <p:cNvPr id="3" name="Content Placeholder 2"/>
-          <p:cNvSpPr>
-            <a:spLocks noGrp="1"/>
-          </p:cNvSpPr>
-          <p:nvPr>
-            <p:ph idx="1"/>
-          </p:nvPr>
-        </p:nvSpPr>
-        <p:spPr/>
-        <p:txBody>
-          <a:bodyPr/>
-          <a:lstStyle/>
-          <a:p>
-            <a:r>
-              <a:t>- Type 1: When historical changes do not matter.</a:t>
-            </a:r>
-          </a:p>
-          <a:p>
-            <a:r>
-              <a:t>- Type 2: When maintaining full history is essential.</a:t>
-            </a:r>
-          </a:p>
-          <a:p>
-            <a:r>
-              <a:t>- Type 3: When a limited historical reference is needed.</a:t>
-            </a:r>
-          </a:p>
-        </p:txBody>
-      </p:sp>
-    </p:spTree>
-  </p:cSld>
-  <p:clrMapOvr>
-    <a:masterClrMapping/>
-  </p:clrMapOvr>
-</p:sld>
-</file>
-
-<file path=ppt/slides/slide27.xml><?xml version="1.0" encoding="utf-8"?>
 <p:sld xmlns:a="http://schemas.openxmlformats.org/drawingml/2006/main" xmlns:r="http://schemas.openxmlformats.org/officeDocument/2006/relationships" xmlns:p="http://schemas.openxmlformats.org/presentationml/2006/main">
   <p:cSld>
     <p:spTree>
@@ -6047,7 +5608,7 @@
 </p:sld>
 </file>
 
-<file path=ppt/slides/slide28.xml><?xml version="1.0" encoding="utf-8"?>
+<file path=ppt/slides/slide22.xml><?xml version="1.0" encoding="utf-8"?>
 <p:sld xmlns:a="http://schemas.openxmlformats.org/drawingml/2006/main" xmlns:r="http://schemas.openxmlformats.org/officeDocument/2006/relationships" xmlns:p="http://schemas.openxmlformats.org/presentationml/2006/main">
   <p:cSld>
     <p:spTree>
@@ -6177,7 +5738,7 @@
 </p:sld>
 </file>
 
-<file path=ppt/slides/slide29.xml><?xml version="1.0" encoding="utf-8"?>
+<file path=ppt/slides/slide23.xml><?xml version="1.0" encoding="utf-8"?>
 <p:sld xmlns:a="http://schemas.openxmlformats.org/drawingml/2006/main" xmlns:r="http://schemas.openxmlformats.org/officeDocument/2006/relationships" xmlns:p="http://schemas.openxmlformats.org/presentationml/2006/main">
   <p:cSld>
     <p:spTree>
@@ -6306,136 +5867,7 @@
 </p:sld>
 </file>
 
-<file path=ppt/slides/slide3.xml><?xml version="1.0" encoding="utf-8"?>
-<p:sld xmlns:a="http://schemas.openxmlformats.org/drawingml/2006/main" xmlns:r="http://schemas.openxmlformats.org/officeDocument/2006/relationships" xmlns:p="http://schemas.openxmlformats.org/presentationml/2006/main">
-  <p:cSld>
-    <p:spTree>
-      <p:nvGrpSpPr>
-        <p:cNvPr id="1" name=""/>
-        <p:cNvGrpSpPr/>
-        <p:nvPr/>
-      </p:nvGrpSpPr>
-      <p:grpSpPr>
-        <a:xfrm>
-          <a:off x="0" y="0"/>
-          <a:ext cx="0" cy="0"/>
-          <a:chOff x="0" y="0"/>
-          <a:chExt cx="0" cy="0"/>
-        </a:xfrm>
-      </p:grpSpPr>
-      <p:sp>
-        <p:nvSpPr>
-          <p:cNvPr id="2" name="Title 1"/>
-          <p:cNvSpPr>
-            <a:spLocks noGrp="1"/>
-          </p:cNvSpPr>
-          <p:nvPr>
-            <p:ph type="title"/>
-          </p:nvPr>
-        </p:nvSpPr>
-        <p:spPr/>
-        <p:txBody>
-          <a:bodyPr/>
-          <a:lstStyle/>
-          <a:p>
-            <a:r>
-              <a:t>What is ETL?</a:t>
-            </a:r>
-          </a:p>
-        </p:txBody>
-      </p:sp>
-      <p:sp>
-        <p:nvSpPr>
-          <p:cNvPr id="3" name="Content Placeholder 2"/>
-          <p:cNvSpPr>
-            <a:spLocks noGrp="1"/>
-          </p:cNvSpPr>
-          <p:nvPr>
-            <p:ph idx="1"/>
-          </p:nvPr>
-        </p:nvSpPr>
-        <p:spPr/>
-        <p:txBody>
-          <a:bodyPr>
-            <a:normAutofit/>
-          </a:bodyPr>
-          <a:lstStyle/>
-          <a:p>
-            <a:pPr>
-              <a:buFont typeface="Arial" panose="020B0604020202020204" pitchFamily="34" charset="0"/>
-              <a:buChar char="•"/>
-            </a:pPr>
-            <a:r>
-              <a:rPr lang="en-GB" dirty="0"/>
-              <a:t>It is the process of integrating data from multiple sources into a </a:t>
-            </a:r>
-            <a:r>
-              <a:rPr lang="en-GB" b="1" dirty="0"/>
-              <a:t>central data warehouse</a:t>
-            </a:r>
-            <a:r>
-              <a:rPr lang="en-GB" dirty="0"/>
-              <a:t>.</a:t>
-            </a:r>
-          </a:p>
-          <a:p>
-            <a:pPr>
-              <a:buFont typeface="Arial" panose="020B0604020202020204" pitchFamily="34" charset="0"/>
-              <a:buChar char="•"/>
-            </a:pPr>
-            <a:r>
-              <a:rPr lang="en-GB" dirty="0"/>
-              <a:t>Cleans and organizes raw data for </a:t>
-            </a:r>
-            <a:r>
-              <a:rPr lang="en-GB" b="1" dirty="0"/>
-              <a:t>storage, analytics, and machine learning (ML)</a:t>
-            </a:r>
-            <a:r>
-              <a:rPr lang="en-GB" dirty="0"/>
-              <a:t>.</a:t>
-            </a:r>
-          </a:p>
-          <a:p>
-            <a:pPr>
-              <a:buFont typeface="Arial" panose="020B0604020202020204" pitchFamily="34" charset="0"/>
-              <a:buChar char="•"/>
-            </a:pPr>
-            <a:r>
-              <a:rPr lang="en-GB" dirty="0"/>
-              <a:t>Enables </a:t>
-            </a:r>
-            <a:r>
-              <a:rPr lang="en-GB" b="1" dirty="0"/>
-              <a:t>business intelligence</a:t>
-            </a:r>
-            <a:r>
-              <a:rPr lang="en-GB" dirty="0"/>
-              <a:t> by generating </a:t>
-            </a:r>
-            <a:r>
-              <a:rPr lang="en-GB" b="1" dirty="0"/>
-              <a:t>reports, dashboards, and predicting outcomes</a:t>
-            </a:r>
-            <a:r>
-              <a:rPr lang="en-GB" dirty="0"/>
-              <a:t>.</a:t>
-            </a:r>
-          </a:p>
-          <a:p>
-            <a:endParaRPr lang="en-GB" dirty="0"/>
-          </a:p>
-        </p:txBody>
-      </p:sp>
-    </p:spTree>
-  </p:cSld>
-  <p:clrMapOvr>
-    <a:masterClrMapping/>
-  </p:clrMapOvr>
-</p:sld>
-</file>
-
-<file path=ppt/slides/slide30.xml><?xml version="1.0" encoding="utf-8"?>
+<file path=ppt/slides/slide24.xml><?xml version="1.0" encoding="utf-8"?>
 <p:sld xmlns:a="http://schemas.openxmlformats.org/drawingml/2006/main" xmlns:r="http://schemas.openxmlformats.org/officeDocument/2006/relationships" xmlns:p="http://schemas.openxmlformats.org/presentationml/2006/main">
   <p:cSld>
     <p:spTree>
@@ -6542,7 +5974,7 @@
 </p:sld>
 </file>
 
-<file path=ppt/slides/slide31.xml><?xml version="1.0" encoding="utf-8"?>
+<file path=ppt/slides/slide25.xml><?xml version="1.0" encoding="utf-8"?>
 <p:sld xmlns:a="http://schemas.openxmlformats.org/drawingml/2006/main" xmlns:r="http://schemas.openxmlformats.org/officeDocument/2006/relationships" xmlns:p="http://schemas.openxmlformats.org/presentationml/2006/main">
   <p:cSld>
     <p:spTree>
@@ -6694,7 +6126,7 @@
 </p:sld>
 </file>
 
-<file path=ppt/slides/slide32.xml><?xml version="1.0" encoding="utf-8"?>
+<file path=ppt/slides/slide26.xml><?xml version="1.0" encoding="utf-8"?>
 <p:sld xmlns:a="http://schemas.openxmlformats.org/drawingml/2006/main" xmlns:r="http://schemas.openxmlformats.org/officeDocument/2006/relationships" xmlns:p="http://schemas.openxmlformats.org/presentationml/2006/main">
   <p:cSld>
     <p:spTree>
@@ -6760,7 +6192,7 @@
 </p:sld>
 </file>
 
-<file path=ppt/slides/slide33.xml><?xml version="1.0" encoding="utf-8"?>
+<file path=ppt/slides/slide27.xml><?xml version="1.0" encoding="utf-8"?>
 <p:sld xmlns:a="http://schemas.openxmlformats.org/drawingml/2006/main" xmlns:r="http://schemas.openxmlformats.org/officeDocument/2006/relationships" xmlns:p="http://schemas.openxmlformats.org/presentationml/2006/main">
   <p:cSld>
     <p:spTree>
@@ -7018,14 +6450,24 @@
                 <a:effectLst/>
                 <a:latin typeface="Arial Unicode MS"/>
               </a:rPr>
-              <a:t>DIM_DATE.</a:t>
-            </a:r>
-            <a:r>
-              <a:rPr lang="en-US" altLang="en-US" dirty="0">
+              <a:t>DIM_</a:t>
+            </a:r>
+            <a:r>
+              <a:rPr kumimoji="0" lang="en-US" altLang="en-US" b="0" i="0" u="none" strike="noStrike" cap="none" normalizeH="0" baseline="0">
+                <a:ln>
+                  <a:noFill/>
+                </a:ln>
+                <a:solidFill>
+                  <a:schemeClr val="tx1"/>
+                </a:solidFill>
+                <a:effectLst/>
                 <a:latin typeface="Arial Unicode MS"/>
               </a:rPr>
-              <a:t>QUARTER</a:t>
-            </a:r>
+              <a:t>DATE.</a:t>
+            </a:r>
+            <a:endParaRPr lang="en-US" altLang="en-US" dirty="0">
+              <a:latin typeface="Arial Unicode MS"/>
+            </a:endParaRPr>
           </a:p>
           <a:p>
             <a:pPr marL="0" marR="0" lvl="0" indent="0" algn="l" defTabSz="914400" rtl="0" eaLnBrk="0" fontAlgn="base" latinLnBrk="0" hangingPunct="0">
@@ -7165,7 +6607,7 @@
 </p:sld>
 </file>
 
-<file path=ppt/slides/slide34.xml><?xml version="1.0" encoding="utf-8"?>
+<file path=ppt/slides/slide28.xml><?xml version="1.0" encoding="utf-8"?>
 <p:sld xmlns:a="http://schemas.openxmlformats.org/drawingml/2006/main" xmlns:r="http://schemas.openxmlformats.org/officeDocument/2006/relationships" xmlns:p="http://schemas.openxmlformats.org/presentationml/2006/main">
   <p:cSld>
     <p:spTree>
@@ -7379,7 +6821,7 @@
 </p:sld>
 </file>
 
-<file path=ppt/slides/slide35.xml><?xml version="1.0" encoding="utf-8"?>
+<file path=ppt/slides/slide29.xml><?xml version="1.0" encoding="utf-8"?>
 <p:sld xmlns:a="http://schemas.openxmlformats.org/drawingml/2006/main" xmlns:r="http://schemas.openxmlformats.org/officeDocument/2006/relationships" xmlns:p="http://schemas.openxmlformats.org/presentationml/2006/main">
   <p:cSld>
     <p:spTree>
@@ -7819,7 +7261,136 @@
 </p:sld>
 </file>
 
-<file path=ppt/slides/slide36.xml><?xml version="1.0" encoding="utf-8"?>
+<file path=ppt/slides/slide3.xml><?xml version="1.0" encoding="utf-8"?>
+<p:sld xmlns:a="http://schemas.openxmlformats.org/drawingml/2006/main" xmlns:r="http://schemas.openxmlformats.org/officeDocument/2006/relationships" xmlns:p="http://schemas.openxmlformats.org/presentationml/2006/main">
+  <p:cSld>
+    <p:spTree>
+      <p:nvGrpSpPr>
+        <p:cNvPr id="1" name=""/>
+        <p:cNvGrpSpPr/>
+        <p:nvPr/>
+      </p:nvGrpSpPr>
+      <p:grpSpPr>
+        <a:xfrm>
+          <a:off x="0" y="0"/>
+          <a:ext cx="0" cy="0"/>
+          <a:chOff x="0" y="0"/>
+          <a:chExt cx="0" cy="0"/>
+        </a:xfrm>
+      </p:grpSpPr>
+      <p:sp>
+        <p:nvSpPr>
+          <p:cNvPr id="2" name="Title 1"/>
+          <p:cNvSpPr>
+            <a:spLocks noGrp="1"/>
+          </p:cNvSpPr>
+          <p:nvPr>
+            <p:ph type="title"/>
+          </p:nvPr>
+        </p:nvSpPr>
+        <p:spPr/>
+        <p:txBody>
+          <a:bodyPr/>
+          <a:lstStyle/>
+          <a:p>
+            <a:r>
+              <a:t>What is ETL?</a:t>
+            </a:r>
+          </a:p>
+        </p:txBody>
+      </p:sp>
+      <p:sp>
+        <p:nvSpPr>
+          <p:cNvPr id="3" name="Content Placeholder 2"/>
+          <p:cNvSpPr>
+            <a:spLocks noGrp="1"/>
+          </p:cNvSpPr>
+          <p:nvPr>
+            <p:ph idx="1"/>
+          </p:nvPr>
+        </p:nvSpPr>
+        <p:spPr/>
+        <p:txBody>
+          <a:bodyPr>
+            <a:normAutofit/>
+          </a:bodyPr>
+          <a:lstStyle/>
+          <a:p>
+            <a:pPr>
+              <a:buFont typeface="Arial" panose="020B0604020202020204" pitchFamily="34" charset="0"/>
+              <a:buChar char="•"/>
+            </a:pPr>
+            <a:r>
+              <a:rPr lang="en-GB" dirty="0"/>
+              <a:t>It is the process of integrating data from multiple sources into a </a:t>
+            </a:r>
+            <a:r>
+              <a:rPr lang="en-GB" b="1" dirty="0"/>
+              <a:t>central data warehouse</a:t>
+            </a:r>
+            <a:r>
+              <a:rPr lang="en-GB" dirty="0"/>
+              <a:t>.</a:t>
+            </a:r>
+          </a:p>
+          <a:p>
+            <a:pPr>
+              <a:buFont typeface="Arial" panose="020B0604020202020204" pitchFamily="34" charset="0"/>
+              <a:buChar char="•"/>
+            </a:pPr>
+            <a:r>
+              <a:rPr lang="en-GB" dirty="0"/>
+              <a:t>Cleans and organizes raw data for </a:t>
+            </a:r>
+            <a:r>
+              <a:rPr lang="en-GB" b="1" dirty="0"/>
+              <a:t>storage, analytics, and machine learning (ML)</a:t>
+            </a:r>
+            <a:r>
+              <a:rPr lang="en-GB" dirty="0"/>
+              <a:t>.</a:t>
+            </a:r>
+          </a:p>
+          <a:p>
+            <a:pPr>
+              <a:buFont typeface="Arial" panose="020B0604020202020204" pitchFamily="34" charset="0"/>
+              <a:buChar char="•"/>
+            </a:pPr>
+            <a:r>
+              <a:rPr lang="en-GB" dirty="0"/>
+              <a:t>Enables </a:t>
+            </a:r>
+            <a:r>
+              <a:rPr lang="en-GB" b="1" dirty="0"/>
+              <a:t>business intelligence</a:t>
+            </a:r>
+            <a:r>
+              <a:rPr lang="en-GB" dirty="0"/>
+              <a:t> by generating </a:t>
+            </a:r>
+            <a:r>
+              <a:rPr lang="en-GB" b="1" dirty="0"/>
+              <a:t>reports, dashboards, and predicting outcomes</a:t>
+            </a:r>
+            <a:r>
+              <a:rPr lang="en-GB" dirty="0"/>
+              <a:t>.</a:t>
+            </a:r>
+          </a:p>
+          <a:p>
+            <a:endParaRPr lang="en-GB" dirty="0"/>
+          </a:p>
+        </p:txBody>
+      </p:sp>
+    </p:spTree>
+  </p:cSld>
+  <p:clrMapOvr>
+    <a:masterClrMapping/>
+  </p:clrMapOvr>
+</p:sld>
+</file>
+
+<file path=ppt/slides/slide30.xml><?xml version="1.0" encoding="utf-8"?>
 <p:sld xmlns:a="http://schemas.openxmlformats.org/drawingml/2006/main" xmlns:r="http://schemas.openxmlformats.org/officeDocument/2006/relationships" xmlns:p="http://schemas.openxmlformats.org/presentationml/2006/main">
   <p:cSld>
     <p:spTree>
@@ -8270,7 +7841,7 @@
 </p:sld>
 </file>
 
-<file path=ppt/slides/slide37.xml><?xml version="1.0" encoding="utf-8"?>
+<file path=ppt/slides/slide31.xml><?xml version="1.0" encoding="utf-8"?>
 <p:sld xmlns:a="http://schemas.openxmlformats.org/drawingml/2006/main" xmlns:r="http://schemas.openxmlformats.org/officeDocument/2006/relationships" xmlns:p="http://schemas.openxmlformats.org/presentationml/2006/main">
   <p:cSld>
     <p:spTree>
@@ -8539,7 +8110,7 @@
 </p:sld>
 </file>
 
-<file path=ppt/slides/slide38.xml><?xml version="1.0" encoding="utf-8"?>
+<file path=ppt/slides/slide32.xml><?xml version="1.0" encoding="utf-8"?>
 <p:sld xmlns:a="http://schemas.openxmlformats.org/drawingml/2006/main" xmlns:r="http://schemas.openxmlformats.org/officeDocument/2006/relationships" xmlns:p="http://schemas.openxmlformats.org/presentationml/2006/main">
   <p:cSld>
     <p:spTree>
@@ -8827,7 +8398,7 @@
 </p:sld>
 </file>
 
-<file path=ppt/slides/slide39.xml><?xml version="1.0" encoding="utf-8"?>
+<file path=ppt/slides/slide33.xml><?xml version="1.0" encoding="utf-8"?>
 <p:sld xmlns:a="http://schemas.openxmlformats.org/drawingml/2006/main" xmlns:r="http://schemas.openxmlformats.org/officeDocument/2006/relationships" xmlns:p="http://schemas.openxmlformats.org/presentationml/2006/main">
   <p:cSld>
     <p:spTree>
@@ -9030,149 +8601,7 @@
 </p:sld>
 </file>
 
-<file path=ppt/slides/slide4.xml><?xml version="1.0" encoding="utf-8"?>
-<p:sld xmlns:a="http://schemas.openxmlformats.org/drawingml/2006/main" xmlns:r="http://schemas.openxmlformats.org/officeDocument/2006/relationships" xmlns:p="http://schemas.openxmlformats.org/presentationml/2006/main">
-  <p:cSld>
-    <p:spTree>
-      <p:nvGrpSpPr>
-        <p:cNvPr id="1" name=""/>
-        <p:cNvGrpSpPr/>
-        <p:nvPr/>
-      </p:nvGrpSpPr>
-      <p:grpSpPr>
-        <a:xfrm>
-          <a:off x="0" y="0"/>
-          <a:ext cx="0" cy="0"/>
-          <a:chOff x="0" y="0"/>
-          <a:chExt cx="0" cy="0"/>
-        </a:xfrm>
-      </p:grpSpPr>
-      <p:sp>
-        <p:nvSpPr>
-          <p:cNvPr id="2" name="Title 1"/>
-          <p:cNvSpPr>
-            <a:spLocks noGrp="1"/>
-          </p:cNvSpPr>
-          <p:nvPr>
-            <p:ph type="title"/>
-          </p:nvPr>
-        </p:nvSpPr>
-        <p:spPr/>
-        <p:txBody>
-          <a:bodyPr/>
-          <a:lstStyle/>
-          <a:p>
-            <a:r>
-              <a:t>Why is ETL important?</a:t>
-            </a:r>
-          </a:p>
-        </p:txBody>
-      </p:sp>
-      <p:sp>
-        <p:nvSpPr>
-          <p:cNvPr id="3" name="Content Placeholder 2"/>
-          <p:cNvSpPr>
-            <a:spLocks noGrp="1"/>
-          </p:cNvSpPr>
-          <p:nvPr>
-            <p:ph idx="1"/>
-          </p:nvPr>
-        </p:nvSpPr>
-        <p:spPr/>
-        <p:txBody>
-          <a:bodyPr>
-            <a:normAutofit/>
-          </a:bodyPr>
-          <a:lstStyle/>
-          <a:p>
-            <a:r>
-              <a:rPr lang="en-GB" b="1" dirty="0"/>
-              <a:t>Data Sources in Organizations:</a:t>
-            </a:r>
-            <a:endParaRPr lang="en-GB" dirty="0"/>
-          </a:p>
-          <a:p>
-            <a:pPr>
-              <a:buFont typeface="Arial" panose="020B0604020202020204" pitchFamily="34" charset="0"/>
-              <a:buChar char="•"/>
-            </a:pPr>
-            <a:r>
-              <a:rPr lang="en-GB" dirty="0"/>
-              <a:t>Organizations handle </a:t>
-            </a:r>
-            <a:r>
-              <a:rPr lang="en-GB" b="1" dirty="0"/>
-              <a:t>structured and unstructured data</a:t>
-            </a:r>
-            <a:r>
-              <a:rPr lang="en-GB" dirty="0"/>
-              <a:t> from various sources.</a:t>
-            </a:r>
-          </a:p>
-          <a:p>
-            <a:pPr>
-              <a:buFont typeface="Arial" panose="020B0604020202020204" pitchFamily="34" charset="0"/>
-              <a:buChar char="•"/>
-            </a:pPr>
-            <a:r>
-              <a:rPr lang="en-GB" dirty="0"/>
-              <a:t>Common data sources include:</a:t>
-            </a:r>
-          </a:p>
-          <a:p>
-            <a:pPr marL="742950" lvl="1" indent="-285750"/>
-            <a:r>
-              <a:rPr lang="en-GB" b="1" dirty="0"/>
-              <a:t>CRM systems</a:t>
-            </a:r>
-            <a:endParaRPr lang="en-GB" dirty="0"/>
-          </a:p>
-          <a:p>
-            <a:pPr marL="742950" lvl="1" indent="-285750"/>
-            <a:r>
-              <a:rPr lang="en-GB" b="1" dirty="0"/>
-              <a:t>Vendor systems</a:t>
-            </a:r>
-            <a:endParaRPr lang="en-GB" dirty="0"/>
-          </a:p>
-          <a:p>
-            <a:pPr marL="742950" lvl="1" indent="-285750"/>
-            <a:r>
-              <a:rPr lang="en-GB" b="1" dirty="0"/>
-              <a:t>IoT devices</a:t>
-            </a:r>
-            <a:endParaRPr lang="en-GB" dirty="0"/>
-          </a:p>
-          <a:p>
-            <a:pPr marL="742950" lvl="1" indent="-285750"/>
-            <a:r>
-              <a:rPr lang="en-GB" b="1" dirty="0"/>
-              <a:t>Social media</a:t>
-            </a:r>
-            <a:endParaRPr lang="en-GB" dirty="0"/>
-          </a:p>
-          <a:p>
-            <a:pPr marL="742950" lvl="1" indent="-285750"/>
-            <a:r>
-              <a:rPr lang="en-GB" b="1" dirty="0"/>
-              <a:t>HR systems</a:t>
-            </a:r>
-            <a:r>
-              <a:rPr lang="en-GB" dirty="0"/>
-              <a:t>.</a:t>
-            </a:r>
-          </a:p>
-        </p:txBody>
-      </p:sp>
-    </p:spTree>
-  </p:cSld>
-  <p:clrMapOvr>
-    <a:masterClrMapping/>
-  </p:clrMapOvr>
-</p:sld>
-</file>
-
-<file path=ppt/slides/slide40.xml><?xml version="1.0" encoding="utf-8"?>
+<file path=ppt/slides/slide34.xml><?xml version="1.0" encoding="utf-8"?>
 <p:sld xmlns:a="http://schemas.openxmlformats.org/drawingml/2006/main" xmlns:r="http://schemas.openxmlformats.org/officeDocument/2006/relationships" xmlns:p="http://schemas.openxmlformats.org/presentationml/2006/main">
   <p:cSld>
     <p:spTree>
@@ -9464,7 +8893,7 @@
 </p:sld>
 </file>
 
-<file path=ppt/slides/slide41.xml><?xml version="1.0" encoding="utf-8"?>
+<file path=ppt/slides/slide35.xml><?xml version="1.0" encoding="utf-8"?>
 <p:sld xmlns:a="http://schemas.openxmlformats.org/drawingml/2006/main" xmlns:r="http://schemas.openxmlformats.org/officeDocument/2006/relationships" xmlns:p="http://schemas.openxmlformats.org/presentationml/2006/main">
   <p:cSld>
     <p:spTree>
@@ -9741,7 +9170,7 @@
 </p:sld>
 </file>
 
-<file path=ppt/slides/slide42.xml><?xml version="1.0" encoding="utf-8"?>
+<file path=ppt/slides/slide36.xml><?xml version="1.0" encoding="utf-8"?>
 <p:sld xmlns:a="http://schemas.openxmlformats.org/drawingml/2006/main" xmlns:r="http://schemas.openxmlformats.org/officeDocument/2006/relationships" xmlns:p="http://schemas.openxmlformats.org/presentationml/2006/main">
   <p:cSld>
     <p:spTree>
@@ -10066,7 +9495,7 @@
 </p:sld>
 </file>
 
-<file path=ppt/slides/slide43.xml><?xml version="1.0" encoding="utf-8"?>
+<file path=ppt/slides/slide37.xml><?xml version="1.0" encoding="utf-8"?>
 <p:sld xmlns:a="http://schemas.openxmlformats.org/drawingml/2006/main" xmlns:r="http://schemas.openxmlformats.org/officeDocument/2006/relationships" xmlns:p="http://schemas.openxmlformats.org/presentationml/2006/main">
   <p:cSld>
     <p:spTree>
@@ -10331,7 +9760,7 @@
 </p:sld>
 </file>
 
-<file path=ppt/slides/slide44.xml><?xml version="1.0" encoding="utf-8"?>
+<file path=ppt/slides/slide38.xml><?xml version="1.0" encoding="utf-8"?>
 <p:sld xmlns:a="http://schemas.openxmlformats.org/drawingml/2006/main" xmlns:r="http://schemas.openxmlformats.org/officeDocument/2006/relationships" xmlns:p="http://schemas.openxmlformats.org/presentationml/2006/main">
   <p:cSld>
     <p:spTree>
@@ -10514,7 +9943,7 @@
 </p:sld>
 </file>
 
-<file path=ppt/slides/slide45.xml><?xml version="1.0" encoding="utf-8"?>
+<file path=ppt/slides/slide39.xml><?xml version="1.0" encoding="utf-8"?>
 <p:sld xmlns:a="http://schemas.openxmlformats.org/drawingml/2006/main" xmlns:r="http://schemas.openxmlformats.org/officeDocument/2006/relationships" xmlns:p="http://schemas.openxmlformats.org/presentationml/2006/main">
   <p:cSld>
     <p:spTree>
@@ -10632,7 +10061,149 @@
 </p:sld>
 </file>
 
-<file path=ppt/slides/slide46.xml><?xml version="1.0" encoding="utf-8"?>
+<file path=ppt/slides/slide4.xml><?xml version="1.0" encoding="utf-8"?>
+<p:sld xmlns:a="http://schemas.openxmlformats.org/drawingml/2006/main" xmlns:r="http://schemas.openxmlformats.org/officeDocument/2006/relationships" xmlns:p="http://schemas.openxmlformats.org/presentationml/2006/main">
+  <p:cSld>
+    <p:spTree>
+      <p:nvGrpSpPr>
+        <p:cNvPr id="1" name=""/>
+        <p:cNvGrpSpPr/>
+        <p:nvPr/>
+      </p:nvGrpSpPr>
+      <p:grpSpPr>
+        <a:xfrm>
+          <a:off x="0" y="0"/>
+          <a:ext cx="0" cy="0"/>
+          <a:chOff x="0" y="0"/>
+          <a:chExt cx="0" cy="0"/>
+        </a:xfrm>
+      </p:grpSpPr>
+      <p:sp>
+        <p:nvSpPr>
+          <p:cNvPr id="2" name="Title 1"/>
+          <p:cNvSpPr>
+            <a:spLocks noGrp="1"/>
+          </p:cNvSpPr>
+          <p:nvPr>
+            <p:ph type="title"/>
+          </p:nvPr>
+        </p:nvSpPr>
+        <p:spPr/>
+        <p:txBody>
+          <a:bodyPr/>
+          <a:lstStyle/>
+          <a:p>
+            <a:r>
+              <a:t>Why is ETL important?</a:t>
+            </a:r>
+          </a:p>
+        </p:txBody>
+      </p:sp>
+      <p:sp>
+        <p:nvSpPr>
+          <p:cNvPr id="3" name="Content Placeholder 2"/>
+          <p:cNvSpPr>
+            <a:spLocks noGrp="1"/>
+          </p:cNvSpPr>
+          <p:nvPr>
+            <p:ph idx="1"/>
+          </p:nvPr>
+        </p:nvSpPr>
+        <p:spPr/>
+        <p:txBody>
+          <a:bodyPr>
+            <a:normAutofit/>
+          </a:bodyPr>
+          <a:lstStyle/>
+          <a:p>
+            <a:r>
+              <a:rPr lang="en-GB" b="1" dirty="0"/>
+              <a:t>Data Sources in Organizations:</a:t>
+            </a:r>
+            <a:endParaRPr lang="en-GB" dirty="0"/>
+          </a:p>
+          <a:p>
+            <a:pPr>
+              <a:buFont typeface="Arial" panose="020B0604020202020204" pitchFamily="34" charset="0"/>
+              <a:buChar char="•"/>
+            </a:pPr>
+            <a:r>
+              <a:rPr lang="en-GB" dirty="0"/>
+              <a:t>Organizations handle </a:t>
+            </a:r>
+            <a:r>
+              <a:rPr lang="en-GB" b="1" dirty="0"/>
+              <a:t>structured and unstructured data</a:t>
+            </a:r>
+            <a:r>
+              <a:rPr lang="en-GB" dirty="0"/>
+              <a:t> from various sources.</a:t>
+            </a:r>
+          </a:p>
+          <a:p>
+            <a:pPr>
+              <a:buFont typeface="Arial" panose="020B0604020202020204" pitchFamily="34" charset="0"/>
+              <a:buChar char="•"/>
+            </a:pPr>
+            <a:r>
+              <a:rPr lang="en-GB" dirty="0"/>
+              <a:t>Common data sources include:</a:t>
+            </a:r>
+          </a:p>
+          <a:p>
+            <a:pPr marL="742950" lvl="1" indent="-285750"/>
+            <a:r>
+              <a:rPr lang="en-GB" b="1" dirty="0"/>
+              <a:t>CRM systems</a:t>
+            </a:r>
+            <a:endParaRPr lang="en-GB" dirty="0"/>
+          </a:p>
+          <a:p>
+            <a:pPr marL="742950" lvl="1" indent="-285750"/>
+            <a:r>
+              <a:rPr lang="en-GB" b="1" dirty="0"/>
+              <a:t>Vendor systems</a:t>
+            </a:r>
+            <a:endParaRPr lang="en-GB" dirty="0"/>
+          </a:p>
+          <a:p>
+            <a:pPr marL="742950" lvl="1" indent="-285750"/>
+            <a:r>
+              <a:rPr lang="en-GB" b="1" dirty="0"/>
+              <a:t>IoT devices</a:t>
+            </a:r>
+            <a:endParaRPr lang="en-GB" dirty="0"/>
+          </a:p>
+          <a:p>
+            <a:pPr marL="742950" lvl="1" indent="-285750"/>
+            <a:r>
+              <a:rPr lang="en-GB" b="1" dirty="0"/>
+              <a:t>Social media</a:t>
+            </a:r>
+            <a:endParaRPr lang="en-GB" dirty="0"/>
+          </a:p>
+          <a:p>
+            <a:pPr marL="742950" lvl="1" indent="-285750"/>
+            <a:r>
+              <a:rPr lang="en-GB" b="1" dirty="0"/>
+              <a:t>HR systems</a:t>
+            </a:r>
+            <a:r>
+              <a:rPr lang="en-GB" dirty="0"/>
+              <a:t>.</a:t>
+            </a:r>
+          </a:p>
+        </p:txBody>
+      </p:sp>
+    </p:spTree>
+  </p:cSld>
+  <p:clrMapOvr>
+    <a:masterClrMapping/>
+  </p:clrMapOvr>
+</p:sld>
+</file>
+
+<file path=ppt/slides/slide40.xml><?xml version="1.0" encoding="utf-8"?>
 <p:sld xmlns:a="http://schemas.openxmlformats.org/drawingml/2006/main" xmlns:r="http://schemas.openxmlformats.org/officeDocument/2006/relationships" xmlns:p="http://schemas.openxmlformats.org/presentationml/2006/main">
   <p:cSld>
     <p:spTree>
@@ -10698,7 +10269,7 @@
 </p:sld>
 </file>
 
-<file path=ppt/slides/slide47.xml><?xml version="1.0" encoding="utf-8"?>
+<file path=ppt/slides/slide41.xml><?xml version="1.0" encoding="utf-8"?>
 <p:sld xmlns:a="http://schemas.openxmlformats.org/drawingml/2006/main" xmlns:r="http://schemas.openxmlformats.org/officeDocument/2006/relationships" xmlns:p="http://schemas.openxmlformats.org/presentationml/2006/main">
   <p:cSld>
     <p:spTree>
@@ -10907,7 +10478,7 @@
 </p:sld>
 </file>
 
-<file path=ppt/slides/slide48.xml><?xml version="1.0" encoding="utf-8"?>
+<file path=ppt/slides/slide42.xml><?xml version="1.0" encoding="utf-8"?>
 <p:sld xmlns:a="http://schemas.openxmlformats.org/drawingml/2006/main" xmlns:r="http://schemas.openxmlformats.org/officeDocument/2006/relationships" xmlns:p="http://schemas.openxmlformats.org/presentationml/2006/main">
   <p:cSld>
     <p:spTree>
@@ -11694,7 +11265,7 @@
 </p:sld>
 </file>
 
-<file path=ppt/slides/slide49.xml><?xml version="1.0" encoding="utf-8"?>
+<file path=ppt/slides/slide43.xml><?xml version="1.0" encoding="utf-8"?>
 <p:sld xmlns:a="http://schemas.openxmlformats.org/drawingml/2006/main" xmlns:r="http://schemas.openxmlformats.org/officeDocument/2006/relationships" xmlns:p="http://schemas.openxmlformats.org/presentationml/2006/main">
   <p:cSld>
     <p:spTree>
@@ -12160,154 +11731,7 @@
 </p:sld>
 </file>
 
-<file path=ppt/slides/slide5.xml><?xml version="1.0" encoding="utf-8"?>
-<p:sld xmlns:a="http://schemas.openxmlformats.org/drawingml/2006/main" xmlns:r="http://schemas.openxmlformats.org/officeDocument/2006/relationships" xmlns:p="http://schemas.openxmlformats.org/presentationml/2006/main">
-  <p:cSld>
-    <p:spTree>
-      <p:nvGrpSpPr>
-        <p:cNvPr id="1" name=""/>
-        <p:cNvGrpSpPr/>
-        <p:nvPr/>
-      </p:nvGrpSpPr>
-      <p:grpSpPr>
-        <a:xfrm>
-          <a:off x="0" y="0"/>
-          <a:ext cx="0" cy="0"/>
-          <a:chOff x="0" y="0"/>
-          <a:chExt cx="0" cy="0"/>
-        </a:xfrm>
-      </p:grpSpPr>
-      <p:sp>
-        <p:nvSpPr>
-          <p:cNvPr id="3" name="TextBox 2">
-            <a:extLst>
-              <a:ext uri="{FF2B5EF4-FFF2-40B4-BE49-F238E27FC236}">
-                <a16:creationId xmlns:a16="http://schemas.microsoft.com/office/drawing/2014/main" id="{B21060CF-4EF5-0C50-1BF3-98F0E4D2EF02}"/>
-              </a:ext>
-            </a:extLst>
-          </p:cNvPr>
-          <p:cNvSpPr txBox="1"/>
-          <p:nvPr/>
-        </p:nvSpPr>
-        <p:spPr>
-          <a:xfrm>
-            <a:off x="1789471" y="162234"/>
-            <a:ext cx="8598310" cy="4031873"/>
-          </a:xfrm>
-          <a:prstGeom prst="rect">
-            <a:avLst/>
-          </a:prstGeom>
-          <a:noFill/>
-        </p:spPr>
-        <p:txBody>
-          <a:bodyPr wrap="square">
-            <a:spAutoFit/>
-          </a:bodyPr>
-          <a:lstStyle/>
-          <a:p>
-            <a:pPr algn="ctr"/>
-            <a:r>
-              <a:rPr lang="en-GB" sz="3200" b="1" dirty="0"/>
-              <a:t>Role of ETL in Data Processing</a:t>
-            </a:r>
-          </a:p>
-          <a:p>
-            <a:pPr algn="ctr"/>
-            <a:endParaRPr lang="en-GB" sz="3200" dirty="0"/>
-          </a:p>
-          <a:p>
-            <a:pPr>
-              <a:buFont typeface="Arial" panose="020B0604020202020204" pitchFamily="34" charset="0"/>
-              <a:buChar char="•"/>
-            </a:pPr>
-            <a:r>
-              <a:rPr lang="en-GB" sz="3200" dirty="0"/>
-              <a:t>ETL </a:t>
-            </a:r>
-            <a:r>
-              <a:rPr lang="en-GB" sz="3200" b="1" dirty="0"/>
-              <a:t>prepares raw datasets for analytics</a:t>
-            </a:r>
-            <a:r>
-              <a:rPr lang="en-GB" sz="3200" dirty="0"/>
-              <a:t>.</a:t>
-            </a:r>
-          </a:p>
-          <a:p>
-            <a:pPr>
-              <a:buFont typeface="Arial" panose="020B0604020202020204" pitchFamily="34" charset="0"/>
-              <a:buChar char="•"/>
-            </a:pPr>
-            <a:r>
-              <a:rPr lang="en-GB" sz="3200" dirty="0"/>
-              <a:t>Enables businesses to gain </a:t>
-            </a:r>
-            <a:r>
-              <a:rPr lang="en-GB" sz="3200" b="1" dirty="0"/>
-              <a:t>meaningful insights</a:t>
-            </a:r>
-            <a:r>
-              <a:rPr lang="en-GB" sz="3200" dirty="0"/>
-              <a:t>, such as:</a:t>
-            </a:r>
-          </a:p>
-          <a:p>
-            <a:pPr marL="742950" lvl="1" indent="-285750">
-              <a:buFont typeface="Arial" panose="020B0604020202020204" pitchFamily="34" charset="0"/>
-              <a:buChar char="•"/>
-            </a:pPr>
-            <a:r>
-              <a:rPr lang="en-GB" sz="3200" b="1" dirty="0"/>
-              <a:t>Predicting demand</a:t>
-            </a:r>
-            <a:endParaRPr lang="en-GB" sz="3200" dirty="0"/>
-          </a:p>
-          <a:p>
-            <a:pPr marL="742950" lvl="1" indent="-285750">
-              <a:buFont typeface="Arial" panose="020B0604020202020204" pitchFamily="34" charset="0"/>
-              <a:buChar char="•"/>
-            </a:pPr>
-            <a:r>
-              <a:rPr lang="en-GB" sz="3200" b="1" dirty="0"/>
-              <a:t>Managing inventory</a:t>
-            </a:r>
-            <a:endParaRPr lang="en-GB" sz="3200" dirty="0"/>
-          </a:p>
-          <a:p>
-            <a:pPr marL="742950" lvl="1" indent="-285750">
-              <a:buFont typeface="Arial" panose="020B0604020202020204" pitchFamily="34" charset="0"/>
-              <a:buChar char="•"/>
-            </a:pPr>
-            <a:r>
-              <a:rPr lang="en-GB" sz="3200" b="1" dirty="0" err="1"/>
-              <a:t>Analyzing</a:t>
-            </a:r>
-            <a:r>
-              <a:rPr lang="en-GB" sz="3200" b="1" dirty="0"/>
-              <a:t> consumer </a:t>
-            </a:r>
-            <a:r>
-              <a:rPr lang="en-GB" sz="3200" b="1" dirty="0" err="1"/>
-              <a:t>behavior</a:t>
-            </a:r>
-            <a:endParaRPr lang="en-GB" sz="3200" dirty="0"/>
-          </a:p>
-        </p:txBody>
-      </p:sp>
-    </p:spTree>
-    <p:extLst>
-      <p:ext uri="{BB962C8B-B14F-4D97-AF65-F5344CB8AC3E}">
-        <p14:creationId xmlns:p14="http://schemas.microsoft.com/office/powerpoint/2010/main" val="3644646178"/>
-      </p:ext>
-    </p:extLst>
-  </p:cSld>
-  <p:clrMapOvr>
-    <a:masterClrMapping/>
-  </p:clrMapOvr>
-</p:sld>
-</file>
-
-<file path=ppt/slides/slide50.xml><?xml version="1.0" encoding="utf-8"?>
+<file path=ppt/slides/slide44.xml><?xml version="1.0" encoding="utf-8"?>
 <p:sld xmlns:a="http://schemas.openxmlformats.org/drawingml/2006/main" xmlns:r="http://schemas.openxmlformats.org/officeDocument/2006/relationships" xmlns:p="http://schemas.openxmlformats.org/presentationml/2006/main">
   <p:cSld>
     <p:spTree>
@@ -12536,7 +11960,7 @@
 </p:sld>
 </file>
 
-<file path=ppt/slides/slide51.xml><?xml version="1.0" encoding="utf-8"?>
+<file path=ppt/slides/slide45.xml><?xml version="1.0" encoding="utf-8"?>
 <p:sld xmlns:a="http://schemas.openxmlformats.org/drawingml/2006/main" xmlns:r="http://schemas.openxmlformats.org/officeDocument/2006/relationships" xmlns:p="http://schemas.openxmlformats.org/presentationml/2006/main">
   <p:cSld>
     <p:spTree>
@@ -12688,7 +12112,7 @@
 </p:sld>
 </file>
 
-<file path=ppt/slides/slide52.xml><?xml version="1.0" encoding="utf-8"?>
+<file path=ppt/slides/slide46.xml><?xml version="1.0" encoding="utf-8"?>
 <p:sld xmlns:a="http://schemas.openxmlformats.org/drawingml/2006/main" xmlns:r="http://schemas.openxmlformats.org/officeDocument/2006/relationships" xmlns:p="http://schemas.openxmlformats.org/presentationml/2006/main">
   <p:cSld>
     <p:spTree>
@@ -12874,7 +12298,7 @@
 </p:sld>
 </file>
 
-<file path=ppt/slides/slide53.xml><?xml version="1.0" encoding="utf-8"?>
+<file path=ppt/slides/slide47.xml><?xml version="1.0" encoding="utf-8"?>
 <p:sld xmlns:a="http://schemas.openxmlformats.org/drawingml/2006/main" xmlns:r="http://schemas.openxmlformats.org/officeDocument/2006/relationships" xmlns:p="http://schemas.openxmlformats.org/presentationml/2006/main">
   <p:cSld>
     <p:spTree>
@@ -12985,7 +12409,7 @@
 </p:sld>
 </file>
 
-<file path=ppt/slides/slide54.xml><?xml version="1.0" encoding="utf-8"?>
+<file path=ppt/slides/slide48.xml><?xml version="1.0" encoding="utf-8"?>
 <p:sld xmlns:a="http://schemas.openxmlformats.org/drawingml/2006/main" xmlns:r="http://schemas.openxmlformats.org/officeDocument/2006/relationships" xmlns:p="http://schemas.openxmlformats.org/presentationml/2006/main">
   <p:cSld>
     <p:spTree>
@@ -13143,7 +12567,7 @@
 </p:sld>
 </file>
 
-<file path=ppt/slides/slide55.xml><?xml version="1.0" encoding="utf-8"?>
+<file path=ppt/slides/slide49.xml><?xml version="1.0" encoding="utf-8"?>
 <p:sld xmlns:a="http://schemas.openxmlformats.org/drawingml/2006/main" xmlns:r="http://schemas.openxmlformats.org/officeDocument/2006/relationships" xmlns:p="http://schemas.openxmlformats.org/presentationml/2006/main">
   <p:cSld>
     <p:spTree>
@@ -13254,7 +12678,84 @@
 </p:sld>
 </file>
 
-<file path=ppt/slides/slide56.xml><?xml version="1.0" encoding="utf-8"?>
+<file path=ppt/slides/slide5.xml><?xml version="1.0" encoding="utf-8"?>
+<p:sld xmlns:a="http://schemas.openxmlformats.org/drawingml/2006/main" xmlns:r="http://schemas.openxmlformats.org/officeDocument/2006/relationships" xmlns:p="http://schemas.openxmlformats.org/presentationml/2006/main">
+  <p:cSld>
+    <p:spTree>
+      <p:nvGrpSpPr>
+        <p:cNvPr id="1" name=""/>
+        <p:cNvGrpSpPr/>
+        <p:nvPr/>
+      </p:nvGrpSpPr>
+      <p:grpSpPr>
+        <a:xfrm>
+          <a:off x="0" y="0"/>
+          <a:ext cx="0" cy="0"/>
+          <a:chOff x="0" y="0"/>
+          <a:chExt cx="0" cy="0"/>
+        </a:xfrm>
+      </p:grpSpPr>
+      <p:sp>
+        <p:nvSpPr>
+          <p:cNvPr id="3" name="TextBox 2">
+            <a:extLst>
+              <a:ext uri="{FF2B5EF4-FFF2-40B4-BE49-F238E27FC236}">
+                <a16:creationId xmlns:a16="http://schemas.microsoft.com/office/drawing/2014/main" id="{B21060CF-4EF5-0C50-1BF3-98F0E4D2EF02}"/>
+              </a:ext>
+            </a:extLst>
+          </p:cNvPr>
+          <p:cNvSpPr txBox="1"/>
+          <p:nvPr/>
+        </p:nvSpPr>
+        <p:spPr>
+          <a:xfrm>
+            <a:off x="0" y="162234"/>
+            <a:ext cx="12192000" cy="1569660"/>
+          </a:xfrm>
+          <a:prstGeom prst="rect">
+            <a:avLst/>
+          </a:prstGeom>
+          <a:noFill/>
+        </p:spPr>
+        <p:txBody>
+          <a:bodyPr wrap="square">
+            <a:spAutoFit/>
+          </a:bodyPr>
+          <a:lstStyle/>
+          <a:p>
+            <a:pPr algn="ctr"/>
+            <a:r>
+              <a:rPr lang="en-GB" sz="3200" b="1" dirty="0"/>
+              <a:t>Role of ETL</a:t>
+            </a:r>
+            <a:endParaRPr lang="en-GB" sz="3200" dirty="0"/>
+          </a:p>
+          <a:p>
+            <a:pPr>
+              <a:buFont typeface="Arial" panose="020B0604020202020204" pitchFamily="34" charset="0"/>
+              <a:buChar char="•"/>
+            </a:pPr>
+            <a:r>
+              <a:rPr lang="en-GB" sz="3200" dirty="0"/>
+              <a:t>Since all this data is in different formats and systems, ETL helps standardize it for analysis.</a:t>
+            </a:r>
+          </a:p>
+        </p:txBody>
+      </p:sp>
+    </p:spTree>
+    <p:extLst>
+      <p:ext uri="{BB962C8B-B14F-4D97-AF65-F5344CB8AC3E}">
+        <p14:creationId xmlns:p14="http://schemas.microsoft.com/office/powerpoint/2010/main" val="3644646178"/>
+      </p:ext>
+    </p:extLst>
+  </p:cSld>
+  <p:clrMapOvr>
+    <a:masterClrMapping/>
+  </p:clrMapOvr>
+</p:sld>
+</file>
+
+<file path=ppt/slides/slide50.xml><?xml version="1.0" encoding="utf-8"?>
 <p:sld xmlns:a="http://schemas.openxmlformats.org/drawingml/2006/main" xmlns:r="http://schemas.openxmlformats.org/officeDocument/2006/relationships" xmlns:p="http://schemas.openxmlformats.org/presentationml/2006/main">
   <p:cSld>
     <p:spTree>
@@ -13524,7 +13025,7 @@
 </p:sld>
 </file>
 
-<file path=ppt/slides/slide57.xml><?xml version="1.0" encoding="utf-8"?>
+<file path=ppt/slides/slide51.xml><?xml version="1.0" encoding="utf-8"?>
 <p:sld xmlns:a="http://schemas.openxmlformats.org/drawingml/2006/main" xmlns:r="http://schemas.openxmlformats.org/officeDocument/2006/relationships" xmlns:p="http://schemas.openxmlformats.org/presentationml/2006/main">
   <p:cSld>
     <p:spTree>
@@ -13835,7 +13336,7 @@
 </p:sld>
 </file>
 
-<file path=ppt/slides/slide58.xml><?xml version="1.0" encoding="utf-8"?>
+<file path=ppt/slides/slide52.xml><?xml version="1.0" encoding="utf-8"?>
 <p:sld xmlns:a="http://schemas.openxmlformats.org/drawingml/2006/main" xmlns:r="http://schemas.openxmlformats.org/officeDocument/2006/relationships" xmlns:p="http://schemas.openxmlformats.org/presentationml/2006/main">
   <p:cSld>
     <p:spTree>
@@ -13963,7 +13464,7 @@
 </p:sld>
 </file>
 
-<file path=ppt/slides/slide59.xml><?xml version="1.0" encoding="utf-8"?>
+<file path=ppt/slides/slide53.xml><?xml version="1.0" encoding="utf-8"?>
 <p:sld xmlns:a="http://schemas.openxmlformats.org/drawingml/2006/main" xmlns:r="http://schemas.openxmlformats.org/officeDocument/2006/relationships" xmlns:p="http://schemas.openxmlformats.org/presentationml/2006/main">
   <p:cSld>
     <p:spTree>
@@ -14180,6 +13681,935 @@
     <p:extLst>
       <p:ext uri="{BB962C8B-B14F-4D97-AF65-F5344CB8AC3E}">
         <p14:creationId xmlns:p14="http://schemas.microsoft.com/office/powerpoint/2010/main" val="688724314"/>
+      </p:ext>
+    </p:extLst>
+  </p:cSld>
+  <p:clrMapOvr>
+    <a:masterClrMapping/>
+  </p:clrMapOvr>
+</p:sld>
+</file>
+
+<file path=ppt/slides/slide54.xml><?xml version="1.0" encoding="utf-8"?>
+<p:sld xmlns:a="http://schemas.openxmlformats.org/drawingml/2006/main" xmlns:r="http://schemas.openxmlformats.org/officeDocument/2006/relationships" xmlns:p="http://schemas.openxmlformats.org/presentationml/2006/main">
+  <p:cSld>
+    <p:spTree>
+      <p:nvGrpSpPr>
+        <p:cNvPr id="1" name=""/>
+        <p:cNvGrpSpPr/>
+        <p:nvPr/>
+      </p:nvGrpSpPr>
+      <p:grpSpPr>
+        <a:xfrm>
+          <a:off x="0" y="0"/>
+          <a:ext cx="0" cy="0"/>
+          <a:chOff x="0" y="0"/>
+          <a:chExt cx="0" cy="0"/>
+        </a:xfrm>
+      </p:grpSpPr>
+      <p:sp>
+        <p:nvSpPr>
+          <p:cNvPr id="3" name="TextBox 2">
+            <a:extLst>
+              <a:ext uri="{FF2B5EF4-FFF2-40B4-BE49-F238E27FC236}">
+                <a16:creationId xmlns:a16="http://schemas.microsoft.com/office/drawing/2014/main" id="{7CFE3AA9-26F6-D373-791E-8C862804A065}"/>
+              </a:ext>
+            </a:extLst>
+          </p:cNvPr>
+          <p:cNvSpPr txBox="1"/>
+          <p:nvPr/>
+        </p:nvSpPr>
+        <p:spPr>
+          <a:xfrm>
+            <a:off x="0" y="140677"/>
+            <a:ext cx="9147516" cy="1631216"/>
+          </a:xfrm>
+          <a:prstGeom prst="rect">
+            <a:avLst/>
+          </a:prstGeom>
+          <a:noFill/>
+        </p:spPr>
+        <p:txBody>
+          <a:bodyPr wrap="square">
+            <a:spAutoFit/>
+          </a:bodyPr>
+          <a:lstStyle/>
+          <a:p>
+            <a:pPr marL="0" marR="0"/>
+            <a:r>
+              <a:rPr lang="en-US" sz="2800" b="1" dirty="0">
+                <a:effectLst/>
+                <a:latin typeface="Times New Roman" panose="02020603050405020304" pitchFamily="18" charset="0"/>
+                <a:ea typeface="Times New Roman" panose="02020603050405020304" pitchFamily="18" charset="0"/>
+                <a:cs typeface="Arial" panose="020B0604020202020204" pitchFamily="34" charset="0"/>
+              </a:rPr>
+              <a:t>1. Mapping Overview(DIM_PAYMENT)</a:t>
+            </a:r>
+            <a:endParaRPr lang="en-US" sz="1600" dirty="0">
+              <a:effectLst/>
+              <a:latin typeface="Calibri" panose="020F0502020204030204" pitchFamily="34" charset="0"/>
+              <a:ea typeface="Calibri" panose="020F0502020204030204" pitchFamily="34" charset="0"/>
+              <a:cs typeface="Arial" panose="020B0604020202020204" pitchFamily="34" charset="0"/>
+            </a:endParaRPr>
+          </a:p>
+          <a:p>
+            <a:pPr marL="342900" marR="0" lvl="0" indent="-342900">
+              <a:buSzPts val="1000"/>
+              <a:buFont typeface="Symbol" panose="05050102010706020507" pitchFamily="18" charset="2"/>
+              <a:buChar char=""/>
+              <a:tabLst>
+                <a:tab pos="457200" algn="l"/>
+              </a:tabLst>
+            </a:pPr>
+            <a:r>
+              <a:rPr lang="en-US" sz="2400" b="1" dirty="0">
+                <a:effectLst/>
+                <a:latin typeface="Times New Roman" panose="02020603050405020304" pitchFamily="18" charset="0"/>
+                <a:ea typeface="Times New Roman" panose="02020603050405020304" pitchFamily="18" charset="0"/>
+                <a:cs typeface="Arial" panose="020B0604020202020204" pitchFamily="34" charset="0"/>
+              </a:rPr>
+              <a:t>Mapping Name</a:t>
+            </a:r>
+            <a:r>
+              <a:rPr lang="en-US" sz="2400" dirty="0">
+                <a:effectLst/>
+                <a:latin typeface="Times New Roman" panose="02020603050405020304" pitchFamily="18" charset="0"/>
+                <a:ea typeface="Times New Roman" panose="02020603050405020304" pitchFamily="18" charset="0"/>
+                <a:cs typeface="Arial" panose="020B0604020202020204" pitchFamily="34" charset="0"/>
+              </a:rPr>
+              <a:t>: [m_DIM_PAYMENT_SCD_T2]</a:t>
+            </a:r>
+            <a:endParaRPr lang="en-US" sz="2400" dirty="0">
+              <a:effectLst/>
+              <a:latin typeface="Calibri" panose="020F0502020204030204" pitchFamily="34" charset="0"/>
+              <a:ea typeface="Calibri" panose="020F0502020204030204" pitchFamily="34" charset="0"/>
+              <a:cs typeface="Arial" panose="020B0604020202020204" pitchFamily="34" charset="0"/>
+            </a:endParaRPr>
+          </a:p>
+          <a:p>
+            <a:pPr marL="342900" marR="0" lvl="0" indent="-342900">
+              <a:buSzPts val="1000"/>
+              <a:buFont typeface="Symbol" panose="05050102010706020507" pitchFamily="18" charset="2"/>
+              <a:buChar char=""/>
+              <a:tabLst>
+                <a:tab pos="457200" algn="l"/>
+              </a:tabLst>
+            </a:pPr>
+            <a:r>
+              <a:rPr lang="en-US" sz="2400" b="1" dirty="0">
+                <a:effectLst/>
+                <a:latin typeface="Times New Roman" panose="02020603050405020304" pitchFamily="18" charset="0"/>
+                <a:ea typeface="Times New Roman" panose="02020603050405020304" pitchFamily="18" charset="0"/>
+                <a:cs typeface="Arial" panose="020B0604020202020204" pitchFamily="34" charset="0"/>
+              </a:rPr>
+              <a:t>Source Table</a:t>
+            </a:r>
+            <a:r>
+              <a:rPr lang="en-US" sz="2400" dirty="0">
+                <a:effectLst/>
+                <a:latin typeface="Times New Roman" panose="02020603050405020304" pitchFamily="18" charset="0"/>
+                <a:ea typeface="Times New Roman" panose="02020603050405020304" pitchFamily="18" charset="0"/>
+                <a:cs typeface="Arial" panose="020B0604020202020204" pitchFamily="34" charset="0"/>
+              </a:rPr>
+              <a:t>: [STG_PAYMENT]</a:t>
+            </a:r>
+            <a:endParaRPr lang="en-US" sz="2400" dirty="0">
+              <a:effectLst/>
+              <a:latin typeface="Calibri" panose="020F0502020204030204" pitchFamily="34" charset="0"/>
+              <a:ea typeface="Calibri" panose="020F0502020204030204" pitchFamily="34" charset="0"/>
+              <a:cs typeface="Arial" panose="020B0604020202020204" pitchFamily="34" charset="0"/>
+            </a:endParaRPr>
+          </a:p>
+          <a:p>
+            <a:pPr marL="342900" marR="0" lvl="0" indent="-342900">
+              <a:buSzPts val="1000"/>
+              <a:buFont typeface="Symbol" panose="05050102010706020507" pitchFamily="18" charset="2"/>
+              <a:buChar char=""/>
+              <a:tabLst>
+                <a:tab pos="457200" algn="l"/>
+              </a:tabLst>
+            </a:pPr>
+            <a:r>
+              <a:rPr lang="en-US" sz="2400" b="1" dirty="0">
+                <a:effectLst/>
+                <a:latin typeface="Times New Roman" panose="02020603050405020304" pitchFamily="18" charset="0"/>
+                <a:ea typeface="Times New Roman" panose="02020603050405020304" pitchFamily="18" charset="0"/>
+                <a:cs typeface="Arial" panose="020B0604020202020204" pitchFamily="34" charset="0"/>
+              </a:rPr>
+              <a:t>Target Table</a:t>
+            </a:r>
+            <a:r>
+              <a:rPr lang="en-US" sz="2400" dirty="0">
+                <a:effectLst/>
+                <a:latin typeface="Times New Roman" panose="02020603050405020304" pitchFamily="18" charset="0"/>
+                <a:ea typeface="Times New Roman" panose="02020603050405020304" pitchFamily="18" charset="0"/>
+                <a:cs typeface="Arial" panose="020B0604020202020204" pitchFamily="34" charset="0"/>
+              </a:rPr>
+              <a:t>: [DIM_PAYMENT]</a:t>
+            </a:r>
+            <a:endParaRPr lang="en-US" sz="2400" dirty="0">
+              <a:effectLst/>
+              <a:latin typeface="Calibri" panose="020F0502020204030204" pitchFamily="34" charset="0"/>
+              <a:ea typeface="Calibri" panose="020F0502020204030204" pitchFamily="34" charset="0"/>
+              <a:cs typeface="Arial" panose="020B0604020202020204" pitchFamily="34" charset="0"/>
+            </a:endParaRPr>
+          </a:p>
+        </p:txBody>
+      </p:sp>
+      <p:pic>
+        <p:nvPicPr>
+          <p:cNvPr id="4" name="Picture 3">
+            <a:extLst>
+              <a:ext uri="{FF2B5EF4-FFF2-40B4-BE49-F238E27FC236}">
+                <a16:creationId xmlns:a16="http://schemas.microsoft.com/office/drawing/2014/main" id="{7617E94E-1061-AD4F-32B0-DBB76683898D}"/>
+              </a:ext>
+            </a:extLst>
+          </p:cNvPr>
+          <p:cNvPicPr>
+            <a:picLocks noChangeAspect="1"/>
+          </p:cNvPicPr>
+          <p:nvPr/>
+        </p:nvPicPr>
+        <p:blipFill>
+          <a:blip r:embed="rId2">
+            <a:extLst>
+              <a:ext uri="{28A0092B-C50C-407E-A947-70E740481C1C}">
+                <a14:useLocalDpi xmlns:a14="http://schemas.microsoft.com/office/drawing/2010/main" val="0"/>
+              </a:ext>
+            </a:extLst>
+          </a:blip>
+          <a:srcRect/>
+          <a:stretch>
+            <a:fillRect/>
+          </a:stretch>
+        </p:blipFill>
+        <p:spPr bwMode="auto">
+          <a:xfrm>
+            <a:off x="309489" y="1852612"/>
+            <a:ext cx="11029071" cy="4280902"/>
+          </a:xfrm>
+          <a:prstGeom prst="rect">
+            <a:avLst/>
+          </a:prstGeom>
+          <a:noFill/>
+          <a:ln>
+            <a:noFill/>
+          </a:ln>
+        </p:spPr>
+      </p:pic>
+    </p:spTree>
+    <p:extLst>
+      <p:ext uri="{BB962C8B-B14F-4D97-AF65-F5344CB8AC3E}">
+        <p14:creationId xmlns:p14="http://schemas.microsoft.com/office/powerpoint/2010/main" val="1567224991"/>
+      </p:ext>
+    </p:extLst>
+  </p:cSld>
+  <p:clrMapOvr>
+    <a:masterClrMapping/>
+  </p:clrMapOvr>
+</p:sld>
+</file>
+
+<file path=ppt/slides/slide55.xml><?xml version="1.0" encoding="utf-8"?>
+<p:sld xmlns:a="http://schemas.openxmlformats.org/drawingml/2006/main" xmlns:r="http://schemas.openxmlformats.org/officeDocument/2006/relationships" xmlns:p="http://schemas.openxmlformats.org/presentationml/2006/main">
+  <p:cSld>
+    <p:spTree>
+      <p:nvGrpSpPr>
+        <p:cNvPr id="1" name=""/>
+        <p:cNvGrpSpPr/>
+        <p:nvPr/>
+      </p:nvGrpSpPr>
+      <p:grpSpPr>
+        <a:xfrm>
+          <a:off x="0" y="0"/>
+          <a:ext cx="0" cy="0"/>
+          <a:chOff x="0" y="0"/>
+          <a:chExt cx="0" cy="0"/>
+        </a:xfrm>
+      </p:grpSpPr>
+      <p:sp>
+        <p:nvSpPr>
+          <p:cNvPr id="3" name="TextBox 2">
+            <a:extLst>
+              <a:ext uri="{FF2B5EF4-FFF2-40B4-BE49-F238E27FC236}">
+                <a16:creationId xmlns:a16="http://schemas.microsoft.com/office/drawing/2014/main" id="{742DB6F5-EEFD-AFA9-CE9C-F3C5FE3CDD65}"/>
+              </a:ext>
+            </a:extLst>
+          </p:cNvPr>
+          <p:cNvSpPr txBox="1"/>
+          <p:nvPr/>
+        </p:nvSpPr>
+        <p:spPr>
+          <a:xfrm>
+            <a:off x="309489" y="98474"/>
+            <a:ext cx="8838027" cy="892552"/>
+          </a:xfrm>
+          <a:prstGeom prst="rect">
+            <a:avLst/>
+          </a:prstGeom>
+          <a:noFill/>
+        </p:spPr>
+        <p:txBody>
+          <a:bodyPr wrap="square">
+            <a:spAutoFit/>
+          </a:bodyPr>
+          <a:lstStyle/>
+          <a:p>
+            <a:pPr marL="0" marR="0"/>
+            <a:r>
+              <a:rPr lang="en-US" sz="2800" b="1" dirty="0">
+                <a:effectLst/>
+                <a:latin typeface="Times New Roman" panose="02020603050405020304" pitchFamily="18" charset="0"/>
+                <a:ea typeface="Times New Roman" panose="02020603050405020304" pitchFamily="18" charset="0"/>
+                <a:cs typeface="Arial" panose="020B0604020202020204" pitchFamily="34" charset="0"/>
+              </a:rPr>
+              <a:t>2. Source (Staging Table) Details</a:t>
+            </a:r>
+            <a:endParaRPr lang="en-US" sz="2800" dirty="0">
+              <a:effectLst/>
+              <a:latin typeface="Calibri" panose="020F0502020204030204" pitchFamily="34" charset="0"/>
+              <a:ea typeface="Calibri" panose="020F0502020204030204" pitchFamily="34" charset="0"/>
+              <a:cs typeface="Arial" panose="020B0604020202020204" pitchFamily="34" charset="0"/>
+            </a:endParaRPr>
+          </a:p>
+          <a:p>
+            <a:pPr marL="342900" marR="0" lvl="0" indent="-342900">
+              <a:buSzPts val="1000"/>
+              <a:buFont typeface="Symbol" panose="05050102010706020507" pitchFamily="18" charset="2"/>
+              <a:buChar char=""/>
+              <a:tabLst>
+                <a:tab pos="457200" algn="l"/>
+              </a:tabLst>
+            </a:pPr>
+            <a:r>
+              <a:rPr lang="en-US" sz="2400" b="1" dirty="0">
+                <a:effectLst/>
+                <a:latin typeface="Times New Roman" panose="02020603050405020304" pitchFamily="18" charset="0"/>
+                <a:ea typeface="Times New Roman" panose="02020603050405020304" pitchFamily="18" charset="0"/>
+                <a:cs typeface="Arial" panose="020B0604020202020204" pitchFamily="34" charset="0"/>
+              </a:rPr>
+              <a:t>Table Name</a:t>
+            </a:r>
+            <a:r>
+              <a:rPr lang="en-US" sz="2400" dirty="0">
+                <a:effectLst/>
+                <a:latin typeface="Times New Roman" panose="02020603050405020304" pitchFamily="18" charset="0"/>
+                <a:ea typeface="Times New Roman" panose="02020603050405020304" pitchFamily="18" charset="0"/>
+                <a:cs typeface="Arial" panose="020B0604020202020204" pitchFamily="34" charset="0"/>
+              </a:rPr>
+              <a:t>: [STG_PAYMENT]</a:t>
+            </a:r>
+            <a:endParaRPr lang="en-US" sz="2400" dirty="0">
+              <a:effectLst/>
+              <a:latin typeface="Calibri" panose="020F0502020204030204" pitchFamily="34" charset="0"/>
+              <a:ea typeface="Calibri" panose="020F0502020204030204" pitchFamily="34" charset="0"/>
+              <a:cs typeface="Arial" panose="020B0604020202020204" pitchFamily="34" charset="0"/>
+            </a:endParaRPr>
+          </a:p>
+        </p:txBody>
+      </p:sp>
+      <p:pic>
+        <p:nvPicPr>
+          <p:cNvPr id="4" name="Picture 3">
+            <a:extLst>
+              <a:ext uri="{FF2B5EF4-FFF2-40B4-BE49-F238E27FC236}">
+                <a16:creationId xmlns:a16="http://schemas.microsoft.com/office/drawing/2014/main" id="{42FBC7B5-F652-AFE4-7D26-566491088F3A}"/>
+              </a:ext>
+            </a:extLst>
+          </p:cNvPr>
+          <p:cNvPicPr>
+            <a:picLocks noChangeAspect="1"/>
+          </p:cNvPicPr>
+          <p:nvPr/>
+        </p:nvPicPr>
+        <p:blipFill>
+          <a:blip r:embed="rId2">
+            <a:extLst>
+              <a:ext uri="{28A0092B-C50C-407E-A947-70E740481C1C}">
+                <a14:useLocalDpi xmlns:a14="http://schemas.microsoft.com/office/drawing/2010/main" val="0"/>
+              </a:ext>
+            </a:extLst>
+          </a:blip>
+          <a:srcRect/>
+          <a:stretch>
+            <a:fillRect/>
+          </a:stretch>
+        </p:blipFill>
+        <p:spPr bwMode="auto">
+          <a:xfrm>
+            <a:off x="731521" y="991026"/>
+            <a:ext cx="9917722" cy="4790823"/>
+          </a:xfrm>
+          <a:prstGeom prst="rect">
+            <a:avLst/>
+          </a:prstGeom>
+          <a:noFill/>
+          <a:ln>
+            <a:noFill/>
+          </a:ln>
+        </p:spPr>
+      </p:pic>
+    </p:spTree>
+    <p:extLst>
+      <p:ext uri="{BB962C8B-B14F-4D97-AF65-F5344CB8AC3E}">
+        <p14:creationId xmlns:p14="http://schemas.microsoft.com/office/powerpoint/2010/main" val="326198101"/>
+      </p:ext>
+    </p:extLst>
+  </p:cSld>
+  <p:clrMapOvr>
+    <a:masterClrMapping/>
+  </p:clrMapOvr>
+</p:sld>
+</file>
+
+<file path=ppt/slides/slide56.xml><?xml version="1.0" encoding="utf-8"?>
+<p:sld xmlns:a="http://schemas.openxmlformats.org/drawingml/2006/main" xmlns:r="http://schemas.openxmlformats.org/officeDocument/2006/relationships" xmlns:p="http://schemas.openxmlformats.org/presentationml/2006/main">
+  <p:cSld>
+    <p:spTree>
+      <p:nvGrpSpPr>
+        <p:cNvPr id="1" name=""/>
+        <p:cNvGrpSpPr/>
+        <p:nvPr/>
+      </p:nvGrpSpPr>
+      <p:grpSpPr>
+        <a:xfrm>
+          <a:off x="0" y="0"/>
+          <a:ext cx="0" cy="0"/>
+          <a:chOff x="0" y="0"/>
+          <a:chExt cx="0" cy="0"/>
+        </a:xfrm>
+      </p:grpSpPr>
+      <p:sp>
+        <p:nvSpPr>
+          <p:cNvPr id="3" name="TextBox 2">
+            <a:extLst>
+              <a:ext uri="{FF2B5EF4-FFF2-40B4-BE49-F238E27FC236}">
+                <a16:creationId xmlns:a16="http://schemas.microsoft.com/office/drawing/2014/main" id="{977D1520-6E5A-E332-0C3E-C74E40FCF0DC}"/>
+              </a:ext>
+            </a:extLst>
+          </p:cNvPr>
+          <p:cNvSpPr txBox="1"/>
+          <p:nvPr/>
+        </p:nvSpPr>
+        <p:spPr>
+          <a:xfrm>
+            <a:off x="140677" y="126609"/>
+            <a:ext cx="9006839" cy="1261884"/>
+          </a:xfrm>
+          <a:prstGeom prst="rect">
+            <a:avLst/>
+          </a:prstGeom>
+          <a:noFill/>
+        </p:spPr>
+        <p:txBody>
+          <a:bodyPr wrap="square">
+            <a:spAutoFit/>
+          </a:bodyPr>
+          <a:lstStyle/>
+          <a:p>
+            <a:pPr marL="0" marR="0"/>
+            <a:r>
+              <a:rPr lang="en-US" sz="2800" b="1" dirty="0">
+                <a:effectLst/>
+                <a:latin typeface="Times New Roman" panose="02020603050405020304" pitchFamily="18" charset="0"/>
+                <a:ea typeface="Times New Roman" panose="02020603050405020304" pitchFamily="18" charset="0"/>
+                <a:cs typeface="Arial" panose="020B0604020202020204" pitchFamily="34" charset="0"/>
+              </a:rPr>
+              <a:t>3. Target (Data Warehouse Table) Details</a:t>
+            </a:r>
+            <a:endParaRPr lang="en-US" sz="1600" dirty="0">
+              <a:effectLst/>
+              <a:latin typeface="Calibri" panose="020F0502020204030204" pitchFamily="34" charset="0"/>
+              <a:ea typeface="Calibri" panose="020F0502020204030204" pitchFamily="34" charset="0"/>
+              <a:cs typeface="Arial" panose="020B0604020202020204" pitchFamily="34" charset="0"/>
+            </a:endParaRPr>
+          </a:p>
+          <a:p>
+            <a:pPr marL="342900" marR="0" lvl="0" indent="-342900">
+              <a:buSzPts val="1000"/>
+              <a:buFont typeface="Symbol" panose="05050102010706020507" pitchFamily="18" charset="2"/>
+              <a:buChar char=""/>
+              <a:tabLst>
+                <a:tab pos="457200" algn="l"/>
+              </a:tabLst>
+            </a:pPr>
+            <a:r>
+              <a:rPr lang="en-US" sz="2400" b="1" dirty="0">
+                <a:effectLst/>
+                <a:latin typeface="Times New Roman" panose="02020603050405020304" pitchFamily="18" charset="0"/>
+                <a:ea typeface="Times New Roman" panose="02020603050405020304" pitchFamily="18" charset="0"/>
+                <a:cs typeface="Arial" panose="020B0604020202020204" pitchFamily="34" charset="0"/>
+              </a:rPr>
+              <a:t>Table Name</a:t>
+            </a:r>
+            <a:r>
+              <a:rPr lang="en-US" sz="2400" dirty="0">
+                <a:effectLst/>
+                <a:latin typeface="Times New Roman" panose="02020603050405020304" pitchFamily="18" charset="0"/>
+                <a:ea typeface="Times New Roman" panose="02020603050405020304" pitchFamily="18" charset="0"/>
+                <a:cs typeface="Arial" panose="020B0604020202020204" pitchFamily="34" charset="0"/>
+              </a:rPr>
+              <a:t>: [DIM_PAYMENT]</a:t>
+            </a:r>
+            <a:endParaRPr lang="en-US" sz="2400" dirty="0">
+              <a:effectLst/>
+              <a:latin typeface="Calibri" panose="020F0502020204030204" pitchFamily="34" charset="0"/>
+              <a:ea typeface="Calibri" panose="020F0502020204030204" pitchFamily="34" charset="0"/>
+              <a:cs typeface="Arial" panose="020B0604020202020204" pitchFamily="34" charset="0"/>
+            </a:endParaRPr>
+          </a:p>
+          <a:p>
+            <a:pPr marL="342900" marR="0" lvl="0" indent="-342900">
+              <a:buSzPts val="1000"/>
+              <a:buFont typeface="Symbol" panose="05050102010706020507" pitchFamily="18" charset="2"/>
+              <a:buChar char=""/>
+              <a:tabLst>
+                <a:tab pos="457200" algn="l"/>
+              </a:tabLst>
+            </a:pPr>
+            <a:r>
+              <a:rPr lang="en-US" sz="2400" b="1" dirty="0">
+                <a:effectLst/>
+                <a:latin typeface="Times New Roman" panose="02020603050405020304" pitchFamily="18" charset="0"/>
+                <a:ea typeface="Times New Roman" panose="02020603050405020304" pitchFamily="18" charset="0"/>
+                <a:cs typeface="Arial" panose="020B0604020202020204" pitchFamily="34" charset="0"/>
+              </a:rPr>
+              <a:t>Table Type</a:t>
+            </a:r>
+            <a:r>
+              <a:rPr lang="en-US" sz="2400" dirty="0">
+                <a:effectLst/>
+                <a:latin typeface="Times New Roman" panose="02020603050405020304" pitchFamily="18" charset="0"/>
+                <a:ea typeface="Times New Roman" panose="02020603050405020304" pitchFamily="18" charset="0"/>
+                <a:cs typeface="Arial" panose="020B0604020202020204" pitchFamily="34" charset="0"/>
+              </a:rPr>
+              <a:t>: [Dimension Table]</a:t>
+            </a:r>
+            <a:endParaRPr lang="en-US" sz="2400" dirty="0">
+              <a:effectLst/>
+              <a:latin typeface="Calibri" panose="020F0502020204030204" pitchFamily="34" charset="0"/>
+              <a:ea typeface="Calibri" panose="020F0502020204030204" pitchFamily="34" charset="0"/>
+              <a:cs typeface="Arial" panose="020B0604020202020204" pitchFamily="34" charset="0"/>
+            </a:endParaRPr>
+          </a:p>
+        </p:txBody>
+      </p:sp>
+      <p:pic>
+        <p:nvPicPr>
+          <p:cNvPr id="4" name="Picture 3">
+            <a:extLst>
+              <a:ext uri="{FF2B5EF4-FFF2-40B4-BE49-F238E27FC236}">
+                <a16:creationId xmlns:a16="http://schemas.microsoft.com/office/drawing/2014/main" id="{CFF4D6DF-91F0-6B9B-7AEE-67CA604462CB}"/>
+              </a:ext>
+            </a:extLst>
+          </p:cNvPr>
+          <p:cNvPicPr>
+            <a:picLocks noChangeAspect="1"/>
+          </p:cNvPicPr>
+          <p:nvPr/>
+        </p:nvPicPr>
+        <p:blipFill>
+          <a:blip r:embed="rId2">
+            <a:extLst>
+              <a:ext uri="{28A0092B-C50C-407E-A947-70E740481C1C}">
+                <a14:useLocalDpi xmlns:a14="http://schemas.microsoft.com/office/drawing/2010/main" val="0"/>
+              </a:ext>
+            </a:extLst>
+          </a:blip>
+          <a:srcRect/>
+          <a:stretch>
+            <a:fillRect/>
+          </a:stretch>
+        </p:blipFill>
+        <p:spPr bwMode="auto">
+          <a:xfrm>
+            <a:off x="323557" y="1388493"/>
+            <a:ext cx="11619913" cy="4730953"/>
+          </a:xfrm>
+          <a:prstGeom prst="rect">
+            <a:avLst/>
+          </a:prstGeom>
+          <a:noFill/>
+          <a:ln>
+            <a:noFill/>
+          </a:ln>
+        </p:spPr>
+      </p:pic>
+    </p:spTree>
+    <p:extLst>
+      <p:ext uri="{BB962C8B-B14F-4D97-AF65-F5344CB8AC3E}">
+        <p14:creationId xmlns:p14="http://schemas.microsoft.com/office/powerpoint/2010/main" val="341045699"/>
+      </p:ext>
+    </p:extLst>
+  </p:cSld>
+  <p:clrMapOvr>
+    <a:masterClrMapping/>
+  </p:clrMapOvr>
+</p:sld>
+</file>
+
+<file path=ppt/slides/slide57.xml><?xml version="1.0" encoding="utf-8"?>
+<p:sld xmlns:a="http://schemas.openxmlformats.org/drawingml/2006/main" xmlns:r="http://schemas.openxmlformats.org/officeDocument/2006/relationships" xmlns:p="http://schemas.openxmlformats.org/presentationml/2006/main">
+  <p:cSld>
+    <p:spTree>
+      <p:nvGrpSpPr>
+        <p:cNvPr id="1" name=""/>
+        <p:cNvGrpSpPr/>
+        <p:nvPr/>
+      </p:nvGrpSpPr>
+      <p:grpSpPr>
+        <a:xfrm>
+          <a:off x="0" y="0"/>
+          <a:ext cx="0" cy="0"/>
+          <a:chOff x="0" y="0"/>
+          <a:chExt cx="0" cy="0"/>
+        </a:xfrm>
+      </p:grpSpPr>
+      <p:sp>
+        <p:nvSpPr>
+          <p:cNvPr id="3" name="TextBox 2">
+            <a:extLst>
+              <a:ext uri="{FF2B5EF4-FFF2-40B4-BE49-F238E27FC236}">
+                <a16:creationId xmlns:a16="http://schemas.microsoft.com/office/drawing/2014/main" id="{5B745B25-DFE2-B3F9-453B-D867F6CCC794}"/>
+              </a:ext>
+            </a:extLst>
+          </p:cNvPr>
+          <p:cNvSpPr txBox="1"/>
+          <p:nvPr/>
+        </p:nvSpPr>
+        <p:spPr>
+          <a:xfrm>
+            <a:off x="0" y="286601"/>
+            <a:ext cx="6544993" cy="584775"/>
+          </a:xfrm>
+          <a:prstGeom prst="rect">
+            <a:avLst/>
+          </a:prstGeom>
+          <a:noFill/>
+        </p:spPr>
+        <p:txBody>
+          <a:bodyPr wrap="square">
+            <a:spAutoFit/>
+          </a:bodyPr>
+          <a:lstStyle/>
+          <a:p>
+            <a:pPr marL="0" marR="0"/>
+            <a:r>
+              <a:rPr lang="en-US" sz="3200" b="1" dirty="0">
+                <a:effectLst/>
+                <a:latin typeface="Times New Roman" panose="02020603050405020304" pitchFamily="18" charset="0"/>
+                <a:ea typeface="Times New Roman" panose="02020603050405020304" pitchFamily="18" charset="0"/>
+                <a:cs typeface="Arial" panose="020B0604020202020204" pitchFamily="34" charset="0"/>
+              </a:rPr>
+              <a:t>Transformations Applied</a:t>
+            </a:r>
+            <a:endParaRPr lang="en-US" sz="3200" dirty="0">
+              <a:effectLst/>
+              <a:latin typeface="Calibri" panose="020F0502020204030204" pitchFamily="34" charset="0"/>
+              <a:ea typeface="Calibri" panose="020F0502020204030204" pitchFamily="34" charset="0"/>
+              <a:cs typeface="Arial" panose="020B0604020202020204" pitchFamily="34" charset="0"/>
+            </a:endParaRPr>
+          </a:p>
+        </p:txBody>
+      </p:sp>
+      <p:pic>
+        <p:nvPicPr>
+          <p:cNvPr id="4" name="Picture 3">
+            <a:extLst>
+              <a:ext uri="{FF2B5EF4-FFF2-40B4-BE49-F238E27FC236}">
+                <a16:creationId xmlns:a16="http://schemas.microsoft.com/office/drawing/2014/main" id="{02054B22-67A1-9BAC-8AD4-B01085EE4DA8}"/>
+              </a:ext>
+            </a:extLst>
+          </p:cNvPr>
+          <p:cNvPicPr>
+            <a:picLocks noChangeAspect="1"/>
+          </p:cNvPicPr>
+          <p:nvPr/>
+        </p:nvPicPr>
+        <p:blipFill>
+          <a:blip r:embed="rId2">
+            <a:extLst>
+              <a:ext uri="{28A0092B-C50C-407E-A947-70E740481C1C}">
+                <a14:useLocalDpi xmlns:a14="http://schemas.microsoft.com/office/drawing/2010/main" val="0"/>
+              </a:ext>
+            </a:extLst>
+          </a:blip>
+          <a:srcRect/>
+          <a:stretch>
+            <a:fillRect/>
+          </a:stretch>
+        </p:blipFill>
+        <p:spPr bwMode="auto">
+          <a:xfrm>
+            <a:off x="271747" y="1610895"/>
+            <a:ext cx="10588511" cy="3298729"/>
+          </a:xfrm>
+          <a:prstGeom prst="rect">
+            <a:avLst/>
+          </a:prstGeom>
+          <a:noFill/>
+          <a:ln>
+            <a:noFill/>
+          </a:ln>
+        </p:spPr>
+      </p:pic>
+      <p:sp>
+        <p:nvSpPr>
+          <p:cNvPr id="6" name="TextBox 5">
+            <a:extLst>
+              <a:ext uri="{FF2B5EF4-FFF2-40B4-BE49-F238E27FC236}">
+                <a16:creationId xmlns:a16="http://schemas.microsoft.com/office/drawing/2014/main" id="{30BAED3D-87DE-68B8-2997-688BCA9CD608}"/>
+              </a:ext>
+            </a:extLst>
+          </p:cNvPr>
+          <p:cNvSpPr txBox="1"/>
+          <p:nvPr/>
+        </p:nvSpPr>
+        <p:spPr>
+          <a:xfrm>
+            <a:off x="271747" y="871376"/>
+            <a:ext cx="8837083" cy="523220"/>
+          </a:xfrm>
+          <a:prstGeom prst="rect">
+            <a:avLst/>
+          </a:prstGeom>
+          <a:noFill/>
+        </p:spPr>
+        <p:txBody>
+          <a:bodyPr wrap="square">
+            <a:spAutoFit/>
+          </a:bodyPr>
+          <a:lstStyle/>
+          <a:p>
+            <a:pPr marL="342900" marR="0" lvl="0" indent="-342900">
+              <a:buSzPts val="1000"/>
+              <a:buFont typeface="Symbol" panose="05050102010706020507" pitchFamily="18" charset="2"/>
+              <a:buChar char=""/>
+              <a:tabLst>
+                <a:tab pos="457200" algn="l"/>
+              </a:tabLst>
+            </a:pPr>
+            <a:r>
+              <a:rPr lang="en-US" sz="2800" b="1" dirty="0">
+                <a:effectLst/>
+                <a:latin typeface="Times New Roman" panose="02020603050405020304" pitchFamily="18" charset="0"/>
+                <a:ea typeface="Times New Roman" panose="02020603050405020304" pitchFamily="18" charset="0"/>
+                <a:cs typeface="Arial" panose="020B0604020202020204" pitchFamily="34" charset="0"/>
+              </a:rPr>
+              <a:t>Lookup Transformation</a:t>
+            </a:r>
+            <a:r>
+              <a:rPr lang="en-US" sz="2800" dirty="0">
+                <a:effectLst/>
+                <a:latin typeface="Times New Roman" panose="02020603050405020304" pitchFamily="18" charset="0"/>
+                <a:ea typeface="Times New Roman" panose="02020603050405020304" pitchFamily="18" charset="0"/>
+                <a:cs typeface="Arial" panose="020B0604020202020204" pitchFamily="34" charset="0"/>
+              </a:rPr>
+              <a:t>;</a:t>
+            </a:r>
+            <a:endParaRPr lang="en-US" sz="2800" dirty="0">
+              <a:effectLst/>
+              <a:latin typeface="Calibri" panose="020F0502020204030204" pitchFamily="34" charset="0"/>
+              <a:ea typeface="Calibri" panose="020F0502020204030204" pitchFamily="34" charset="0"/>
+              <a:cs typeface="Arial" panose="020B0604020202020204" pitchFamily="34" charset="0"/>
+            </a:endParaRPr>
+          </a:p>
+        </p:txBody>
+      </p:sp>
+    </p:spTree>
+    <p:extLst>
+      <p:ext uri="{BB962C8B-B14F-4D97-AF65-F5344CB8AC3E}">
+        <p14:creationId xmlns:p14="http://schemas.microsoft.com/office/powerpoint/2010/main" val="2125112873"/>
+      </p:ext>
+    </p:extLst>
+  </p:cSld>
+  <p:clrMapOvr>
+    <a:masterClrMapping/>
+  </p:clrMapOvr>
+</p:sld>
+</file>
+
+<file path=ppt/slides/slide58.xml><?xml version="1.0" encoding="utf-8"?>
+<p:sld xmlns:a="http://schemas.openxmlformats.org/drawingml/2006/main" xmlns:r="http://schemas.openxmlformats.org/officeDocument/2006/relationships" xmlns:p="http://schemas.openxmlformats.org/presentationml/2006/main">
+  <p:cSld>
+    <p:spTree>
+      <p:nvGrpSpPr>
+        <p:cNvPr id="1" name=""/>
+        <p:cNvGrpSpPr/>
+        <p:nvPr/>
+      </p:nvGrpSpPr>
+      <p:grpSpPr>
+        <a:xfrm>
+          <a:off x="0" y="0"/>
+          <a:ext cx="0" cy="0"/>
+          <a:chOff x="0" y="0"/>
+          <a:chExt cx="0" cy="0"/>
+        </a:xfrm>
+      </p:grpSpPr>
+      <p:pic>
+        <p:nvPicPr>
+          <p:cNvPr id="2" name="Picture 1">
+            <a:extLst>
+              <a:ext uri="{FF2B5EF4-FFF2-40B4-BE49-F238E27FC236}">
+                <a16:creationId xmlns:a16="http://schemas.microsoft.com/office/drawing/2014/main" id="{24063ACB-E890-CA06-D993-C52680D0996D}"/>
+              </a:ext>
+            </a:extLst>
+          </p:cNvPr>
+          <p:cNvPicPr>
+            <a:picLocks noChangeAspect="1"/>
+          </p:cNvPicPr>
+          <p:nvPr/>
+        </p:nvPicPr>
+        <p:blipFill>
+          <a:blip r:embed="rId2">
+            <a:extLst>
+              <a:ext uri="{28A0092B-C50C-407E-A947-70E740481C1C}">
+                <a14:useLocalDpi xmlns:a14="http://schemas.microsoft.com/office/drawing/2010/main" val="0"/>
+              </a:ext>
+            </a:extLst>
+          </a:blip>
+          <a:srcRect/>
+          <a:stretch>
+            <a:fillRect/>
+          </a:stretch>
+        </p:blipFill>
+        <p:spPr bwMode="auto">
+          <a:xfrm>
+            <a:off x="845534" y="548641"/>
+            <a:ext cx="8855312" cy="4007094"/>
+          </a:xfrm>
+          <a:prstGeom prst="rect">
+            <a:avLst/>
+          </a:prstGeom>
+          <a:noFill/>
+          <a:ln>
+            <a:noFill/>
+          </a:ln>
+        </p:spPr>
+      </p:pic>
+    </p:spTree>
+    <p:extLst>
+      <p:ext uri="{BB962C8B-B14F-4D97-AF65-F5344CB8AC3E}">
+        <p14:creationId xmlns:p14="http://schemas.microsoft.com/office/powerpoint/2010/main" val="2878084759"/>
+      </p:ext>
+    </p:extLst>
+  </p:cSld>
+  <p:clrMapOvr>
+    <a:masterClrMapping/>
+  </p:clrMapOvr>
+</p:sld>
+</file>
+
+<file path=ppt/slides/slide59.xml><?xml version="1.0" encoding="utf-8"?>
+<p:sld xmlns:a="http://schemas.openxmlformats.org/drawingml/2006/main" xmlns:r="http://schemas.openxmlformats.org/officeDocument/2006/relationships" xmlns:p="http://schemas.openxmlformats.org/presentationml/2006/main">
+  <p:cSld>
+    <p:spTree>
+      <p:nvGrpSpPr>
+        <p:cNvPr id="1" name=""/>
+        <p:cNvGrpSpPr/>
+        <p:nvPr/>
+      </p:nvGrpSpPr>
+      <p:grpSpPr>
+        <a:xfrm>
+          <a:off x="0" y="0"/>
+          <a:ext cx="0" cy="0"/>
+          <a:chOff x="0" y="0"/>
+          <a:chExt cx="0" cy="0"/>
+        </a:xfrm>
+      </p:grpSpPr>
+      <p:sp>
+        <p:nvSpPr>
+          <p:cNvPr id="3" name="TextBox 2">
+            <a:extLst>
+              <a:ext uri="{FF2B5EF4-FFF2-40B4-BE49-F238E27FC236}">
+                <a16:creationId xmlns:a16="http://schemas.microsoft.com/office/drawing/2014/main" id="{753646DD-6BD1-5AFA-D7E1-DEF4AFBF994F}"/>
+              </a:ext>
+            </a:extLst>
+          </p:cNvPr>
+          <p:cNvSpPr txBox="1"/>
+          <p:nvPr/>
+        </p:nvSpPr>
+        <p:spPr>
+          <a:xfrm>
+            <a:off x="309489" y="168812"/>
+            <a:ext cx="8838027" cy="523220"/>
+          </a:xfrm>
+          <a:prstGeom prst="rect">
+            <a:avLst/>
+          </a:prstGeom>
+          <a:noFill/>
+        </p:spPr>
+        <p:txBody>
+          <a:bodyPr wrap="square">
+            <a:spAutoFit/>
+          </a:bodyPr>
+          <a:lstStyle/>
+          <a:p>
+            <a:r>
+              <a:rPr lang="en-US" sz="2800" b="1" dirty="0">
+                <a:effectLst/>
+                <a:latin typeface="Times New Roman" panose="02020603050405020304" pitchFamily="18" charset="0"/>
+                <a:ea typeface="Times New Roman" panose="02020603050405020304" pitchFamily="18" charset="0"/>
+              </a:rPr>
+              <a:t>Expression Transformation</a:t>
+            </a:r>
+            <a:r>
+              <a:rPr lang="en-US" sz="2800" dirty="0">
+                <a:effectLst/>
+                <a:latin typeface="Times New Roman" panose="02020603050405020304" pitchFamily="18" charset="0"/>
+                <a:ea typeface="Times New Roman" panose="02020603050405020304" pitchFamily="18" charset="0"/>
+              </a:rPr>
+              <a:t>: </a:t>
+            </a:r>
+            <a:endParaRPr lang="en-US" sz="2800" dirty="0"/>
+          </a:p>
+        </p:txBody>
+      </p:sp>
+      <p:pic>
+        <p:nvPicPr>
+          <p:cNvPr id="4" name="Picture 3">
+            <a:extLst>
+              <a:ext uri="{FF2B5EF4-FFF2-40B4-BE49-F238E27FC236}">
+                <a16:creationId xmlns:a16="http://schemas.microsoft.com/office/drawing/2014/main" id="{582036BD-35F9-7ECB-B5FA-68D05EB568C0}"/>
+              </a:ext>
+            </a:extLst>
+          </p:cNvPr>
+          <p:cNvPicPr>
+            <a:picLocks noChangeAspect="1"/>
+          </p:cNvPicPr>
+          <p:nvPr/>
+        </p:nvPicPr>
+        <p:blipFill>
+          <a:blip r:embed="rId2">
+            <a:extLst>
+              <a:ext uri="{28A0092B-C50C-407E-A947-70E740481C1C}">
+                <a14:useLocalDpi xmlns:a14="http://schemas.microsoft.com/office/drawing/2010/main" val="0"/>
+              </a:ext>
+            </a:extLst>
+          </a:blip>
+          <a:srcRect/>
+          <a:stretch>
+            <a:fillRect/>
+          </a:stretch>
+        </p:blipFill>
+        <p:spPr bwMode="auto">
+          <a:xfrm>
+            <a:off x="397411" y="1040858"/>
+            <a:ext cx="9900140" cy="4445541"/>
+          </a:xfrm>
+          <a:prstGeom prst="rect">
+            <a:avLst/>
+          </a:prstGeom>
+          <a:noFill/>
+          <a:ln>
+            <a:noFill/>
+          </a:ln>
+        </p:spPr>
+      </p:pic>
+    </p:spTree>
+    <p:extLst>
+      <p:ext uri="{BB962C8B-B14F-4D97-AF65-F5344CB8AC3E}">
+        <p14:creationId xmlns:p14="http://schemas.microsoft.com/office/powerpoint/2010/main" val="684000147"/>
       </p:ext>
     </p:extLst>
   </p:cSld>
@@ -14237,7 +14667,12 @@
             <p:ph idx="1"/>
           </p:nvPr>
         </p:nvSpPr>
-        <p:spPr/>
+        <p:spPr>
+          <a:xfrm>
+            <a:off x="117987" y="2403987"/>
+            <a:ext cx="11235813" cy="3772976"/>
+          </a:xfrm>
+        </p:spPr>
         <p:txBody>
           <a:bodyPr>
             <a:normAutofit/>
@@ -14301,6 +14736,48 @@
           </a:p>
           <a:p>
             <a:endParaRPr dirty="0"/>
+          </a:p>
+        </p:txBody>
+      </p:sp>
+      <p:sp>
+        <p:nvSpPr>
+          <p:cNvPr id="5" name="TextBox 4">
+            <a:extLst>
+              <a:ext uri="{FF2B5EF4-FFF2-40B4-BE49-F238E27FC236}">
+                <a16:creationId xmlns:a16="http://schemas.microsoft.com/office/drawing/2014/main" id="{63195042-5CD2-D5A3-6161-EABCC14D5EF2}"/>
+              </a:ext>
+            </a:extLst>
+          </p:cNvPr>
+          <p:cNvSpPr txBox="1"/>
+          <p:nvPr/>
+        </p:nvSpPr>
+        <p:spPr>
+          <a:xfrm>
+            <a:off x="117987" y="1474839"/>
+            <a:ext cx="8852719" cy="646331"/>
+          </a:xfrm>
+          <a:prstGeom prst="rect">
+            <a:avLst/>
+          </a:prstGeom>
+          <a:noFill/>
+        </p:spPr>
+        <p:txBody>
+          <a:bodyPr wrap="square">
+            <a:spAutoFit/>
+          </a:bodyPr>
+          <a:lstStyle/>
+          <a:p>
+            <a:r>
+              <a:rPr lang="en-GB" b="0" i="0" dirty="0">
+                <a:solidFill>
+                  <a:srgbClr val="333333"/>
+                </a:solidFill>
+                <a:effectLst/>
+                <a:latin typeface="AmazonEmber"/>
+              </a:rPr>
+              <a:t>ETL improves business intelligence by making the process more reliable, accurate, detailed, and efficient.</a:t>
+            </a:r>
+            <a:endParaRPr lang="en-US" dirty="0"/>
           </a:p>
         </p:txBody>
       </p:sp>
@@ -14329,935 +14806,6 @@
           <a:chExt cx="0" cy="0"/>
         </a:xfrm>
       </p:grpSpPr>
-      <p:sp>
-        <p:nvSpPr>
-          <p:cNvPr id="3" name="TextBox 2">
-            <a:extLst>
-              <a:ext uri="{FF2B5EF4-FFF2-40B4-BE49-F238E27FC236}">
-                <a16:creationId xmlns:a16="http://schemas.microsoft.com/office/drawing/2014/main" id="{7CFE3AA9-26F6-D373-791E-8C862804A065}"/>
-              </a:ext>
-            </a:extLst>
-          </p:cNvPr>
-          <p:cNvSpPr txBox="1"/>
-          <p:nvPr/>
-        </p:nvSpPr>
-        <p:spPr>
-          <a:xfrm>
-            <a:off x="0" y="140677"/>
-            <a:ext cx="9147516" cy="1631216"/>
-          </a:xfrm>
-          <a:prstGeom prst="rect">
-            <a:avLst/>
-          </a:prstGeom>
-          <a:noFill/>
-        </p:spPr>
-        <p:txBody>
-          <a:bodyPr wrap="square">
-            <a:spAutoFit/>
-          </a:bodyPr>
-          <a:lstStyle/>
-          <a:p>
-            <a:pPr marL="0" marR="0"/>
-            <a:r>
-              <a:rPr lang="en-US" sz="2800" b="1" dirty="0">
-                <a:effectLst/>
-                <a:latin typeface="Times New Roman" panose="02020603050405020304" pitchFamily="18" charset="0"/>
-                <a:ea typeface="Times New Roman" panose="02020603050405020304" pitchFamily="18" charset="0"/>
-                <a:cs typeface="Arial" panose="020B0604020202020204" pitchFamily="34" charset="0"/>
-              </a:rPr>
-              <a:t>1. Mapping Overview(DIM_PAYMENT)</a:t>
-            </a:r>
-            <a:endParaRPr lang="en-US" sz="1600" dirty="0">
-              <a:effectLst/>
-              <a:latin typeface="Calibri" panose="020F0502020204030204" pitchFamily="34" charset="0"/>
-              <a:ea typeface="Calibri" panose="020F0502020204030204" pitchFamily="34" charset="0"/>
-              <a:cs typeface="Arial" panose="020B0604020202020204" pitchFamily="34" charset="0"/>
-            </a:endParaRPr>
-          </a:p>
-          <a:p>
-            <a:pPr marL="342900" marR="0" lvl="0" indent="-342900">
-              <a:buSzPts val="1000"/>
-              <a:buFont typeface="Symbol" panose="05050102010706020507" pitchFamily="18" charset="2"/>
-              <a:buChar char=""/>
-              <a:tabLst>
-                <a:tab pos="457200" algn="l"/>
-              </a:tabLst>
-            </a:pPr>
-            <a:r>
-              <a:rPr lang="en-US" sz="2400" b="1" dirty="0">
-                <a:effectLst/>
-                <a:latin typeface="Times New Roman" panose="02020603050405020304" pitchFamily="18" charset="0"/>
-                <a:ea typeface="Times New Roman" panose="02020603050405020304" pitchFamily="18" charset="0"/>
-                <a:cs typeface="Arial" panose="020B0604020202020204" pitchFamily="34" charset="0"/>
-              </a:rPr>
-              <a:t>Mapping Name</a:t>
-            </a:r>
-            <a:r>
-              <a:rPr lang="en-US" sz="2400" dirty="0">
-                <a:effectLst/>
-                <a:latin typeface="Times New Roman" panose="02020603050405020304" pitchFamily="18" charset="0"/>
-                <a:ea typeface="Times New Roman" panose="02020603050405020304" pitchFamily="18" charset="0"/>
-                <a:cs typeface="Arial" panose="020B0604020202020204" pitchFamily="34" charset="0"/>
-              </a:rPr>
-              <a:t>: [m_DIM_PAYMENT_SCD_T2]</a:t>
-            </a:r>
-            <a:endParaRPr lang="en-US" sz="2400" dirty="0">
-              <a:effectLst/>
-              <a:latin typeface="Calibri" panose="020F0502020204030204" pitchFamily="34" charset="0"/>
-              <a:ea typeface="Calibri" panose="020F0502020204030204" pitchFamily="34" charset="0"/>
-              <a:cs typeface="Arial" panose="020B0604020202020204" pitchFamily="34" charset="0"/>
-            </a:endParaRPr>
-          </a:p>
-          <a:p>
-            <a:pPr marL="342900" marR="0" lvl="0" indent="-342900">
-              <a:buSzPts val="1000"/>
-              <a:buFont typeface="Symbol" panose="05050102010706020507" pitchFamily="18" charset="2"/>
-              <a:buChar char=""/>
-              <a:tabLst>
-                <a:tab pos="457200" algn="l"/>
-              </a:tabLst>
-            </a:pPr>
-            <a:r>
-              <a:rPr lang="en-US" sz="2400" b="1" dirty="0">
-                <a:effectLst/>
-                <a:latin typeface="Times New Roman" panose="02020603050405020304" pitchFamily="18" charset="0"/>
-                <a:ea typeface="Times New Roman" panose="02020603050405020304" pitchFamily="18" charset="0"/>
-                <a:cs typeface="Arial" panose="020B0604020202020204" pitchFamily="34" charset="0"/>
-              </a:rPr>
-              <a:t>Source Table</a:t>
-            </a:r>
-            <a:r>
-              <a:rPr lang="en-US" sz="2400" dirty="0">
-                <a:effectLst/>
-                <a:latin typeface="Times New Roman" panose="02020603050405020304" pitchFamily="18" charset="0"/>
-                <a:ea typeface="Times New Roman" panose="02020603050405020304" pitchFamily="18" charset="0"/>
-                <a:cs typeface="Arial" panose="020B0604020202020204" pitchFamily="34" charset="0"/>
-              </a:rPr>
-              <a:t>: [STG_PAYMENT]</a:t>
-            </a:r>
-            <a:endParaRPr lang="en-US" sz="2400" dirty="0">
-              <a:effectLst/>
-              <a:latin typeface="Calibri" panose="020F0502020204030204" pitchFamily="34" charset="0"/>
-              <a:ea typeface="Calibri" panose="020F0502020204030204" pitchFamily="34" charset="0"/>
-              <a:cs typeface="Arial" panose="020B0604020202020204" pitchFamily="34" charset="0"/>
-            </a:endParaRPr>
-          </a:p>
-          <a:p>
-            <a:pPr marL="342900" marR="0" lvl="0" indent="-342900">
-              <a:buSzPts val="1000"/>
-              <a:buFont typeface="Symbol" panose="05050102010706020507" pitchFamily="18" charset="2"/>
-              <a:buChar char=""/>
-              <a:tabLst>
-                <a:tab pos="457200" algn="l"/>
-              </a:tabLst>
-            </a:pPr>
-            <a:r>
-              <a:rPr lang="en-US" sz="2400" b="1" dirty="0">
-                <a:effectLst/>
-                <a:latin typeface="Times New Roman" panose="02020603050405020304" pitchFamily="18" charset="0"/>
-                <a:ea typeface="Times New Roman" panose="02020603050405020304" pitchFamily="18" charset="0"/>
-                <a:cs typeface="Arial" panose="020B0604020202020204" pitchFamily="34" charset="0"/>
-              </a:rPr>
-              <a:t>Target Table</a:t>
-            </a:r>
-            <a:r>
-              <a:rPr lang="en-US" sz="2400" dirty="0">
-                <a:effectLst/>
-                <a:latin typeface="Times New Roman" panose="02020603050405020304" pitchFamily="18" charset="0"/>
-                <a:ea typeface="Times New Roman" panose="02020603050405020304" pitchFamily="18" charset="0"/>
-                <a:cs typeface="Arial" panose="020B0604020202020204" pitchFamily="34" charset="0"/>
-              </a:rPr>
-              <a:t>: [DIM_PAYMENT]</a:t>
-            </a:r>
-            <a:endParaRPr lang="en-US" sz="2400" dirty="0">
-              <a:effectLst/>
-              <a:latin typeface="Calibri" panose="020F0502020204030204" pitchFamily="34" charset="0"/>
-              <a:ea typeface="Calibri" panose="020F0502020204030204" pitchFamily="34" charset="0"/>
-              <a:cs typeface="Arial" panose="020B0604020202020204" pitchFamily="34" charset="0"/>
-            </a:endParaRPr>
-          </a:p>
-        </p:txBody>
-      </p:sp>
-      <p:pic>
-        <p:nvPicPr>
-          <p:cNvPr id="4" name="Picture 3">
-            <a:extLst>
-              <a:ext uri="{FF2B5EF4-FFF2-40B4-BE49-F238E27FC236}">
-                <a16:creationId xmlns:a16="http://schemas.microsoft.com/office/drawing/2014/main" id="{7617E94E-1061-AD4F-32B0-DBB76683898D}"/>
-              </a:ext>
-            </a:extLst>
-          </p:cNvPr>
-          <p:cNvPicPr>
-            <a:picLocks noChangeAspect="1"/>
-          </p:cNvPicPr>
-          <p:nvPr/>
-        </p:nvPicPr>
-        <p:blipFill>
-          <a:blip r:embed="rId2">
-            <a:extLst>
-              <a:ext uri="{28A0092B-C50C-407E-A947-70E740481C1C}">
-                <a14:useLocalDpi xmlns:a14="http://schemas.microsoft.com/office/drawing/2010/main" val="0"/>
-              </a:ext>
-            </a:extLst>
-          </a:blip>
-          <a:srcRect/>
-          <a:stretch>
-            <a:fillRect/>
-          </a:stretch>
-        </p:blipFill>
-        <p:spPr bwMode="auto">
-          <a:xfrm>
-            <a:off x="309489" y="1852612"/>
-            <a:ext cx="11029071" cy="4280902"/>
-          </a:xfrm>
-          <a:prstGeom prst="rect">
-            <a:avLst/>
-          </a:prstGeom>
-          <a:noFill/>
-          <a:ln>
-            <a:noFill/>
-          </a:ln>
-        </p:spPr>
-      </p:pic>
-    </p:spTree>
-    <p:extLst>
-      <p:ext uri="{BB962C8B-B14F-4D97-AF65-F5344CB8AC3E}">
-        <p14:creationId xmlns:p14="http://schemas.microsoft.com/office/powerpoint/2010/main" val="1567224991"/>
-      </p:ext>
-    </p:extLst>
-  </p:cSld>
-  <p:clrMapOvr>
-    <a:masterClrMapping/>
-  </p:clrMapOvr>
-</p:sld>
-</file>
-
-<file path=ppt/slides/slide61.xml><?xml version="1.0" encoding="utf-8"?>
-<p:sld xmlns:a="http://schemas.openxmlformats.org/drawingml/2006/main" xmlns:r="http://schemas.openxmlformats.org/officeDocument/2006/relationships" xmlns:p="http://schemas.openxmlformats.org/presentationml/2006/main">
-  <p:cSld>
-    <p:spTree>
-      <p:nvGrpSpPr>
-        <p:cNvPr id="1" name=""/>
-        <p:cNvGrpSpPr/>
-        <p:nvPr/>
-      </p:nvGrpSpPr>
-      <p:grpSpPr>
-        <a:xfrm>
-          <a:off x="0" y="0"/>
-          <a:ext cx="0" cy="0"/>
-          <a:chOff x="0" y="0"/>
-          <a:chExt cx="0" cy="0"/>
-        </a:xfrm>
-      </p:grpSpPr>
-      <p:sp>
-        <p:nvSpPr>
-          <p:cNvPr id="3" name="TextBox 2">
-            <a:extLst>
-              <a:ext uri="{FF2B5EF4-FFF2-40B4-BE49-F238E27FC236}">
-                <a16:creationId xmlns:a16="http://schemas.microsoft.com/office/drawing/2014/main" id="{742DB6F5-EEFD-AFA9-CE9C-F3C5FE3CDD65}"/>
-              </a:ext>
-            </a:extLst>
-          </p:cNvPr>
-          <p:cNvSpPr txBox="1"/>
-          <p:nvPr/>
-        </p:nvSpPr>
-        <p:spPr>
-          <a:xfrm>
-            <a:off x="309489" y="98474"/>
-            <a:ext cx="8838027" cy="892552"/>
-          </a:xfrm>
-          <a:prstGeom prst="rect">
-            <a:avLst/>
-          </a:prstGeom>
-          <a:noFill/>
-        </p:spPr>
-        <p:txBody>
-          <a:bodyPr wrap="square">
-            <a:spAutoFit/>
-          </a:bodyPr>
-          <a:lstStyle/>
-          <a:p>
-            <a:pPr marL="0" marR="0"/>
-            <a:r>
-              <a:rPr lang="en-US" sz="2800" b="1" dirty="0">
-                <a:effectLst/>
-                <a:latin typeface="Times New Roman" panose="02020603050405020304" pitchFamily="18" charset="0"/>
-                <a:ea typeface="Times New Roman" panose="02020603050405020304" pitchFamily="18" charset="0"/>
-                <a:cs typeface="Arial" panose="020B0604020202020204" pitchFamily="34" charset="0"/>
-              </a:rPr>
-              <a:t>2. Source (Staging Table) Details</a:t>
-            </a:r>
-            <a:endParaRPr lang="en-US" sz="2800" dirty="0">
-              <a:effectLst/>
-              <a:latin typeface="Calibri" panose="020F0502020204030204" pitchFamily="34" charset="0"/>
-              <a:ea typeface="Calibri" panose="020F0502020204030204" pitchFamily="34" charset="0"/>
-              <a:cs typeface="Arial" panose="020B0604020202020204" pitchFamily="34" charset="0"/>
-            </a:endParaRPr>
-          </a:p>
-          <a:p>
-            <a:pPr marL="342900" marR="0" lvl="0" indent="-342900">
-              <a:buSzPts val="1000"/>
-              <a:buFont typeface="Symbol" panose="05050102010706020507" pitchFamily="18" charset="2"/>
-              <a:buChar char=""/>
-              <a:tabLst>
-                <a:tab pos="457200" algn="l"/>
-              </a:tabLst>
-            </a:pPr>
-            <a:r>
-              <a:rPr lang="en-US" sz="2400" b="1" dirty="0">
-                <a:effectLst/>
-                <a:latin typeface="Times New Roman" panose="02020603050405020304" pitchFamily="18" charset="0"/>
-                <a:ea typeface="Times New Roman" panose="02020603050405020304" pitchFamily="18" charset="0"/>
-                <a:cs typeface="Arial" panose="020B0604020202020204" pitchFamily="34" charset="0"/>
-              </a:rPr>
-              <a:t>Table Name</a:t>
-            </a:r>
-            <a:r>
-              <a:rPr lang="en-US" sz="2400" dirty="0">
-                <a:effectLst/>
-                <a:latin typeface="Times New Roman" panose="02020603050405020304" pitchFamily="18" charset="0"/>
-                <a:ea typeface="Times New Roman" panose="02020603050405020304" pitchFamily="18" charset="0"/>
-                <a:cs typeface="Arial" panose="020B0604020202020204" pitchFamily="34" charset="0"/>
-              </a:rPr>
-              <a:t>: [STG_PAYMENT]</a:t>
-            </a:r>
-            <a:endParaRPr lang="en-US" sz="2400" dirty="0">
-              <a:effectLst/>
-              <a:latin typeface="Calibri" panose="020F0502020204030204" pitchFamily="34" charset="0"/>
-              <a:ea typeface="Calibri" panose="020F0502020204030204" pitchFamily="34" charset="0"/>
-              <a:cs typeface="Arial" panose="020B0604020202020204" pitchFamily="34" charset="0"/>
-            </a:endParaRPr>
-          </a:p>
-        </p:txBody>
-      </p:sp>
-      <p:pic>
-        <p:nvPicPr>
-          <p:cNvPr id="4" name="Picture 3">
-            <a:extLst>
-              <a:ext uri="{FF2B5EF4-FFF2-40B4-BE49-F238E27FC236}">
-                <a16:creationId xmlns:a16="http://schemas.microsoft.com/office/drawing/2014/main" id="{42FBC7B5-F652-AFE4-7D26-566491088F3A}"/>
-              </a:ext>
-            </a:extLst>
-          </p:cNvPr>
-          <p:cNvPicPr>
-            <a:picLocks noChangeAspect="1"/>
-          </p:cNvPicPr>
-          <p:nvPr/>
-        </p:nvPicPr>
-        <p:blipFill>
-          <a:blip r:embed="rId2">
-            <a:extLst>
-              <a:ext uri="{28A0092B-C50C-407E-A947-70E740481C1C}">
-                <a14:useLocalDpi xmlns:a14="http://schemas.microsoft.com/office/drawing/2010/main" val="0"/>
-              </a:ext>
-            </a:extLst>
-          </a:blip>
-          <a:srcRect/>
-          <a:stretch>
-            <a:fillRect/>
-          </a:stretch>
-        </p:blipFill>
-        <p:spPr bwMode="auto">
-          <a:xfrm>
-            <a:off x="731521" y="991026"/>
-            <a:ext cx="9917722" cy="4790823"/>
-          </a:xfrm>
-          <a:prstGeom prst="rect">
-            <a:avLst/>
-          </a:prstGeom>
-          <a:noFill/>
-          <a:ln>
-            <a:noFill/>
-          </a:ln>
-        </p:spPr>
-      </p:pic>
-    </p:spTree>
-    <p:extLst>
-      <p:ext uri="{BB962C8B-B14F-4D97-AF65-F5344CB8AC3E}">
-        <p14:creationId xmlns:p14="http://schemas.microsoft.com/office/powerpoint/2010/main" val="326198101"/>
-      </p:ext>
-    </p:extLst>
-  </p:cSld>
-  <p:clrMapOvr>
-    <a:masterClrMapping/>
-  </p:clrMapOvr>
-</p:sld>
-</file>
-
-<file path=ppt/slides/slide62.xml><?xml version="1.0" encoding="utf-8"?>
-<p:sld xmlns:a="http://schemas.openxmlformats.org/drawingml/2006/main" xmlns:r="http://schemas.openxmlformats.org/officeDocument/2006/relationships" xmlns:p="http://schemas.openxmlformats.org/presentationml/2006/main">
-  <p:cSld>
-    <p:spTree>
-      <p:nvGrpSpPr>
-        <p:cNvPr id="1" name=""/>
-        <p:cNvGrpSpPr/>
-        <p:nvPr/>
-      </p:nvGrpSpPr>
-      <p:grpSpPr>
-        <a:xfrm>
-          <a:off x="0" y="0"/>
-          <a:ext cx="0" cy="0"/>
-          <a:chOff x="0" y="0"/>
-          <a:chExt cx="0" cy="0"/>
-        </a:xfrm>
-      </p:grpSpPr>
-      <p:sp>
-        <p:nvSpPr>
-          <p:cNvPr id="3" name="TextBox 2">
-            <a:extLst>
-              <a:ext uri="{FF2B5EF4-FFF2-40B4-BE49-F238E27FC236}">
-                <a16:creationId xmlns:a16="http://schemas.microsoft.com/office/drawing/2014/main" id="{977D1520-6E5A-E332-0C3E-C74E40FCF0DC}"/>
-              </a:ext>
-            </a:extLst>
-          </p:cNvPr>
-          <p:cNvSpPr txBox="1"/>
-          <p:nvPr/>
-        </p:nvSpPr>
-        <p:spPr>
-          <a:xfrm>
-            <a:off x="140677" y="126609"/>
-            <a:ext cx="9006839" cy="1261884"/>
-          </a:xfrm>
-          <a:prstGeom prst="rect">
-            <a:avLst/>
-          </a:prstGeom>
-          <a:noFill/>
-        </p:spPr>
-        <p:txBody>
-          <a:bodyPr wrap="square">
-            <a:spAutoFit/>
-          </a:bodyPr>
-          <a:lstStyle/>
-          <a:p>
-            <a:pPr marL="0" marR="0"/>
-            <a:r>
-              <a:rPr lang="en-US" sz="2800" b="1" dirty="0">
-                <a:effectLst/>
-                <a:latin typeface="Times New Roman" panose="02020603050405020304" pitchFamily="18" charset="0"/>
-                <a:ea typeface="Times New Roman" panose="02020603050405020304" pitchFamily="18" charset="0"/>
-                <a:cs typeface="Arial" panose="020B0604020202020204" pitchFamily="34" charset="0"/>
-              </a:rPr>
-              <a:t>3. Target (Data Warehouse Table) Details</a:t>
-            </a:r>
-            <a:endParaRPr lang="en-US" sz="1600" dirty="0">
-              <a:effectLst/>
-              <a:latin typeface="Calibri" panose="020F0502020204030204" pitchFamily="34" charset="0"/>
-              <a:ea typeface="Calibri" panose="020F0502020204030204" pitchFamily="34" charset="0"/>
-              <a:cs typeface="Arial" panose="020B0604020202020204" pitchFamily="34" charset="0"/>
-            </a:endParaRPr>
-          </a:p>
-          <a:p>
-            <a:pPr marL="342900" marR="0" lvl="0" indent="-342900">
-              <a:buSzPts val="1000"/>
-              <a:buFont typeface="Symbol" panose="05050102010706020507" pitchFamily="18" charset="2"/>
-              <a:buChar char=""/>
-              <a:tabLst>
-                <a:tab pos="457200" algn="l"/>
-              </a:tabLst>
-            </a:pPr>
-            <a:r>
-              <a:rPr lang="en-US" sz="2400" b="1" dirty="0">
-                <a:effectLst/>
-                <a:latin typeface="Times New Roman" panose="02020603050405020304" pitchFamily="18" charset="0"/>
-                <a:ea typeface="Times New Roman" panose="02020603050405020304" pitchFamily="18" charset="0"/>
-                <a:cs typeface="Arial" panose="020B0604020202020204" pitchFamily="34" charset="0"/>
-              </a:rPr>
-              <a:t>Table Name</a:t>
-            </a:r>
-            <a:r>
-              <a:rPr lang="en-US" sz="2400" dirty="0">
-                <a:effectLst/>
-                <a:latin typeface="Times New Roman" panose="02020603050405020304" pitchFamily="18" charset="0"/>
-                <a:ea typeface="Times New Roman" panose="02020603050405020304" pitchFamily="18" charset="0"/>
-                <a:cs typeface="Arial" panose="020B0604020202020204" pitchFamily="34" charset="0"/>
-              </a:rPr>
-              <a:t>: [DIM_PAYMENT]</a:t>
-            </a:r>
-            <a:endParaRPr lang="en-US" sz="2400" dirty="0">
-              <a:effectLst/>
-              <a:latin typeface="Calibri" panose="020F0502020204030204" pitchFamily="34" charset="0"/>
-              <a:ea typeface="Calibri" panose="020F0502020204030204" pitchFamily="34" charset="0"/>
-              <a:cs typeface="Arial" panose="020B0604020202020204" pitchFamily="34" charset="0"/>
-            </a:endParaRPr>
-          </a:p>
-          <a:p>
-            <a:pPr marL="342900" marR="0" lvl="0" indent="-342900">
-              <a:buSzPts val="1000"/>
-              <a:buFont typeface="Symbol" panose="05050102010706020507" pitchFamily="18" charset="2"/>
-              <a:buChar char=""/>
-              <a:tabLst>
-                <a:tab pos="457200" algn="l"/>
-              </a:tabLst>
-            </a:pPr>
-            <a:r>
-              <a:rPr lang="en-US" sz="2400" b="1" dirty="0">
-                <a:effectLst/>
-                <a:latin typeface="Times New Roman" panose="02020603050405020304" pitchFamily="18" charset="0"/>
-                <a:ea typeface="Times New Roman" panose="02020603050405020304" pitchFamily="18" charset="0"/>
-                <a:cs typeface="Arial" panose="020B0604020202020204" pitchFamily="34" charset="0"/>
-              </a:rPr>
-              <a:t>Table Type</a:t>
-            </a:r>
-            <a:r>
-              <a:rPr lang="en-US" sz="2400" dirty="0">
-                <a:effectLst/>
-                <a:latin typeface="Times New Roman" panose="02020603050405020304" pitchFamily="18" charset="0"/>
-                <a:ea typeface="Times New Roman" panose="02020603050405020304" pitchFamily="18" charset="0"/>
-                <a:cs typeface="Arial" panose="020B0604020202020204" pitchFamily="34" charset="0"/>
-              </a:rPr>
-              <a:t>: [Dimension Table]</a:t>
-            </a:r>
-            <a:endParaRPr lang="en-US" sz="2400" dirty="0">
-              <a:effectLst/>
-              <a:latin typeface="Calibri" panose="020F0502020204030204" pitchFamily="34" charset="0"/>
-              <a:ea typeface="Calibri" panose="020F0502020204030204" pitchFamily="34" charset="0"/>
-              <a:cs typeface="Arial" panose="020B0604020202020204" pitchFamily="34" charset="0"/>
-            </a:endParaRPr>
-          </a:p>
-        </p:txBody>
-      </p:sp>
-      <p:pic>
-        <p:nvPicPr>
-          <p:cNvPr id="4" name="Picture 3">
-            <a:extLst>
-              <a:ext uri="{FF2B5EF4-FFF2-40B4-BE49-F238E27FC236}">
-                <a16:creationId xmlns:a16="http://schemas.microsoft.com/office/drawing/2014/main" id="{CFF4D6DF-91F0-6B9B-7AEE-67CA604462CB}"/>
-              </a:ext>
-            </a:extLst>
-          </p:cNvPr>
-          <p:cNvPicPr>
-            <a:picLocks noChangeAspect="1"/>
-          </p:cNvPicPr>
-          <p:nvPr/>
-        </p:nvPicPr>
-        <p:blipFill>
-          <a:blip r:embed="rId2">
-            <a:extLst>
-              <a:ext uri="{28A0092B-C50C-407E-A947-70E740481C1C}">
-                <a14:useLocalDpi xmlns:a14="http://schemas.microsoft.com/office/drawing/2010/main" val="0"/>
-              </a:ext>
-            </a:extLst>
-          </a:blip>
-          <a:srcRect/>
-          <a:stretch>
-            <a:fillRect/>
-          </a:stretch>
-        </p:blipFill>
-        <p:spPr bwMode="auto">
-          <a:xfrm>
-            <a:off x="323557" y="1388493"/>
-            <a:ext cx="11619913" cy="4730953"/>
-          </a:xfrm>
-          <a:prstGeom prst="rect">
-            <a:avLst/>
-          </a:prstGeom>
-          <a:noFill/>
-          <a:ln>
-            <a:noFill/>
-          </a:ln>
-        </p:spPr>
-      </p:pic>
-    </p:spTree>
-    <p:extLst>
-      <p:ext uri="{BB962C8B-B14F-4D97-AF65-F5344CB8AC3E}">
-        <p14:creationId xmlns:p14="http://schemas.microsoft.com/office/powerpoint/2010/main" val="341045699"/>
-      </p:ext>
-    </p:extLst>
-  </p:cSld>
-  <p:clrMapOvr>
-    <a:masterClrMapping/>
-  </p:clrMapOvr>
-</p:sld>
-</file>
-
-<file path=ppt/slides/slide63.xml><?xml version="1.0" encoding="utf-8"?>
-<p:sld xmlns:a="http://schemas.openxmlformats.org/drawingml/2006/main" xmlns:r="http://schemas.openxmlformats.org/officeDocument/2006/relationships" xmlns:p="http://schemas.openxmlformats.org/presentationml/2006/main">
-  <p:cSld>
-    <p:spTree>
-      <p:nvGrpSpPr>
-        <p:cNvPr id="1" name=""/>
-        <p:cNvGrpSpPr/>
-        <p:nvPr/>
-      </p:nvGrpSpPr>
-      <p:grpSpPr>
-        <a:xfrm>
-          <a:off x="0" y="0"/>
-          <a:ext cx="0" cy="0"/>
-          <a:chOff x="0" y="0"/>
-          <a:chExt cx="0" cy="0"/>
-        </a:xfrm>
-      </p:grpSpPr>
-      <p:sp>
-        <p:nvSpPr>
-          <p:cNvPr id="3" name="TextBox 2">
-            <a:extLst>
-              <a:ext uri="{FF2B5EF4-FFF2-40B4-BE49-F238E27FC236}">
-                <a16:creationId xmlns:a16="http://schemas.microsoft.com/office/drawing/2014/main" id="{5B745B25-DFE2-B3F9-453B-D867F6CCC794}"/>
-              </a:ext>
-            </a:extLst>
-          </p:cNvPr>
-          <p:cNvSpPr txBox="1"/>
-          <p:nvPr/>
-        </p:nvSpPr>
-        <p:spPr>
-          <a:xfrm>
-            <a:off x="0" y="286601"/>
-            <a:ext cx="6544993" cy="584775"/>
-          </a:xfrm>
-          <a:prstGeom prst="rect">
-            <a:avLst/>
-          </a:prstGeom>
-          <a:noFill/>
-        </p:spPr>
-        <p:txBody>
-          <a:bodyPr wrap="square">
-            <a:spAutoFit/>
-          </a:bodyPr>
-          <a:lstStyle/>
-          <a:p>
-            <a:pPr marL="0" marR="0"/>
-            <a:r>
-              <a:rPr lang="en-US" sz="3200" b="1" dirty="0">
-                <a:effectLst/>
-                <a:latin typeface="Times New Roman" panose="02020603050405020304" pitchFamily="18" charset="0"/>
-                <a:ea typeface="Times New Roman" panose="02020603050405020304" pitchFamily="18" charset="0"/>
-                <a:cs typeface="Arial" panose="020B0604020202020204" pitchFamily="34" charset="0"/>
-              </a:rPr>
-              <a:t>Transformations Applied</a:t>
-            </a:r>
-            <a:endParaRPr lang="en-US" sz="3200" dirty="0">
-              <a:effectLst/>
-              <a:latin typeface="Calibri" panose="020F0502020204030204" pitchFamily="34" charset="0"/>
-              <a:ea typeface="Calibri" panose="020F0502020204030204" pitchFamily="34" charset="0"/>
-              <a:cs typeface="Arial" panose="020B0604020202020204" pitchFamily="34" charset="0"/>
-            </a:endParaRPr>
-          </a:p>
-        </p:txBody>
-      </p:sp>
-      <p:pic>
-        <p:nvPicPr>
-          <p:cNvPr id="4" name="Picture 3">
-            <a:extLst>
-              <a:ext uri="{FF2B5EF4-FFF2-40B4-BE49-F238E27FC236}">
-                <a16:creationId xmlns:a16="http://schemas.microsoft.com/office/drawing/2014/main" id="{02054B22-67A1-9BAC-8AD4-B01085EE4DA8}"/>
-              </a:ext>
-            </a:extLst>
-          </p:cNvPr>
-          <p:cNvPicPr>
-            <a:picLocks noChangeAspect="1"/>
-          </p:cNvPicPr>
-          <p:nvPr/>
-        </p:nvPicPr>
-        <p:blipFill>
-          <a:blip r:embed="rId2">
-            <a:extLst>
-              <a:ext uri="{28A0092B-C50C-407E-A947-70E740481C1C}">
-                <a14:useLocalDpi xmlns:a14="http://schemas.microsoft.com/office/drawing/2010/main" val="0"/>
-              </a:ext>
-            </a:extLst>
-          </a:blip>
-          <a:srcRect/>
-          <a:stretch>
-            <a:fillRect/>
-          </a:stretch>
-        </p:blipFill>
-        <p:spPr bwMode="auto">
-          <a:xfrm>
-            <a:off x="271747" y="1610895"/>
-            <a:ext cx="10588511" cy="3298729"/>
-          </a:xfrm>
-          <a:prstGeom prst="rect">
-            <a:avLst/>
-          </a:prstGeom>
-          <a:noFill/>
-          <a:ln>
-            <a:noFill/>
-          </a:ln>
-        </p:spPr>
-      </p:pic>
-      <p:sp>
-        <p:nvSpPr>
-          <p:cNvPr id="6" name="TextBox 5">
-            <a:extLst>
-              <a:ext uri="{FF2B5EF4-FFF2-40B4-BE49-F238E27FC236}">
-                <a16:creationId xmlns:a16="http://schemas.microsoft.com/office/drawing/2014/main" id="{30BAED3D-87DE-68B8-2997-688BCA9CD608}"/>
-              </a:ext>
-            </a:extLst>
-          </p:cNvPr>
-          <p:cNvSpPr txBox="1"/>
-          <p:nvPr/>
-        </p:nvSpPr>
-        <p:spPr>
-          <a:xfrm>
-            <a:off x="271747" y="871376"/>
-            <a:ext cx="8837083" cy="523220"/>
-          </a:xfrm>
-          <a:prstGeom prst="rect">
-            <a:avLst/>
-          </a:prstGeom>
-          <a:noFill/>
-        </p:spPr>
-        <p:txBody>
-          <a:bodyPr wrap="square">
-            <a:spAutoFit/>
-          </a:bodyPr>
-          <a:lstStyle/>
-          <a:p>
-            <a:pPr marL="342900" marR="0" lvl="0" indent="-342900">
-              <a:buSzPts val="1000"/>
-              <a:buFont typeface="Symbol" panose="05050102010706020507" pitchFamily="18" charset="2"/>
-              <a:buChar char=""/>
-              <a:tabLst>
-                <a:tab pos="457200" algn="l"/>
-              </a:tabLst>
-            </a:pPr>
-            <a:r>
-              <a:rPr lang="en-US" sz="2800" b="1" dirty="0">
-                <a:effectLst/>
-                <a:latin typeface="Times New Roman" panose="02020603050405020304" pitchFamily="18" charset="0"/>
-                <a:ea typeface="Times New Roman" panose="02020603050405020304" pitchFamily="18" charset="0"/>
-                <a:cs typeface="Arial" panose="020B0604020202020204" pitchFamily="34" charset="0"/>
-              </a:rPr>
-              <a:t>Lookup Transformation</a:t>
-            </a:r>
-            <a:r>
-              <a:rPr lang="en-US" sz="2800" dirty="0">
-                <a:effectLst/>
-                <a:latin typeface="Times New Roman" panose="02020603050405020304" pitchFamily="18" charset="0"/>
-                <a:ea typeface="Times New Roman" panose="02020603050405020304" pitchFamily="18" charset="0"/>
-                <a:cs typeface="Arial" panose="020B0604020202020204" pitchFamily="34" charset="0"/>
-              </a:rPr>
-              <a:t>;</a:t>
-            </a:r>
-            <a:endParaRPr lang="en-US" sz="2800" dirty="0">
-              <a:effectLst/>
-              <a:latin typeface="Calibri" panose="020F0502020204030204" pitchFamily="34" charset="0"/>
-              <a:ea typeface="Calibri" panose="020F0502020204030204" pitchFamily="34" charset="0"/>
-              <a:cs typeface="Arial" panose="020B0604020202020204" pitchFamily="34" charset="0"/>
-            </a:endParaRPr>
-          </a:p>
-        </p:txBody>
-      </p:sp>
-    </p:spTree>
-    <p:extLst>
-      <p:ext uri="{BB962C8B-B14F-4D97-AF65-F5344CB8AC3E}">
-        <p14:creationId xmlns:p14="http://schemas.microsoft.com/office/powerpoint/2010/main" val="2125112873"/>
-      </p:ext>
-    </p:extLst>
-  </p:cSld>
-  <p:clrMapOvr>
-    <a:masterClrMapping/>
-  </p:clrMapOvr>
-</p:sld>
-</file>
-
-<file path=ppt/slides/slide64.xml><?xml version="1.0" encoding="utf-8"?>
-<p:sld xmlns:a="http://schemas.openxmlformats.org/drawingml/2006/main" xmlns:r="http://schemas.openxmlformats.org/officeDocument/2006/relationships" xmlns:p="http://schemas.openxmlformats.org/presentationml/2006/main">
-  <p:cSld>
-    <p:spTree>
-      <p:nvGrpSpPr>
-        <p:cNvPr id="1" name=""/>
-        <p:cNvGrpSpPr/>
-        <p:nvPr/>
-      </p:nvGrpSpPr>
-      <p:grpSpPr>
-        <a:xfrm>
-          <a:off x="0" y="0"/>
-          <a:ext cx="0" cy="0"/>
-          <a:chOff x="0" y="0"/>
-          <a:chExt cx="0" cy="0"/>
-        </a:xfrm>
-      </p:grpSpPr>
-      <p:pic>
-        <p:nvPicPr>
-          <p:cNvPr id="2" name="Picture 1">
-            <a:extLst>
-              <a:ext uri="{FF2B5EF4-FFF2-40B4-BE49-F238E27FC236}">
-                <a16:creationId xmlns:a16="http://schemas.microsoft.com/office/drawing/2014/main" id="{24063ACB-E890-CA06-D993-C52680D0996D}"/>
-              </a:ext>
-            </a:extLst>
-          </p:cNvPr>
-          <p:cNvPicPr>
-            <a:picLocks noChangeAspect="1"/>
-          </p:cNvPicPr>
-          <p:nvPr/>
-        </p:nvPicPr>
-        <p:blipFill>
-          <a:blip r:embed="rId2">
-            <a:extLst>
-              <a:ext uri="{28A0092B-C50C-407E-A947-70E740481C1C}">
-                <a14:useLocalDpi xmlns:a14="http://schemas.microsoft.com/office/drawing/2010/main" val="0"/>
-              </a:ext>
-            </a:extLst>
-          </a:blip>
-          <a:srcRect/>
-          <a:stretch>
-            <a:fillRect/>
-          </a:stretch>
-        </p:blipFill>
-        <p:spPr bwMode="auto">
-          <a:xfrm>
-            <a:off x="845534" y="548641"/>
-            <a:ext cx="8855312" cy="4007094"/>
-          </a:xfrm>
-          <a:prstGeom prst="rect">
-            <a:avLst/>
-          </a:prstGeom>
-          <a:noFill/>
-          <a:ln>
-            <a:noFill/>
-          </a:ln>
-        </p:spPr>
-      </p:pic>
-    </p:spTree>
-    <p:extLst>
-      <p:ext uri="{BB962C8B-B14F-4D97-AF65-F5344CB8AC3E}">
-        <p14:creationId xmlns:p14="http://schemas.microsoft.com/office/powerpoint/2010/main" val="2878084759"/>
-      </p:ext>
-    </p:extLst>
-  </p:cSld>
-  <p:clrMapOvr>
-    <a:masterClrMapping/>
-  </p:clrMapOvr>
-</p:sld>
-</file>
-
-<file path=ppt/slides/slide65.xml><?xml version="1.0" encoding="utf-8"?>
-<p:sld xmlns:a="http://schemas.openxmlformats.org/drawingml/2006/main" xmlns:r="http://schemas.openxmlformats.org/officeDocument/2006/relationships" xmlns:p="http://schemas.openxmlformats.org/presentationml/2006/main">
-  <p:cSld>
-    <p:spTree>
-      <p:nvGrpSpPr>
-        <p:cNvPr id="1" name=""/>
-        <p:cNvGrpSpPr/>
-        <p:nvPr/>
-      </p:nvGrpSpPr>
-      <p:grpSpPr>
-        <a:xfrm>
-          <a:off x="0" y="0"/>
-          <a:ext cx="0" cy="0"/>
-          <a:chOff x="0" y="0"/>
-          <a:chExt cx="0" cy="0"/>
-        </a:xfrm>
-      </p:grpSpPr>
-      <p:sp>
-        <p:nvSpPr>
-          <p:cNvPr id="3" name="TextBox 2">
-            <a:extLst>
-              <a:ext uri="{FF2B5EF4-FFF2-40B4-BE49-F238E27FC236}">
-                <a16:creationId xmlns:a16="http://schemas.microsoft.com/office/drawing/2014/main" id="{753646DD-6BD1-5AFA-D7E1-DEF4AFBF994F}"/>
-              </a:ext>
-            </a:extLst>
-          </p:cNvPr>
-          <p:cNvSpPr txBox="1"/>
-          <p:nvPr/>
-        </p:nvSpPr>
-        <p:spPr>
-          <a:xfrm>
-            <a:off x="309489" y="168812"/>
-            <a:ext cx="8838027" cy="523220"/>
-          </a:xfrm>
-          <a:prstGeom prst="rect">
-            <a:avLst/>
-          </a:prstGeom>
-          <a:noFill/>
-        </p:spPr>
-        <p:txBody>
-          <a:bodyPr wrap="square">
-            <a:spAutoFit/>
-          </a:bodyPr>
-          <a:lstStyle/>
-          <a:p>
-            <a:r>
-              <a:rPr lang="en-US" sz="2800" b="1" dirty="0">
-                <a:effectLst/>
-                <a:latin typeface="Times New Roman" panose="02020603050405020304" pitchFamily="18" charset="0"/>
-                <a:ea typeface="Times New Roman" panose="02020603050405020304" pitchFamily="18" charset="0"/>
-              </a:rPr>
-              <a:t>Expression Transformation</a:t>
-            </a:r>
-            <a:r>
-              <a:rPr lang="en-US" sz="2800" dirty="0">
-                <a:effectLst/>
-                <a:latin typeface="Times New Roman" panose="02020603050405020304" pitchFamily="18" charset="0"/>
-                <a:ea typeface="Times New Roman" panose="02020603050405020304" pitchFamily="18" charset="0"/>
-              </a:rPr>
-              <a:t>: </a:t>
-            </a:r>
-            <a:endParaRPr lang="en-US" sz="2800" dirty="0"/>
-          </a:p>
-        </p:txBody>
-      </p:sp>
-      <p:pic>
-        <p:nvPicPr>
-          <p:cNvPr id="4" name="Picture 3">
-            <a:extLst>
-              <a:ext uri="{FF2B5EF4-FFF2-40B4-BE49-F238E27FC236}">
-                <a16:creationId xmlns:a16="http://schemas.microsoft.com/office/drawing/2014/main" id="{582036BD-35F9-7ECB-B5FA-68D05EB568C0}"/>
-              </a:ext>
-            </a:extLst>
-          </p:cNvPr>
-          <p:cNvPicPr>
-            <a:picLocks noChangeAspect="1"/>
-          </p:cNvPicPr>
-          <p:nvPr/>
-        </p:nvPicPr>
-        <p:blipFill>
-          <a:blip r:embed="rId2">
-            <a:extLst>
-              <a:ext uri="{28A0092B-C50C-407E-A947-70E740481C1C}">
-                <a14:useLocalDpi xmlns:a14="http://schemas.microsoft.com/office/drawing/2010/main" val="0"/>
-              </a:ext>
-            </a:extLst>
-          </a:blip>
-          <a:srcRect/>
-          <a:stretch>
-            <a:fillRect/>
-          </a:stretch>
-        </p:blipFill>
-        <p:spPr bwMode="auto">
-          <a:xfrm>
-            <a:off x="397411" y="1040858"/>
-            <a:ext cx="9900140" cy="4445541"/>
-          </a:xfrm>
-          <a:prstGeom prst="rect">
-            <a:avLst/>
-          </a:prstGeom>
-          <a:noFill/>
-          <a:ln>
-            <a:noFill/>
-          </a:ln>
-        </p:spPr>
-      </p:pic>
-    </p:spTree>
-    <p:extLst>
-      <p:ext uri="{BB962C8B-B14F-4D97-AF65-F5344CB8AC3E}">
-        <p14:creationId xmlns:p14="http://schemas.microsoft.com/office/powerpoint/2010/main" val="684000147"/>
-      </p:ext>
-    </p:extLst>
-  </p:cSld>
-  <p:clrMapOvr>
-    <a:masterClrMapping/>
-  </p:clrMapOvr>
-</p:sld>
-</file>
-
-<file path=ppt/slides/slide66.xml><?xml version="1.0" encoding="utf-8"?>
-<p:sld xmlns:a="http://schemas.openxmlformats.org/drawingml/2006/main" xmlns:r="http://schemas.openxmlformats.org/officeDocument/2006/relationships" xmlns:p="http://schemas.openxmlformats.org/presentationml/2006/main">
-  <p:cSld>
-    <p:spTree>
-      <p:nvGrpSpPr>
-        <p:cNvPr id="1" name=""/>
-        <p:cNvGrpSpPr/>
-        <p:nvPr/>
-      </p:nvGrpSpPr>
-      <p:grpSpPr>
-        <a:xfrm>
-          <a:off x="0" y="0"/>
-          <a:ext cx="0" cy="0"/>
-          <a:chOff x="0" y="0"/>
-          <a:chExt cx="0" cy="0"/>
-        </a:xfrm>
-      </p:grpSpPr>
       <p:pic>
         <p:nvPicPr>
           <p:cNvPr id="2" name="Picture 1">
@@ -15352,7 +14900,7 @@
 </p:sld>
 </file>
 
-<file path=ppt/slides/slide67.xml><?xml version="1.0" encoding="utf-8"?>
+<file path=ppt/slides/slide61.xml><?xml version="1.0" encoding="utf-8"?>
 <p:sld xmlns:a="http://schemas.openxmlformats.org/drawingml/2006/main" xmlns:r="http://schemas.openxmlformats.org/officeDocument/2006/relationships" xmlns:p="http://schemas.openxmlformats.org/presentationml/2006/main">
   <p:cSld>
     <p:spTree>
@@ -15524,7 +15072,7 @@
 </p:sld>
 </file>
 
-<file path=ppt/slides/slide68.xml><?xml version="1.0" encoding="utf-8"?>
+<file path=ppt/slides/slide62.xml><?xml version="1.0" encoding="utf-8"?>
 <p:sld xmlns:a="http://schemas.openxmlformats.org/drawingml/2006/main" xmlns:r="http://schemas.openxmlformats.org/officeDocument/2006/relationships" xmlns:p="http://schemas.openxmlformats.org/presentationml/2006/main">
   <p:cSld>
     <p:spTree>
@@ -15750,7 +15298,7 @@
 </p:sld>
 </file>
 
-<file path=ppt/slides/slide69.xml><?xml version="1.0" encoding="utf-8"?>
+<file path=ppt/slides/slide63.xml><?xml version="1.0" encoding="utf-8"?>
 <p:sld xmlns:a="http://schemas.openxmlformats.org/drawingml/2006/main" xmlns:r="http://schemas.openxmlformats.org/officeDocument/2006/relationships" xmlns:p="http://schemas.openxmlformats.org/presentationml/2006/main">
   <p:cSld>
     <p:spTree>
@@ -15878,122 +15426,7 @@
 </p:sld>
 </file>
 
-<file path=ppt/slides/slide7.xml><?xml version="1.0" encoding="utf-8"?>
-<p:sld xmlns:a="http://schemas.openxmlformats.org/drawingml/2006/main" xmlns:r="http://schemas.openxmlformats.org/officeDocument/2006/relationships" xmlns:p="http://schemas.openxmlformats.org/presentationml/2006/main">
-  <p:cSld>
-    <p:spTree>
-      <p:nvGrpSpPr>
-        <p:cNvPr id="1" name=""/>
-        <p:cNvGrpSpPr/>
-        <p:nvPr/>
-      </p:nvGrpSpPr>
-      <p:grpSpPr>
-        <a:xfrm>
-          <a:off x="0" y="0"/>
-          <a:ext cx="0" cy="0"/>
-          <a:chOff x="0" y="0"/>
-          <a:chExt cx="0" cy="0"/>
-        </a:xfrm>
-      </p:grpSpPr>
-      <p:sp>
-        <p:nvSpPr>
-          <p:cNvPr id="2" name="Title 1"/>
-          <p:cNvSpPr>
-            <a:spLocks noGrp="1"/>
-          </p:cNvSpPr>
-          <p:nvPr>
-            <p:ph type="title"/>
-          </p:nvPr>
-        </p:nvSpPr>
-        <p:spPr/>
-        <p:txBody>
-          <a:bodyPr/>
-          <a:lstStyle/>
-          <a:p>
-            <a:r>
-              <a:t>How has ETL evolved?</a:t>
-            </a:r>
-          </a:p>
-        </p:txBody>
-      </p:sp>
-      <p:sp>
-        <p:nvSpPr>
-          <p:cNvPr id="3" name="Content Placeholder 2"/>
-          <p:cNvSpPr>
-            <a:spLocks noGrp="1"/>
-          </p:cNvSpPr>
-          <p:nvPr>
-            <p:ph idx="1"/>
-          </p:nvPr>
-        </p:nvSpPr>
-        <p:spPr/>
-        <p:txBody>
-          <a:bodyPr/>
-          <a:lstStyle/>
-          <a:p>
-            <a:pPr>
-              <a:buFont typeface="Arial" panose="020B0604020202020204" pitchFamily="34" charset="0"/>
-              <a:buChar char="•"/>
-            </a:pPr>
-            <a:r>
-              <a:rPr lang="en-US" b="1" dirty="0"/>
-              <a:t>Traditional ETL:</a:t>
-            </a:r>
-            <a:r>
-              <a:rPr lang="en-US" dirty="0"/>
-              <a:t> Transformed transactional data into relational formats for analysis.</a:t>
-            </a:r>
-          </a:p>
-          <a:p>
-            <a:pPr>
-              <a:buFont typeface="Arial" panose="020B0604020202020204" pitchFamily="34" charset="0"/>
-              <a:buChar char="•"/>
-            </a:pPr>
-            <a:r>
-              <a:rPr lang="en-US" b="1" dirty="0"/>
-              <a:t>Modern ETL:</a:t>
-            </a:r>
-            <a:r>
-              <a:rPr lang="en-US" dirty="0"/>
-              <a:t> Handles diverse data sources, cloud-based data sinks, and advanced transformations.</a:t>
-            </a:r>
-          </a:p>
-          <a:p>
-            <a:pPr marL="742950" lvl="1" indent="-285750"/>
-            <a:r>
-              <a:rPr lang="en-US" b="1" dirty="0"/>
-              <a:t>Data Warehouses:</a:t>
-            </a:r>
-            <a:r>
-              <a:rPr lang="en-US" dirty="0"/>
-              <a:t> Centralized repositories for structured data.</a:t>
-            </a:r>
-          </a:p>
-          <a:p>
-            <a:pPr marL="742950" lvl="1" indent="-285750"/>
-            <a:r>
-              <a:rPr lang="en-US" b="1" dirty="0"/>
-              <a:t>Data Lakes:</a:t>
-            </a:r>
-            <a:r>
-              <a:rPr lang="en-US" dirty="0"/>
-              <a:t> Store structured and unstructured data for flexible analytics</a:t>
-            </a:r>
-          </a:p>
-          <a:p>
-            <a:endParaRPr dirty="0"/>
-          </a:p>
-        </p:txBody>
-      </p:sp>
-    </p:spTree>
-  </p:cSld>
-  <p:clrMapOvr>
-    <a:masterClrMapping/>
-  </p:clrMapOvr>
-</p:sld>
-</file>
-
-<file path=ppt/slides/slide70.xml><?xml version="1.0" encoding="utf-8"?>
+<file path=ppt/slides/slide64.xml><?xml version="1.0" encoding="utf-8"?>
 <p:sld xmlns:a="http://schemas.openxmlformats.org/drawingml/2006/main" xmlns:r="http://schemas.openxmlformats.org/officeDocument/2006/relationships" xmlns:p="http://schemas.openxmlformats.org/presentationml/2006/main">
   <p:cSld>
     <p:spTree>
@@ -16219,7 +15652,7 @@
 </p:sld>
 </file>
 
-<file path=ppt/slides/slide71.xml><?xml version="1.0" encoding="utf-8"?>
+<file path=ppt/slides/slide65.xml><?xml version="1.0" encoding="utf-8"?>
 <p:sld xmlns:a="http://schemas.openxmlformats.org/drawingml/2006/main" xmlns:r="http://schemas.openxmlformats.org/officeDocument/2006/relationships" xmlns:p="http://schemas.openxmlformats.org/presentationml/2006/main">
   <p:cSld>
     <p:spTree>
@@ -16439,7 +15872,7 @@
 </p:sld>
 </file>
 
-<file path=ppt/slides/slide72.xml><?xml version="1.0" encoding="utf-8"?>
+<file path=ppt/slides/slide66.xml><?xml version="1.0" encoding="utf-8"?>
 <p:sld xmlns:a="http://schemas.openxmlformats.org/drawingml/2006/main" xmlns:r="http://schemas.openxmlformats.org/officeDocument/2006/relationships" xmlns:p="http://schemas.openxmlformats.org/presentationml/2006/main">
   <p:cSld>
     <p:spTree>
@@ -16591,7 +16024,7 @@
 </p:sld>
 </file>
 
-<file path=ppt/slides/slide73.xml><?xml version="1.0" encoding="utf-8"?>
+<file path=ppt/slides/slide67.xml><?xml version="1.0" encoding="utf-8"?>
 <p:sld xmlns:a="http://schemas.openxmlformats.org/drawingml/2006/main" xmlns:r="http://schemas.openxmlformats.org/officeDocument/2006/relationships" xmlns:p="http://schemas.openxmlformats.org/presentationml/2006/main">
   <p:cSld>
     <p:spTree>
@@ -16777,7 +16210,7 @@
 </p:sld>
 </file>
 
-<file path=ppt/slides/slide74.xml><?xml version="1.0" encoding="utf-8"?>
+<file path=ppt/slides/slide68.xml><?xml version="1.0" encoding="utf-8"?>
 <p:sld xmlns:a="http://schemas.openxmlformats.org/drawingml/2006/main" xmlns:r="http://schemas.openxmlformats.org/officeDocument/2006/relationships" xmlns:p="http://schemas.openxmlformats.org/presentationml/2006/main">
   <p:cSld>
     <p:spTree>
@@ -16935,7 +16368,7 @@
 </p:sld>
 </file>
 
-<file path=ppt/slides/slide75.xml><?xml version="1.0" encoding="utf-8"?>
+<file path=ppt/slides/slide69.xml><?xml version="1.0" encoding="utf-8"?>
 <p:sld xmlns:a="http://schemas.openxmlformats.org/drawingml/2006/main" xmlns:r="http://schemas.openxmlformats.org/officeDocument/2006/relationships" xmlns:p="http://schemas.openxmlformats.org/presentationml/2006/main">
   <p:cSld>
     <p:spTree>
@@ -17006,7 +16439,152 @@
 </p:sld>
 </file>
 
-<file path=ppt/slides/slide76.xml><?xml version="1.0" encoding="utf-8"?>
+<file path=ppt/slides/slide7.xml><?xml version="1.0" encoding="utf-8"?>
+<p:sld xmlns:a="http://schemas.openxmlformats.org/drawingml/2006/main" xmlns:r="http://schemas.openxmlformats.org/officeDocument/2006/relationships" xmlns:p="http://schemas.openxmlformats.org/presentationml/2006/main">
+  <p:cSld>
+    <p:spTree>
+      <p:nvGrpSpPr>
+        <p:cNvPr id="1" name=""/>
+        <p:cNvGrpSpPr/>
+        <p:nvPr/>
+      </p:nvGrpSpPr>
+      <p:grpSpPr>
+        <a:xfrm>
+          <a:off x="0" y="0"/>
+          <a:ext cx="0" cy="0"/>
+          <a:chOff x="0" y="0"/>
+          <a:chExt cx="0" cy="0"/>
+        </a:xfrm>
+      </p:grpSpPr>
+      <p:sp>
+        <p:nvSpPr>
+          <p:cNvPr id="3" name="TextBox 2">
+            <a:extLst>
+              <a:ext uri="{FF2B5EF4-FFF2-40B4-BE49-F238E27FC236}">
+                <a16:creationId xmlns:a16="http://schemas.microsoft.com/office/drawing/2014/main" id="{78D7D998-6A51-4273-3614-7CC129E2C742}"/>
+              </a:ext>
+            </a:extLst>
+          </p:cNvPr>
+          <p:cNvSpPr txBox="1"/>
+          <p:nvPr/>
+        </p:nvSpPr>
+        <p:spPr>
+          <a:xfrm>
+            <a:off x="221226" y="294968"/>
+            <a:ext cx="11031793" cy="1754326"/>
+          </a:xfrm>
+          <a:prstGeom prst="rect">
+            <a:avLst/>
+          </a:prstGeom>
+          <a:noFill/>
+        </p:spPr>
+        <p:txBody>
+          <a:bodyPr wrap="square">
+            <a:spAutoFit/>
+          </a:bodyPr>
+          <a:lstStyle/>
+          <a:p>
+            <a:pPr>
+              <a:buFont typeface="Arial" panose="020B0604020202020204" pitchFamily="34" charset="0"/>
+              <a:buChar char="•"/>
+            </a:pPr>
+            <a:r>
+              <a:rPr lang="en-GB" b="1" dirty="0"/>
+              <a:t>Improve decision-making</a:t>
+            </a:r>
+            <a:r>
+              <a:rPr lang="en-GB" dirty="0"/>
+              <a:t> – Example: Online retailers can </a:t>
+            </a:r>
+            <a:r>
+              <a:rPr lang="en-GB" dirty="0" err="1"/>
+              <a:t>analyze</a:t>
+            </a:r>
+            <a:r>
+              <a:rPr lang="en-GB" dirty="0"/>
+              <a:t> past sales to </a:t>
+            </a:r>
+            <a:r>
+              <a:rPr lang="en-GB" b="1" dirty="0"/>
+              <a:t>forecast demand</a:t>
+            </a:r>
+            <a:r>
+              <a:rPr lang="en-GB" dirty="0"/>
+              <a:t> and prevent stock shortages.</a:t>
+            </a:r>
+          </a:p>
+          <a:p>
+            <a:pPr>
+              <a:buFont typeface="Arial" panose="020B0604020202020204" pitchFamily="34" charset="0"/>
+              <a:buChar char="•"/>
+            </a:pPr>
+            <a:r>
+              <a:rPr lang="en-GB" b="1" dirty="0"/>
+              <a:t>Enhance customer insights</a:t>
+            </a:r>
+            <a:r>
+              <a:rPr lang="en-GB" dirty="0"/>
+              <a:t> – Example: Marketing teams can combine </a:t>
+            </a:r>
+            <a:r>
+              <a:rPr lang="en-GB" b="1" dirty="0"/>
+              <a:t>CRM data</a:t>
+            </a:r>
+            <a:r>
+              <a:rPr lang="en-GB" dirty="0"/>
+              <a:t> with social media feedback to understand </a:t>
+            </a:r>
+            <a:r>
+              <a:rPr lang="en-GB" b="1" dirty="0"/>
+              <a:t>customer </a:t>
+            </a:r>
+            <a:r>
+              <a:rPr lang="en-GB" b="1" dirty="0" err="1"/>
+              <a:t>behavior</a:t>
+            </a:r>
+            <a:r>
+              <a:rPr lang="en-GB" dirty="0"/>
+              <a:t> and improve advertising strategies.</a:t>
+            </a:r>
+          </a:p>
+          <a:p>
+            <a:pPr>
+              <a:buFont typeface="Arial" panose="020B0604020202020204" pitchFamily="34" charset="0"/>
+              <a:buChar char="•"/>
+            </a:pPr>
+            <a:r>
+              <a:rPr lang="en-GB" b="1" dirty="0"/>
+              <a:t>Optimize operations</a:t>
+            </a:r>
+            <a:r>
+              <a:rPr lang="en-GB" dirty="0"/>
+              <a:t> – Example: A logistics company can </a:t>
+            </a:r>
+            <a:r>
+              <a:rPr lang="en-GB" dirty="0" err="1"/>
+              <a:t>analyze</a:t>
+            </a:r>
+            <a:r>
+              <a:rPr lang="en-GB" dirty="0"/>
+              <a:t> sensor data from delivery trucks to reduce fuel costs.</a:t>
+            </a:r>
+          </a:p>
+        </p:txBody>
+      </p:sp>
+    </p:spTree>
+    <p:extLst>
+      <p:ext uri="{BB962C8B-B14F-4D97-AF65-F5344CB8AC3E}">
+        <p14:creationId xmlns:p14="http://schemas.microsoft.com/office/powerpoint/2010/main" val="3906137354"/>
+      </p:ext>
+    </p:extLst>
+  </p:cSld>
+  <p:clrMapOvr>
+    <a:masterClrMapping/>
+  </p:clrMapOvr>
+</p:sld>
+</file>
+
+<file path=ppt/slides/slide70.xml><?xml version="1.0" encoding="utf-8"?>
 <p:sld xmlns:a="http://schemas.openxmlformats.org/drawingml/2006/main" xmlns:r="http://schemas.openxmlformats.org/officeDocument/2006/relationships" xmlns:p="http://schemas.openxmlformats.org/presentationml/2006/main">
   <p:cSld>
     <p:spTree>
@@ -17117,7 +16695,7 @@
 </p:sld>
 </file>
 
-<file path=ppt/slides/slide77.xml><?xml version="1.0" encoding="utf-8"?>
+<file path=ppt/slides/slide71.xml><?xml version="1.0" encoding="utf-8"?>
 <p:sld xmlns:a="http://schemas.openxmlformats.org/drawingml/2006/main" xmlns:r="http://schemas.openxmlformats.org/officeDocument/2006/relationships" xmlns:p="http://schemas.openxmlformats.org/presentationml/2006/main">
   <p:cSld>
     <p:spTree>
@@ -17236,7 +16814,7 @@
 </p:sld>
 </file>
 
-<file path=ppt/slides/slide78.xml><?xml version="1.0" encoding="utf-8"?>
+<file path=ppt/slides/slide72.xml><?xml version="1.0" encoding="utf-8"?>
 <p:sld xmlns:a="http://schemas.openxmlformats.org/drawingml/2006/main" xmlns:r="http://schemas.openxmlformats.org/officeDocument/2006/relationships" xmlns:p="http://schemas.openxmlformats.org/presentationml/2006/main">
   <p:cSld>
     <p:spTree>
@@ -17421,7 +16999,7 @@
 </p:sld>
 </file>
 
-<file path=ppt/slides/slide79.xml><?xml version="1.0" encoding="utf-8"?>
+<file path=ppt/slides/slide73.xml><?xml version="1.0" encoding="utf-8"?>
 <p:sld xmlns:a="http://schemas.openxmlformats.org/drawingml/2006/main" xmlns:r="http://schemas.openxmlformats.org/officeDocument/2006/relationships" xmlns:p="http://schemas.openxmlformats.org/presentationml/2006/main">
   <p:cSld>
     <p:spTree>
@@ -17638,6 +17216,642 @@
     <p:extLst>
       <p:ext uri="{BB962C8B-B14F-4D97-AF65-F5344CB8AC3E}">
         <p14:creationId xmlns:p14="http://schemas.microsoft.com/office/powerpoint/2010/main" val="2624150800"/>
+      </p:ext>
+    </p:extLst>
+  </p:cSld>
+  <p:clrMapOvr>
+    <a:masterClrMapping/>
+  </p:clrMapOvr>
+</p:sld>
+</file>
+
+<file path=ppt/slides/slide74.xml><?xml version="1.0" encoding="utf-8"?>
+<p:sld xmlns:a="http://schemas.openxmlformats.org/drawingml/2006/main" xmlns:r="http://schemas.openxmlformats.org/officeDocument/2006/relationships" xmlns:p="http://schemas.openxmlformats.org/presentationml/2006/main">
+  <p:cSld>
+    <p:spTree>
+      <p:nvGrpSpPr>
+        <p:cNvPr id="1" name=""/>
+        <p:cNvGrpSpPr/>
+        <p:nvPr/>
+      </p:nvGrpSpPr>
+      <p:grpSpPr>
+        <a:xfrm>
+          <a:off x="0" y="0"/>
+          <a:ext cx="0" cy="0"/>
+          <a:chOff x="0" y="0"/>
+          <a:chExt cx="0" cy="0"/>
+        </a:xfrm>
+      </p:grpSpPr>
+      <p:sp>
+        <p:nvSpPr>
+          <p:cNvPr id="3" name="TextBox 2">
+            <a:extLst>
+              <a:ext uri="{FF2B5EF4-FFF2-40B4-BE49-F238E27FC236}">
+                <a16:creationId xmlns:a16="http://schemas.microsoft.com/office/drawing/2014/main" id="{5B13158A-F1BB-43AA-2F82-8B87D71A0152}"/>
+              </a:ext>
+            </a:extLst>
+          </p:cNvPr>
+          <p:cNvSpPr txBox="1"/>
+          <p:nvPr/>
+        </p:nvSpPr>
+        <p:spPr>
+          <a:xfrm>
+            <a:off x="0" y="182880"/>
+            <a:ext cx="9147516" cy="461665"/>
+          </a:xfrm>
+          <a:prstGeom prst="rect">
+            <a:avLst/>
+          </a:prstGeom>
+          <a:noFill/>
+        </p:spPr>
+        <p:txBody>
+          <a:bodyPr wrap="square">
+            <a:spAutoFit/>
+          </a:bodyPr>
+          <a:lstStyle/>
+          <a:p>
+            <a:pPr marL="0" marR="0">
+              <a:spcBef>
+                <a:spcPts val="800"/>
+              </a:spcBef>
+              <a:spcAft>
+                <a:spcPts val="400"/>
+              </a:spcAft>
+            </a:pPr>
+            <a:r>
+              <a:rPr lang="en-US" sz="2400" dirty="0">
+                <a:solidFill>
+                  <a:srgbClr val="2E74B5"/>
+                </a:solidFill>
+                <a:effectLst/>
+                <a:latin typeface="Calibri Light" panose="020F0302020204030204" pitchFamily="34" charset="0"/>
+                <a:ea typeface="Times New Roman" panose="02020603050405020304" pitchFamily="18" charset="0"/>
+                <a:cs typeface="Times New Roman" panose="02020603050405020304" pitchFamily="18" charset="0"/>
+              </a:rPr>
+              <a:t>Step 4: Update the Record in STG_SELLER_DETAILS</a:t>
+            </a:r>
+            <a:endParaRPr lang="en-US" sz="2400" dirty="0">
+              <a:effectLst/>
+              <a:latin typeface="Calibri" panose="020F0502020204030204" pitchFamily="34" charset="0"/>
+              <a:ea typeface="Calibri" panose="020F0502020204030204" pitchFamily="34" charset="0"/>
+              <a:cs typeface="Arial" panose="020B0604020202020204" pitchFamily="34" charset="0"/>
+            </a:endParaRPr>
+          </a:p>
+        </p:txBody>
+      </p:sp>
+      <p:pic>
+        <p:nvPicPr>
+          <p:cNvPr id="4" name="Picture 3">
+            <a:extLst>
+              <a:ext uri="{FF2B5EF4-FFF2-40B4-BE49-F238E27FC236}">
+                <a16:creationId xmlns:a16="http://schemas.microsoft.com/office/drawing/2014/main" id="{37E45A33-AAB7-EF52-A9E1-5123F1AE4F85}"/>
+              </a:ext>
+            </a:extLst>
+          </p:cNvPr>
+          <p:cNvPicPr>
+            <a:picLocks noChangeAspect="1"/>
+          </p:cNvPicPr>
+          <p:nvPr/>
+        </p:nvPicPr>
+        <p:blipFill>
+          <a:blip r:embed="rId2">
+            <a:extLst>
+              <a:ext uri="{28A0092B-C50C-407E-A947-70E740481C1C}">
+                <a14:useLocalDpi xmlns:a14="http://schemas.microsoft.com/office/drawing/2010/main" val="0"/>
+              </a:ext>
+            </a:extLst>
+          </a:blip>
+          <a:srcRect/>
+          <a:stretch>
+            <a:fillRect/>
+          </a:stretch>
+        </p:blipFill>
+        <p:spPr bwMode="auto">
+          <a:xfrm>
+            <a:off x="450167" y="1157584"/>
+            <a:ext cx="6766779" cy="3448706"/>
+          </a:xfrm>
+          <a:prstGeom prst="rect">
+            <a:avLst/>
+          </a:prstGeom>
+          <a:noFill/>
+          <a:ln>
+            <a:noFill/>
+          </a:ln>
+        </p:spPr>
+      </p:pic>
+    </p:spTree>
+    <p:extLst>
+      <p:ext uri="{BB962C8B-B14F-4D97-AF65-F5344CB8AC3E}">
+        <p14:creationId xmlns:p14="http://schemas.microsoft.com/office/powerpoint/2010/main" val="298017737"/>
+      </p:ext>
+    </p:extLst>
+  </p:cSld>
+  <p:clrMapOvr>
+    <a:masterClrMapping/>
+  </p:clrMapOvr>
+</p:sld>
+</file>
+
+<file path=ppt/slides/slide75.xml><?xml version="1.0" encoding="utf-8"?>
+<p:sld xmlns:a="http://schemas.openxmlformats.org/drawingml/2006/main" xmlns:r="http://schemas.openxmlformats.org/officeDocument/2006/relationships" xmlns:p="http://schemas.openxmlformats.org/presentationml/2006/main">
+  <p:cSld>
+    <p:spTree>
+      <p:nvGrpSpPr>
+        <p:cNvPr id="1" name=""/>
+        <p:cNvGrpSpPr/>
+        <p:nvPr/>
+      </p:nvGrpSpPr>
+      <p:grpSpPr>
+        <a:xfrm>
+          <a:off x="0" y="0"/>
+          <a:ext cx="0" cy="0"/>
+          <a:chOff x="0" y="0"/>
+          <a:chExt cx="0" cy="0"/>
+        </a:xfrm>
+      </p:grpSpPr>
+      <p:sp>
+        <p:nvSpPr>
+          <p:cNvPr id="3" name="TextBox 2">
+            <a:extLst>
+              <a:ext uri="{FF2B5EF4-FFF2-40B4-BE49-F238E27FC236}">
+                <a16:creationId xmlns:a16="http://schemas.microsoft.com/office/drawing/2014/main" id="{A02CF2C0-7DB5-2E8F-F4FF-923C5DCCBD6C}"/>
+              </a:ext>
+            </a:extLst>
+          </p:cNvPr>
+          <p:cNvSpPr txBox="1"/>
+          <p:nvPr/>
+        </p:nvSpPr>
+        <p:spPr>
+          <a:xfrm>
+            <a:off x="235634" y="188128"/>
+            <a:ext cx="6098344" cy="461665"/>
+          </a:xfrm>
+          <a:prstGeom prst="rect">
+            <a:avLst/>
+          </a:prstGeom>
+          <a:noFill/>
+        </p:spPr>
+        <p:txBody>
+          <a:bodyPr wrap="square">
+            <a:spAutoFit/>
+          </a:bodyPr>
+          <a:lstStyle/>
+          <a:p>
+            <a:pPr marL="0" marR="0">
+              <a:spcBef>
+                <a:spcPts val="800"/>
+              </a:spcBef>
+              <a:spcAft>
+                <a:spcPts val="400"/>
+              </a:spcAft>
+            </a:pPr>
+            <a:r>
+              <a:rPr lang="en-US" sz="2400" dirty="0">
+                <a:solidFill>
+                  <a:srgbClr val="2E74B5"/>
+                </a:solidFill>
+                <a:effectLst/>
+                <a:latin typeface="Calibri Light" panose="020F0302020204030204" pitchFamily="34" charset="0"/>
+                <a:ea typeface="Times New Roman" panose="02020603050405020304" pitchFamily="18" charset="0"/>
+                <a:cs typeface="Times New Roman" panose="02020603050405020304" pitchFamily="18" charset="0"/>
+              </a:rPr>
+              <a:t>Step 5: Re-run the Informatica Workflow</a:t>
+            </a:r>
+            <a:endParaRPr lang="en-US" sz="2400" dirty="0">
+              <a:effectLst/>
+              <a:latin typeface="Calibri" panose="020F0502020204030204" pitchFamily="34" charset="0"/>
+              <a:ea typeface="Calibri" panose="020F0502020204030204" pitchFamily="34" charset="0"/>
+              <a:cs typeface="Arial" panose="020B0604020202020204" pitchFamily="34" charset="0"/>
+            </a:endParaRPr>
+          </a:p>
+        </p:txBody>
+      </p:sp>
+      <p:pic>
+        <p:nvPicPr>
+          <p:cNvPr id="4" name="Picture 3">
+            <a:extLst>
+              <a:ext uri="{FF2B5EF4-FFF2-40B4-BE49-F238E27FC236}">
+                <a16:creationId xmlns:a16="http://schemas.microsoft.com/office/drawing/2014/main" id="{04FFEE4C-2BDB-71AC-BF5F-EE375FA14F70}"/>
+              </a:ext>
+            </a:extLst>
+          </p:cNvPr>
+          <p:cNvPicPr>
+            <a:picLocks noChangeAspect="1"/>
+          </p:cNvPicPr>
+          <p:nvPr/>
+        </p:nvPicPr>
+        <p:blipFill>
+          <a:blip r:embed="rId2">
+            <a:extLst>
+              <a:ext uri="{28A0092B-C50C-407E-A947-70E740481C1C}">
+                <a14:useLocalDpi xmlns:a14="http://schemas.microsoft.com/office/drawing/2010/main" val="0"/>
+              </a:ext>
+            </a:extLst>
+          </a:blip>
+          <a:srcRect/>
+          <a:stretch>
+            <a:fillRect/>
+          </a:stretch>
+        </p:blipFill>
+        <p:spPr bwMode="auto">
+          <a:xfrm>
+            <a:off x="436098" y="649793"/>
+            <a:ext cx="11254154" cy="1840189"/>
+          </a:xfrm>
+          <a:prstGeom prst="rect">
+            <a:avLst/>
+          </a:prstGeom>
+          <a:noFill/>
+          <a:ln>
+            <a:noFill/>
+          </a:ln>
+        </p:spPr>
+      </p:pic>
+      <p:sp>
+        <p:nvSpPr>
+          <p:cNvPr id="6" name="TextBox 5">
+            <a:extLst>
+              <a:ext uri="{FF2B5EF4-FFF2-40B4-BE49-F238E27FC236}">
+                <a16:creationId xmlns:a16="http://schemas.microsoft.com/office/drawing/2014/main" id="{7C07E48C-0815-1416-EC69-88C2F2DB9922}"/>
+              </a:ext>
+            </a:extLst>
+          </p:cNvPr>
+          <p:cNvSpPr txBox="1"/>
+          <p:nvPr/>
+        </p:nvSpPr>
+        <p:spPr>
+          <a:xfrm>
+            <a:off x="235634" y="2700997"/>
+            <a:ext cx="8911882" cy="461665"/>
+          </a:xfrm>
+          <a:prstGeom prst="rect">
+            <a:avLst/>
+          </a:prstGeom>
+          <a:noFill/>
+        </p:spPr>
+        <p:txBody>
+          <a:bodyPr wrap="square">
+            <a:spAutoFit/>
+          </a:bodyPr>
+          <a:lstStyle/>
+          <a:p>
+            <a:pPr marL="0" marR="0">
+              <a:spcBef>
+                <a:spcPts val="800"/>
+              </a:spcBef>
+              <a:spcAft>
+                <a:spcPts val="400"/>
+              </a:spcAft>
+            </a:pPr>
+            <a:r>
+              <a:rPr lang="en-US" sz="2400" dirty="0">
+                <a:solidFill>
+                  <a:srgbClr val="2E74B5"/>
+                </a:solidFill>
+                <a:effectLst/>
+                <a:latin typeface="Calibri Light" panose="020F0302020204030204" pitchFamily="34" charset="0"/>
+                <a:ea typeface="Times New Roman" panose="02020603050405020304" pitchFamily="18" charset="0"/>
+                <a:cs typeface="Times New Roman" panose="02020603050405020304" pitchFamily="18" charset="0"/>
+              </a:rPr>
+              <a:t>Step 6: Verify the Update in DIM_SELLER</a:t>
+            </a:r>
+            <a:endParaRPr lang="en-US" sz="2400" dirty="0">
+              <a:effectLst/>
+              <a:latin typeface="Calibri" panose="020F0502020204030204" pitchFamily="34" charset="0"/>
+              <a:ea typeface="Calibri" panose="020F0502020204030204" pitchFamily="34" charset="0"/>
+              <a:cs typeface="Arial" panose="020B0604020202020204" pitchFamily="34" charset="0"/>
+            </a:endParaRPr>
+          </a:p>
+        </p:txBody>
+      </p:sp>
+      <p:pic>
+        <p:nvPicPr>
+          <p:cNvPr id="7" name="Picture 6">
+            <a:extLst>
+              <a:ext uri="{FF2B5EF4-FFF2-40B4-BE49-F238E27FC236}">
+                <a16:creationId xmlns:a16="http://schemas.microsoft.com/office/drawing/2014/main" id="{FBEC3C6E-300D-81B5-D5A2-DE334D47EDB2}"/>
+              </a:ext>
+            </a:extLst>
+          </p:cNvPr>
+          <p:cNvPicPr>
+            <a:picLocks noChangeAspect="1"/>
+          </p:cNvPicPr>
+          <p:nvPr/>
+        </p:nvPicPr>
+        <p:blipFill>
+          <a:blip r:embed="rId3">
+            <a:extLst>
+              <a:ext uri="{28A0092B-C50C-407E-A947-70E740481C1C}">
+                <a14:useLocalDpi xmlns:a14="http://schemas.microsoft.com/office/drawing/2010/main" val="0"/>
+              </a:ext>
+            </a:extLst>
+          </a:blip>
+          <a:srcRect/>
+          <a:stretch>
+            <a:fillRect/>
+          </a:stretch>
+        </p:blipFill>
+        <p:spPr bwMode="auto">
+          <a:xfrm>
+            <a:off x="436098" y="3195637"/>
+            <a:ext cx="11155680" cy="2389237"/>
+          </a:xfrm>
+          <a:prstGeom prst="rect">
+            <a:avLst/>
+          </a:prstGeom>
+          <a:noFill/>
+          <a:ln>
+            <a:noFill/>
+          </a:ln>
+        </p:spPr>
+      </p:pic>
+    </p:spTree>
+    <p:extLst>
+      <p:ext uri="{BB962C8B-B14F-4D97-AF65-F5344CB8AC3E}">
+        <p14:creationId xmlns:p14="http://schemas.microsoft.com/office/powerpoint/2010/main" val="788580722"/>
+      </p:ext>
+    </p:extLst>
+  </p:cSld>
+  <p:clrMapOvr>
+    <a:masterClrMapping/>
+  </p:clrMapOvr>
+</p:sld>
+</file>
+
+<file path=ppt/slides/slide76.xml><?xml version="1.0" encoding="utf-8"?>
+<p:sld xmlns:a="http://schemas.openxmlformats.org/drawingml/2006/main" xmlns:r="http://schemas.openxmlformats.org/officeDocument/2006/relationships" xmlns:p="http://schemas.openxmlformats.org/presentationml/2006/main">
+  <p:cSld>
+    <p:spTree>
+      <p:nvGrpSpPr>
+        <p:cNvPr id="1" name=""/>
+        <p:cNvGrpSpPr/>
+        <p:nvPr/>
+      </p:nvGrpSpPr>
+      <p:grpSpPr>
+        <a:xfrm>
+          <a:off x="0" y="0"/>
+          <a:ext cx="0" cy="0"/>
+          <a:chOff x="0" y="0"/>
+          <a:chExt cx="0" cy="0"/>
+        </a:xfrm>
+      </p:grpSpPr>
+      <p:pic>
+        <p:nvPicPr>
+          <p:cNvPr id="3" name="Picture 2">
+            <a:extLst>
+              <a:ext uri="{FF2B5EF4-FFF2-40B4-BE49-F238E27FC236}">
+                <a16:creationId xmlns:a16="http://schemas.microsoft.com/office/drawing/2014/main" id="{418C32BC-0FA2-6FB9-25B6-81FF60721471}"/>
+              </a:ext>
+            </a:extLst>
+          </p:cNvPr>
+          <p:cNvPicPr>
+            <a:picLocks noChangeAspect="1"/>
+          </p:cNvPicPr>
+          <p:nvPr/>
+        </p:nvPicPr>
+        <p:blipFill>
+          <a:blip r:embed="rId2">
+            <a:extLst>
+              <a:ext uri="{28A0092B-C50C-407E-A947-70E740481C1C}">
+                <a14:useLocalDpi xmlns:a14="http://schemas.microsoft.com/office/drawing/2010/main" val="0"/>
+              </a:ext>
+            </a:extLst>
+          </a:blip>
+          <a:stretch>
+            <a:fillRect/>
+          </a:stretch>
+        </p:blipFill>
+        <p:spPr>
+          <a:xfrm>
+            <a:off x="190500" y="1247775"/>
+            <a:ext cx="11811000" cy="4362450"/>
+          </a:xfrm>
+          <a:prstGeom prst="rect">
+            <a:avLst/>
+          </a:prstGeom>
+        </p:spPr>
+      </p:pic>
+    </p:spTree>
+    <p:extLst>
+      <p:ext uri="{BB962C8B-B14F-4D97-AF65-F5344CB8AC3E}">
+        <p14:creationId xmlns:p14="http://schemas.microsoft.com/office/powerpoint/2010/main" val="4042588024"/>
+      </p:ext>
+    </p:extLst>
+  </p:cSld>
+  <p:clrMapOvr>
+    <a:masterClrMapping/>
+  </p:clrMapOvr>
+</p:sld>
+</file>
+
+<file path=ppt/slides/slide77.xml><?xml version="1.0" encoding="utf-8"?>
+<p:sld xmlns:a="http://schemas.openxmlformats.org/drawingml/2006/main" xmlns:r="http://schemas.openxmlformats.org/officeDocument/2006/relationships" xmlns:p="http://schemas.openxmlformats.org/presentationml/2006/main">
+  <p:cSld>
+    <p:spTree>
+      <p:nvGrpSpPr>
+        <p:cNvPr id="1" name="">
+          <a:extLst>
+            <a:ext uri="{FF2B5EF4-FFF2-40B4-BE49-F238E27FC236}">
+              <a16:creationId xmlns:a16="http://schemas.microsoft.com/office/drawing/2014/main" id="{A42D1759-795F-C0BD-3A72-A1FF39024CD8}"/>
+            </a:ext>
+          </a:extLst>
+        </p:cNvPr>
+        <p:cNvGrpSpPr/>
+        <p:nvPr/>
+      </p:nvGrpSpPr>
+      <p:grpSpPr>
+        <a:xfrm>
+          <a:off x="0" y="0"/>
+          <a:ext cx="0" cy="0"/>
+          <a:chOff x="0" y="0"/>
+          <a:chExt cx="0" cy="0"/>
+        </a:xfrm>
+      </p:grpSpPr>
+      <p:pic>
+        <p:nvPicPr>
+          <p:cNvPr id="3" name="Picture 2">
+            <a:extLst>
+              <a:ext uri="{FF2B5EF4-FFF2-40B4-BE49-F238E27FC236}">
+                <a16:creationId xmlns:a16="http://schemas.microsoft.com/office/drawing/2014/main" id="{C9A8FAFB-CFC7-B689-D0B4-A666E73E3AC5}"/>
+              </a:ext>
+            </a:extLst>
+          </p:cNvPr>
+          <p:cNvPicPr>
+            <a:picLocks noChangeAspect="1"/>
+          </p:cNvPicPr>
+          <p:nvPr/>
+        </p:nvPicPr>
+        <p:blipFill>
+          <a:blip r:embed="rId2">
+            <a:extLst>
+              <a:ext uri="{28A0092B-C50C-407E-A947-70E740481C1C}">
+                <a14:useLocalDpi xmlns:a14="http://schemas.microsoft.com/office/drawing/2010/main" val="0"/>
+              </a:ext>
+            </a:extLst>
+          </a:blip>
+          <a:stretch>
+            <a:fillRect/>
+          </a:stretch>
+        </p:blipFill>
+        <p:spPr>
+          <a:xfrm>
+            <a:off x="1392702" y="0"/>
+            <a:ext cx="9495692" cy="6858000"/>
+          </a:xfrm>
+          <a:prstGeom prst="rect">
+            <a:avLst/>
+          </a:prstGeom>
+        </p:spPr>
+      </p:pic>
+    </p:spTree>
+    <p:extLst>
+      <p:ext uri="{BB962C8B-B14F-4D97-AF65-F5344CB8AC3E}">
+        <p14:creationId xmlns:p14="http://schemas.microsoft.com/office/powerpoint/2010/main" val="1291951739"/>
+      </p:ext>
+    </p:extLst>
+  </p:cSld>
+  <p:clrMapOvr>
+    <a:masterClrMapping/>
+  </p:clrMapOvr>
+</p:sld>
+</file>
+
+<file path=ppt/slides/slide78.xml><?xml version="1.0" encoding="utf-8"?>
+<p:sld xmlns:a="http://schemas.openxmlformats.org/drawingml/2006/main" xmlns:r="http://schemas.openxmlformats.org/officeDocument/2006/relationships" xmlns:p="http://schemas.openxmlformats.org/presentationml/2006/main">
+  <p:cSld>
+    <p:spTree>
+      <p:nvGrpSpPr>
+        <p:cNvPr id="1" name="">
+          <a:extLst>
+            <a:ext uri="{FF2B5EF4-FFF2-40B4-BE49-F238E27FC236}">
+              <a16:creationId xmlns:a16="http://schemas.microsoft.com/office/drawing/2014/main" id="{303D3D2B-5F40-58C1-B4B3-2A18222586EA}"/>
+            </a:ext>
+          </a:extLst>
+        </p:cNvPr>
+        <p:cNvGrpSpPr/>
+        <p:nvPr/>
+      </p:nvGrpSpPr>
+      <p:grpSpPr>
+        <a:xfrm>
+          <a:off x="0" y="0"/>
+          <a:ext cx="0" cy="0"/>
+          <a:chOff x="0" y="0"/>
+          <a:chExt cx="0" cy="0"/>
+        </a:xfrm>
+      </p:grpSpPr>
+      <p:pic>
+        <p:nvPicPr>
+          <p:cNvPr id="3" name="Picture 2">
+            <a:extLst>
+              <a:ext uri="{FF2B5EF4-FFF2-40B4-BE49-F238E27FC236}">
+                <a16:creationId xmlns:a16="http://schemas.microsoft.com/office/drawing/2014/main" id="{275F9CDB-4E0E-D8DF-9E00-DFE56A225409}"/>
+              </a:ext>
+            </a:extLst>
+          </p:cNvPr>
+          <p:cNvPicPr>
+            <a:picLocks noChangeAspect="1"/>
+          </p:cNvPicPr>
+          <p:nvPr/>
+        </p:nvPicPr>
+        <p:blipFill>
+          <a:blip r:embed="rId2">
+            <a:extLst>
+              <a:ext uri="{28A0092B-C50C-407E-A947-70E740481C1C}">
+                <a14:useLocalDpi xmlns:a14="http://schemas.microsoft.com/office/drawing/2010/main" val="0"/>
+              </a:ext>
+            </a:extLst>
+          </a:blip>
+          <a:stretch>
+            <a:fillRect/>
+          </a:stretch>
+        </p:blipFill>
+        <p:spPr>
+          <a:xfrm>
+            <a:off x="1231057" y="0"/>
+            <a:ext cx="9729886" cy="6858000"/>
+          </a:xfrm>
+          <a:prstGeom prst="rect">
+            <a:avLst/>
+          </a:prstGeom>
+        </p:spPr>
+      </p:pic>
+    </p:spTree>
+    <p:extLst>
+      <p:ext uri="{BB962C8B-B14F-4D97-AF65-F5344CB8AC3E}">
+        <p14:creationId xmlns:p14="http://schemas.microsoft.com/office/powerpoint/2010/main" val="1836924367"/>
+      </p:ext>
+    </p:extLst>
+  </p:cSld>
+  <p:clrMapOvr>
+    <a:masterClrMapping/>
+  </p:clrMapOvr>
+</p:sld>
+</file>
+
+<file path=ppt/slides/slide79.xml><?xml version="1.0" encoding="utf-8"?>
+<p:sld xmlns:a="http://schemas.openxmlformats.org/drawingml/2006/main" xmlns:r="http://schemas.openxmlformats.org/officeDocument/2006/relationships" xmlns:p="http://schemas.openxmlformats.org/presentationml/2006/main">
+  <p:cSld>
+    <p:spTree>
+      <p:nvGrpSpPr>
+        <p:cNvPr id="1" name="">
+          <a:extLst>
+            <a:ext uri="{FF2B5EF4-FFF2-40B4-BE49-F238E27FC236}">
+              <a16:creationId xmlns:a16="http://schemas.microsoft.com/office/drawing/2014/main" id="{AB88F714-DF25-5107-6F6D-E7AC15FB4B37}"/>
+            </a:ext>
+          </a:extLst>
+        </p:cNvPr>
+        <p:cNvGrpSpPr/>
+        <p:nvPr/>
+      </p:nvGrpSpPr>
+      <p:grpSpPr>
+        <a:xfrm>
+          <a:off x="0" y="0"/>
+          <a:ext cx="0" cy="0"/>
+          <a:chOff x="0" y="0"/>
+          <a:chExt cx="0" cy="0"/>
+        </a:xfrm>
+      </p:grpSpPr>
+      <p:pic>
+        <p:nvPicPr>
+          <p:cNvPr id="7" name="Picture 6">
+            <a:extLst>
+              <a:ext uri="{FF2B5EF4-FFF2-40B4-BE49-F238E27FC236}">
+                <a16:creationId xmlns:a16="http://schemas.microsoft.com/office/drawing/2014/main" id="{5E429BC8-80A0-C751-F7A5-BA954490F691}"/>
+              </a:ext>
+            </a:extLst>
+          </p:cNvPr>
+          <p:cNvPicPr>
+            <a:picLocks noChangeAspect="1"/>
+          </p:cNvPicPr>
+          <p:nvPr/>
+        </p:nvPicPr>
+        <p:blipFill>
+          <a:blip r:embed="rId2">
+            <a:extLst>
+              <a:ext uri="{28A0092B-C50C-407E-A947-70E740481C1C}">
+                <a14:useLocalDpi xmlns:a14="http://schemas.microsoft.com/office/drawing/2010/main" val="0"/>
+              </a:ext>
+            </a:extLst>
+          </a:blip>
+          <a:stretch>
+            <a:fillRect/>
+          </a:stretch>
+        </p:blipFill>
+        <p:spPr>
+          <a:xfrm>
+            <a:off x="829994" y="0"/>
+            <a:ext cx="10241279" cy="6858000"/>
+          </a:xfrm>
+          <a:prstGeom prst="rect">
+            <a:avLst/>
+          </a:prstGeom>
+        </p:spPr>
+      </p:pic>
+    </p:spTree>
+    <p:extLst>
+      <p:ext uri="{BB962C8B-B14F-4D97-AF65-F5344CB8AC3E}">
+        <p14:creationId xmlns:p14="http://schemas.microsoft.com/office/powerpoint/2010/main" val="1883244120"/>
       </p:ext>
     </p:extLst>
   </p:cSld>
@@ -17765,642 +17979,6 @@
   <p:cSld>
     <p:spTree>
       <p:nvGrpSpPr>
-        <p:cNvPr id="1" name=""/>
-        <p:cNvGrpSpPr/>
-        <p:nvPr/>
-      </p:nvGrpSpPr>
-      <p:grpSpPr>
-        <a:xfrm>
-          <a:off x="0" y="0"/>
-          <a:ext cx="0" cy="0"/>
-          <a:chOff x="0" y="0"/>
-          <a:chExt cx="0" cy="0"/>
-        </a:xfrm>
-      </p:grpSpPr>
-      <p:sp>
-        <p:nvSpPr>
-          <p:cNvPr id="3" name="TextBox 2">
-            <a:extLst>
-              <a:ext uri="{FF2B5EF4-FFF2-40B4-BE49-F238E27FC236}">
-                <a16:creationId xmlns:a16="http://schemas.microsoft.com/office/drawing/2014/main" id="{5B13158A-F1BB-43AA-2F82-8B87D71A0152}"/>
-              </a:ext>
-            </a:extLst>
-          </p:cNvPr>
-          <p:cNvSpPr txBox="1"/>
-          <p:nvPr/>
-        </p:nvSpPr>
-        <p:spPr>
-          <a:xfrm>
-            <a:off x="0" y="182880"/>
-            <a:ext cx="9147516" cy="461665"/>
-          </a:xfrm>
-          <a:prstGeom prst="rect">
-            <a:avLst/>
-          </a:prstGeom>
-          <a:noFill/>
-        </p:spPr>
-        <p:txBody>
-          <a:bodyPr wrap="square">
-            <a:spAutoFit/>
-          </a:bodyPr>
-          <a:lstStyle/>
-          <a:p>
-            <a:pPr marL="0" marR="0">
-              <a:spcBef>
-                <a:spcPts val="800"/>
-              </a:spcBef>
-              <a:spcAft>
-                <a:spcPts val="400"/>
-              </a:spcAft>
-            </a:pPr>
-            <a:r>
-              <a:rPr lang="en-US" sz="2400" dirty="0">
-                <a:solidFill>
-                  <a:srgbClr val="2E74B5"/>
-                </a:solidFill>
-                <a:effectLst/>
-                <a:latin typeface="Calibri Light" panose="020F0302020204030204" pitchFamily="34" charset="0"/>
-                <a:ea typeface="Times New Roman" panose="02020603050405020304" pitchFamily="18" charset="0"/>
-                <a:cs typeface="Times New Roman" panose="02020603050405020304" pitchFamily="18" charset="0"/>
-              </a:rPr>
-              <a:t>Step 4: Update the Record in STG_SELLER_DETAILS</a:t>
-            </a:r>
-            <a:endParaRPr lang="en-US" sz="2400" dirty="0">
-              <a:effectLst/>
-              <a:latin typeface="Calibri" panose="020F0502020204030204" pitchFamily="34" charset="0"/>
-              <a:ea typeface="Calibri" panose="020F0502020204030204" pitchFamily="34" charset="0"/>
-              <a:cs typeface="Arial" panose="020B0604020202020204" pitchFamily="34" charset="0"/>
-            </a:endParaRPr>
-          </a:p>
-        </p:txBody>
-      </p:sp>
-      <p:pic>
-        <p:nvPicPr>
-          <p:cNvPr id="4" name="Picture 3">
-            <a:extLst>
-              <a:ext uri="{FF2B5EF4-FFF2-40B4-BE49-F238E27FC236}">
-                <a16:creationId xmlns:a16="http://schemas.microsoft.com/office/drawing/2014/main" id="{37E45A33-AAB7-EF52-A9E1-5123F1AE4F85}"/>
-              </a:ext>
-            </a:extLst>
-          </p:cNvPr>
-          <p:cNvPicPr>
-            <a:picLocks noChangeAspect="1"/>
-          </p:cNvPicPr>
-          <p:nvPr/>
-        </p:nvPicPr>
-        <p:blipFill>
-          <a:blip r:embed="rId2">
-            <a:extLst>
-              <a:ext uri="{28A0092B-C50C-407E-A947-70E740481C1C}">
-                <a14:useLocalDpi xmlns:a14="http://schemas.microsoft.com/office/drawing/2010/main" val="0"/>
-              </a:ext>
-            </a:extLst>
-          </a:blip>
-          <a:srcRect/>
-          <a:stretch>
-            <a:fillRect/>
-          </a:stretch>
-        </p:blipFill>
-        <p:spPr bwMode="auto">
-          <a:xfrm>
-            <a:off x="450167" y="1157584"/>
-            <a:ext cx="6766779" cy="3448706"/>
-          </a:xfrm>
-          <a:prstGeom prst="rect">
-            <a:avLst/>
-          </a:prstGeom>
-          <a:noFill/>
-          <a:ln>
-            <a:noFill/>
-          </a:ln>
-        </p:spPr>
-      </p:pic>
-    </p:spTree>
-    <p:extLst>
-      <p:ext uri="{BB962C8B-B14F-4D97-AF65-F5344CB8AC3E}">
-        <p14:creationId xmlns:p14="http://schemas.microsoft.com/office/powerpoint/2010/main" val="298017737"/>
-      </p:ext>
-    </p:extLst>
-  </p:cSld>
-  <p:clrMapOvr>
-    <a:masterClrMapping/>
-  </p:clrMapOvr>
-</p:sld>
-</file>
-
-<file path=ppt/slides/slide81.xml><?xml version="1.0" encoding="utf-8"?>
-<p:sld xmlns:a="http://schemas.openxmlformats.org/drawingml/2006/main" xmlns:r="http://schemas.openxmlformats.org/officeDocument/2006/relationships" xmlns:p="http://schemas.openxmlformats.org/presentationml/2006/main">
-  <p:cSld>
-    <p:spTree>
-      <p:nvGrpSpPr>
-        <p:cNvPr id="1" name=""/>
-        <p:cNvGrpSpPr/>
-        <p:nvPr/>
-      </p:nvGrpSpPr>
-      <p:grpSpPr>
-        <a:xfrm>
-          <a:off x="0" y="0"/>
-          <a:ext cx="0" cy="0"/>
-          <a:chOff x="0" y="0"/>
-          <a:chExt cx="0" cy="0"/>
-        </a:xfrm>
-      </p:grpSpPr>
-      <p:sp>
-        <p:nvSpPr>
-          <p:cNvPr id="3" name="TextBox 2">
-            <a:extLst>
-              <a:ext uri="{FF2B5EF4-FFF2-40B4-BE49-F238E27FC236}">
-                <a16:creationId xmlns:a16="http://schemas.microsoft.com/office/drawing/2014/main" id="{A02CF2C0-7DB5-2E8F-F4FF-923C5DCCBD6C}"/>
-              </a:ext>
-            </a:extLst>
-          </p:cNvPr>
-          <p:cNvSpPr txBox="1"/>
-          <p:nvPr/>
-        </p:nvSpPr>
-        <p:spPr>
-          <a:xfrm>
-            <a:off x="235634" y="188128"/>
-            <a:ext cx="6098344" cy="461665"/>
-          </a:xfrm>
-          <a:prstGeom prst="rect">
-            <a:avLst/>
-          </a:prstGeom>
-          <a:noFill/>
-        </p:spPr>
-        <p:txBody>
-          <a:bodyPr wrap="square">
-            <a:spAutoFit/>
-          </a:bodyPr>
-          <a:lstStyle/>
-          <a:p>
-            <a:pPr marL="0" marR="0">
-              <a:spcBef>
-                <a:spcPts val="800"/>
-              </a:spcBef>
-              <a:spcAft>
-                <a:spcPts val="400"/>
-              </a:spcAft>
-            </a:pPr>
-            <a:r>
-              <a:rPr lang="en-US" sz="2400" dirty="0">
-                <a:solidFill>
-                  <a:srgbClr val="2E74B5"/>
-                </a:solidFill>
-                <a:effectLst/>
-                <a:latin typeface="Calibri Light" panose="020F0302020204030204" pitchFamily="34" charset="0"/>
-                <a:ea typeface="Times New Roman" panose="02020603050405020304" pitchFamily="18" charset="0"/>
-                <a:cs typeface="Times New Roman" panose="02020603050405020304" pitchFamily="18" charset="0"/>
-              </a:rPr>
-              <a:t>Step 5: Re-run the Informatica Workflow</a:t>
-            </a:r>
-            <a:endParaRPr lang="en-US" sz="2400" dirty="0">
-              <a:effectLst/>
-              <a:latin typeface="Calibri" panose="020F0502020204030204" pitchFamily="34" charset="0"/>
-              <a:ea typeface="Calibri" panose="020F0502020204030204" pitchFamily="34" charset="0"/>
-              <a:cs typeface="Arial" panose="020B0604020202020204" pitchFamily="34" charset="0"/>
-            </a:endParaRPr>
-          </a:p>
-        </p:txBody>
-      </p:sp>
-      <p:pic>
-        <p:nvPicPr>
-          <p:cNvPr id="4" name="Picture 3">
-            <a:extLst>
-              <a:ext uri="{FF2B5EF4-FFF2-40B4-BE49-F238E27FC236}">
-                <a16:creationId xmlns:a16="http://schemas.microsoft.com/office/drawing/2014/main" id="{04FFEE4C-2BDB-71AC-BF5F-EE375FA14F70}"/>
-              </a:ext>
-            </a:extLst>
-          </p:cNvPr>
-          <p:cNvPicPr>
-            <a:picLocks noChangeAspect="1"/>
-          </p:cNvPicPr>
-          <p:nvPr/>
-        </p:nvPicPr>
-        <p:blipFill>
-          <a:blip r:embed="rId2">
-            <a:extLst>
-              <a:ext uri="{28A0092B-C50C-407E-A947-70E740481C1C}">
-                <a14:useLocalDpi xmlns:a14="http://schemas.microsoft.com/office/drawing/2010/main" val="0"/>
-              </a:ext>
-            </a:extLst>
-          </a:blip>
-          <a:srcRect/>
-          <a:stretch>
-            <a:fillRect/>
-          </a:stretch>
-        </p:blipFill>
-        <p:spPr bwMode="auto">
-          <a:xfrm>
-            <a:off x="436098" y="649793"/>
-            <a:ext cx="11254154" cy="1840189"/>
-          </a:xfrm>
-          <a:prstGeom prst="rect">
-            <a:avLst/>
-          </a:prstGeom>
-          <a:noFill/>
-          <a:ln>
-            <a:noFill/>
-          </a:ln>
-        </p:spPr>
-      </p:pic>
-      <p:sp>
-        <p:nvSpPr>
-          <p:cNvPr id="6" name="TextBox 5">
-            <a:extLst>
-              <a:ext uri="{FF2B5EF4-FFF2-40B4-BE49-F238E27FC236}">
-                <a16:creationId xmlns:a16="http://schemas.microsoft.com/office/drawing/2014/main" id="{7C07E48C-0815-1416-EC69-88C2F2DB9922}"/>
-              </a:ext>
-            </a:extLst>
-          </p:cNvPr>
-          <p:cNvSpPr txBox="1"/>
-          <p:nvPr/>
-        </p:nvSpPr>
-        <p:spPr>
-          <a:xfrm>
-            <a:off x="235634" y="2700997"/>
-            <a:ext cx="8911882" cy="461665"/>
-          </a:xfrm>
-          <a:prstGeom prst="rect">
-            <a:avLst/>
-          </a:prstGeom>
-          <a:noFill/>
-        </p:spPr>
-        <p:txBody>
-          <a:bodyPr wrap="square">
-            <a:spAutoFit/>
-          </a:bodyPr>
-          <a:lstStyle/>
-          <a:p>
-            <a:pPr marL="0" marR="0">
-              <a:spcBef>
-                <a:spcPts val="800"/>
-              </a:spcBef>
-              <a:spcAft>
-                <a:spcPts val="400"/>
-              </a:spcAft>
-            </a:pPr>
-            <a:r>
-              <a:rPr lang="en-US" sz="2400" dirty="0">
-                <a:solidFill>
-                  <a:srgbClr val="2E74B5"/>
-                </a:solidFill>
-                <a:effectLst/>
-                <a:latin typeface="Calibri Light" panose="020F0302020204030204" pitchFamily="34" charset="0"/>
-                <a:ea typeface="Times New Roman" panose="02020603050405020304" pitchFamily="18" charset="0"/>
-                <a:cs typeface="Times New Roman" panose="02020603050405020304" pitchFamily="18" charset="0"/>
-              </a:rPr>
-              <a:t>Step 6: Verify the Update in DIM_SELLER</a:t>
-            </a:r>
-            <a:endParaRPr lang="en-US" sz="2400" dirty="0">
-              <a:effectLst/>
-              <a:latin typeface="Calibri" panose="020F0502020204030204" pitchFamily="34" charset="0"/>
-              <a:ea typeface="Calibri" panose="020F0502020204030204" pitchFamily="34" charset="0"/>
-              <a:cs typeface="Arial" panose="020B0604020202020204" pitchFamily="34" charset="0"/>
-            </a:endParaRPr>
-          </a:p>
-        </p:txBody>
-      </p:sp>
-      <p:pic>
-        <p:nvPicPr>
-          <p:cNvPr id="7" name="Picture 6">
-            <a:extLst>
-              <a:ext uri="{FF2B5EF4-FFF2-40B4-BE49-F238E27FC236}">
-                <a16:creationId xmlns:a16="http://schemas.microsoft.com/office/drawing/2014/main" id="{FBEC3C6E-300D-81B5-D5A2-DE334D47EDB2}"/>
-              </a:ext>
-            </a:extLst>
-          </p:cNvPr>
-          <p:cNvPicPr>
-            <a:picLocks noChangeAspect="1"/>
-          </p:cNvPicPr>
-          <p:nvPr/>
-        </p:nvPicPr>
-        <p:blipFill>
-          <a:blip r:embed="rId3">
-            <a:extLst>
-              <a:ext uri="{28A0092B-C50C-407E-A947-70E740481C1C}">
-                <a14:useLocalDpi xmlns:a14="http://schemas.microsoft.com/office/drawing/2010/main" val="0"/>
-              </a:ext>
-            </a:extLst>
-          </a:blip>
-          <a:srcRect/>
-          <a:stretch>
-            <a:fillRect/>
-          </a:stretch>
-        </p:blipFill>
-        <p:spPr bwMode="auto">
-          <a:xfrm>
-            <a:off x="436098" y="3195637"/>
-            <a:ext cx="11155680" cy="2389237"/>
-          </a:xfrm>
-          <a:prstGeom prst="rect">
-            <a:avLst/>
-          </a:prstGeom>
-          <a:noFill/>
-          <a:ln>
-            <a:noFill/>
-          </a:ln>
-        </p:spPr>
-      </p:pic>
-    </p:spTree>
-    <p:extLst>
-      <p:ext uri="{BB962C8B-B14F-4D97-AF65-F5344CB8AC3E}">
-        <p14:creationId xmlns:p14="http://schemas.microsoft.com/office/powerpoint/2010/main" val="788580722"/>
-      </p:ext>
-    </p:extLst>
-  </p:cSld>
-  <p:clrMapOvr>
-    <a:masterClrMapping/>
-  </p:clrMapOvr>
-</p:sld>
-</file>
-
-<file path=ppt/slides/slide82.xml><?xml version="1.0" encoding="utf-8"?>
-<p:sld xmlns:a="http://schemas.openxmlformats.org/drawingml/2006/main" xmlns:r="http://schemas.openxmlformats.org/officeDocument/2006/relationships" xmlns:p="http://schemas.openxmlformats.org/presentationml/2006/main">
-  <p:cSld>
-    <p:spTree>
-      <p:nvGrpSpPr>
-        <p:cNvPr id="1" name=""/>
-        <p:cNvGrpSpPr/>
-        <p:nvPr/>
-      </p:nvGrpSpPr>
-      <p:grpSpPr>
-        <a:xfrm>
-          <a:off x="0" y="0"/>
-          <a:ext cx="0" cy="0"/>
-          <a:chOff x="0" y="0"/>
-          <a:chExt cx="0" cy="0"/>
-        </a:xfrm>
-      </p:grpSpPr>
-      <p:pic>
-        <p:nvPicPr>
-          <p:cNvPr id="3" name="Picture 2">
-            <a:extLst>
-              <a:ext uri="{FF2B5EF4-FFF2-40B4-BE49-F238E27FC236}">
-                <a16:creationId xmlns:a16="http://schemas.microsoft.com/office/drawing/2014/main" id="{418C32BC-0FA2-6FB9-25B6-81FF60721471}"/>
-              </a:ext>
-            </a:extLst>
-          </p:cNvPr>
-          <p:cNvPicPr>
-            <a:picLocks noChangeAspect="1"/>
-          </p:cNvPicPr>
-          <p:nvPr/>
-        </p:nvPicPr>
-        <p:blipFill>
-          <a:blip r:embed="rId2">
-            <a:extLst>
-              <a:ext uri="{28A0092B-C50C-407E-A947-70E740481C1C}">
-                <a14:useLocalDpi xmlns:a14="http://schemas.microsoft.com/office/drawing/2010/main" val="0"/>
-              </a:ext>
-            </a:extLst>
-          </a:blip>
-          <a:stretch>
-            <a:fillRect/>
-          </a:stretch>
-        </p:blipFill>
-        <p:spPr>
-          <a:xfrm>
-            <a:off x="190500" y="1247775"/>
-            <a:ext cx="11811000" cy="4362450"/>
-          </a:xfrm>
-          <a:prstGeom prst="rect">
-            <a:avLst/>
-          </a:prstGeom>
-        </p:spPr>
-      </p:pic>
-    </p:spTree>
-    <p:extLst>
-      <p:ext uri="{BB962C8B-B14F-4D97-AF65-F5344CB8AC3E}">
-        <p14:creationId xmlns:p14="http://schemas.microsoft.com/office/powerpoint/2010/main" val="4042588024"/>
-      </p:ext>
-    </p:extLst>
-  </p:cSld>
-  <p:clrMapOvr>
-    <a:masterClrMapping/>
-  </p:clrMapOvr>
-</p:sld>
-</file>
-
-<file path=ppt/slides/slide83.xml><?xml version="1.0" encoding="utf-8"?>
-<p:sld xmlns:a="http://schemas.openxmlformats.org/drawingml/2006/main" xmlns:r="http://schemas.openxmlformats.org/officeDocument/2006/relationships" xmlns:p="http://schemas.openxmlformats.org/presentationml/2006/main">
-  <p:cSld>
-    <p:spTree>
-      <p:nvGrpSpPr>
-        <p:cNvPr id="1" name="">
-          <a:extLst>
-            <a:ext uri="{FF2B5EF4-FFF2-40B4-BE49-F238E27FC236}">
-              <a16:creationId xmlns:a16="http://schemas.microsoft.com/office/drawing/2014/main" id="{A42D1759-795F-C0BD-3A72-A1FF39024CD8}"/>
-            </a:ext>
-          </a:extLst>
-        </p:cNvPr>
-        <p:cNvGrpSpPr/>
-        <p:nvPr/>
-      </p:nvGrpSpPr>
-      <p:grpSpPr>
-        <a:xfrm>
-          <a:off x="0" y="0"/>
-          <a:ext cx="0" cy="0"/>
-          <a:chOff x="0" y="0"/>
-          <a:chExt cx="0" cy="0"/>
-        </a:xfrm>
-      </p:grpSpPr>
-      <p:pic>
-        <p:nvPicPr>
-          <p:cNvPr id="3" name="Picture 2">
-            <a:extLst>
-              <a:ext uri="{FF2B5EF4-FFF2-40B4-BE49-F238E27FC236}">
-                <a16:creationId xmlns:a16="http://schemas.microsoft.com/office/drawing/2014/main" id="{C9A8FAFB-CFC7-B689-D0B4-A666E73E3AC5}"/>
-              </a:ext>
-            </a:extLst>
-          </p:cNvPr>
-          <p:cNvPicPr>
-            <a:picLocks noChangeAspect="1"/>
-          </p:cNvPicPr>
-          <p:nvPr/>
-        </p:nvPicPr>
-        <p:blipFill>
-          <a:blip r:embed="rId2">
-            <a:extLst>
-              <a:ext uri="{28A0092B-C50C-407E-A947-70E740481C1C}">
-                <a14:useLocalDpi xmlns:a14="http://schemas.microsoft.com/office/drawing/2010/main" val="0"/>
-              </a:ext>
-            </a:extLst>
-          </a:blip>
-          <a:stretch>
-            <a:fillRect/>
-          </a:stretch>
-        </p:blipFill>
-        <p:spPr>
-          <a:xfrm>
-            <a:off x="1392702" y="0"/>
-            <a:ext cx="9495692" cy="6858000"/>
-          </a:xfrm>
-          <a:prstGeom prst="rect">
-            <a:avLst/>
-          </a:prstGeom>
-        </p:spPr>
-      </p:pic>
-    </p:spTree>
-    <p:extLst>
-      <p:ext uri="{BB962C8B-B14F-4D97-AF65-F5344CB8AC3E}">
-        <p14:creationId xmlns:p14="http://schemas.microsoft.com/office/powerpoint/2010/main" val="1291951739"/>
-      </p:ext>
-    </p:extLst>
-  </p:cSld>
-  <p:clrMapOvr>
-    <a:masterClrMapping/>
-  </p:clrMapOvr>
-</p:sld>
-</file>
-
-<file path=ppt/slides/slide84.xml><?xml version="1.0" encoding="utf-8"?>
-<p:sld xmlns:a="http://schemas.openxmlformats.org/drawingml/2006/main" xmlns:r="http://schemas.openxmlformats.org/officeDocument/2006/relationships" xmlns:p="http://schemas.openxmlformats.org/presentationml/2006/main">
-  <p:cSld>
-    <p:spTree>
-      <p:nvGrpSpPr>
-        <p:cNvPr id="1" name="">
-          <a:extLst>
-            <a:ext uri="{FF2B5EF4-FFF2-40B4-BE49-F238E27FC236}">
-              <a16:creationId xmlns:a16="http://schemas.microsoft.com/office/drawing/2014/main" id="{303D3D2B-5F40-58C1-B4B3-2A18222586EA}"/>
-            </a:ext>
-          </a:extLst>
-        </p:cNvPr>
-        <p:cNvGrpSpPr/>
-        <p:nvPr/>
-      </p:nvGrpSpPr>
-      <p:grpSpPr>
-        <a:xfrm>
-          <a:off x="0" y="0"/>
-          <a:ext cx="0" cy="0"/>
-          <a:chOff x="0" y="0"/>
-          <a:chExt cx="0" cy="0"/>
-        </a:xfrm>
-      </p:grpSpPr>
-      <p:pic>
-        <p:nvPicPr>
-          <p:cNvPr id="3" name="Picture 2">
-            <a:extLst>
-              <a:ext uri="{FF2B5EF4-FFF2-40B4-BE49-F238E27FC236}">
-                <a16:creationId xmlns:a16="http://schemas.microsoft.com/office/drawing/2014/main" id="{275F9CDB-4E0E-D8DF-9E00-DFE56A225409}"/>
-              </a:ext>
-            </a:extLst>
-          </p:cNvPr>
-          <p:cNvPicPr>
-            <a:picLocks noChangeAspect="1"/>
-          </p:cNvPicPr>
-          <p:nvPr/>
-        </p:nvPicPr>
-        <p:blipFill>
-          <a:blip r:embed="rId2">
-            <a:extLst>
-              <a:ext uri="{28A0092B-C50C-407E-A947-70E740481C1C}">
-                <a14:useLocalDpi xmlns:a14="http://schemas.microsoft.com/office/drawing/2010/main" val="0"/>
-              </a:ext>
-            </a:extLst>
-          </a:blip>
-          <a:stretch>
-            <a:fillRect/>
-          </a:stretch>
-        </p:blipFill>
-        <p:spPr>
-          <a:xfrm>
-            <a:off x="1231057" y="0"/>
-            <a:ext cx="9729886" cy="6858000"/>
-          </a:xfrm>
-          <a:prstGeom prst="rect">
-            <a:avLst/>
-          </a:prstGeom>
-        </p:spPr>
-      </p:pic>
-    </p:spTree>
-    <p:extLst>
-      <p:ext uri="{BB962C8B-B14F-4D97-AF65-F5344CB8AC3E}">
-        <p14:creationId xmlns:p14="http://schemas.microsoft.com/office/powerpoint/2010/main" val="1836924367"/>
-      </p:ext>
-    </p:extLst>
-  </p:cSld>
-  <p:clrMapOvr>
-    <a:masterClrMapping/>
-  </p:clrMapOvr>
-</p:sld>
-</file>
-
-<file path=ppt/slides/slide85.xml><?xml version="1.0" encoding="utf-8"?>
-<p:sld xmlns:a="http://schemas.openxmlformats.org/drawingml/2006/main" xmlns:r="http://schemas.openxmlformats.org/officeDocument/2006/relationships" xmlns:p="http://schemas.openxmlformats.org/presentationml/2006/main">
-  <p:cSld>
-    <p:spTree>
-      <p:nvGrpSpPr>
-        <p:cNvPr id="1" name="">
-          <a:extLst>
-            <a:ext uri="{FF2B5EF4-FFF2-40B4-BE49-F238E27FC236}">
-              <a16:creationId xmlns:a16="http://schemas.microsoft.com/office/drawing/2014/main" id="{AB88F714-DF25-5107-6F6D-E7AC15FB4B37}"/>
-            </a:ext>
-          </a:extLst>
-        </p:cNvPr>
-        <p:cNvGrpSpPr/>
-        <p:nvPr/>
-      </p:nvGrpSpPr>
-      <p:grpSpPr>
-        <a:xfrm>
-          <a:off x="0" y="0"/>
-          <a:ext cx="0" cy="0"/>
-          <a:chOff x="0" y="0"/>
-          <a:chExt cx="0" cy="0"/>
-        </a:xfrm>
-      </p:grpSpPr>
-      <p:pic>
-        <p:nvPicPr>
-          <p:cNvPr id="7" name="Picture 6">
-            <a:extLst>
-              <a:ext uri="{FF2B5EF4-FFF2-40B4-BE49-F238E27FC236}">
-                <a16:creationId xmlns:a16="http://schemas.microsoft.com/office/drawing/2014/main" id="{5E429BC8-80A0-C751-F7A5-BA954490F691}"/>
-              </a:ext>
-            </a:extLst>
-          </p:cNvPr>
-          <p:cNvPicPr>
-            <a:picLocks noChangeAspect="1"/>
-          </p:cNvPicPr>
-          <p:nvPr/>
-        </p:nvPicPr>
-        <p:blipFill>
-          <a:blip r:embed="rId2">
-            <a:extLst>
-              <a:ext uri="{28A0092B-C50C-407E-A947-70E740481C1C}">
-                <a14:useLocalDpi xmlns:a14="http://schemas.microsoft.com/office/drawing/2010/main" val="0"/>
-              </a:ext>
-            </a:extLst>
-          </a:blip>
-          <a:stretch>
-            <a:fillRect/>
-          </a:stretch>
-        </p:blipFill>
-        <p:spPr>
-          <a:xfrm>
-            <a:off x="829994" y="0"/>
-            <a:ext cx="10241279" cy="6858000"/>
-          </a:xfrm>
-          <a:prstGeom prst="rect">
-            <a:avLst/>
-          </a:prstGeom>
-        </p:spPr>
-      </p:pic>
-    </p:spTree>
-    <p:extLst>
-      <p:ext uri="{BB962C8B-B14F-4D97-AF65-F5344CB8AC3E}">
-        <p14:creationId xmlns:p14="http://schemas.microsoft.com/office/powerpoint/2010/main" val="1883244120"/>
-      </p:ext>
-    </p:extLst>
-  </p:cSld>
-  <p:clrMapOvr>
-    <a:masterClrMapping/>
-  </p:clrMapOvr>
-</p:sld>
-</file>
-
-<file path=ppt/slides/slide86.xml><?xml version="1.0" encoding="utf-8"?>
-<p:sld xmlns:a="http://schemas.openxmlformats.org/drawingml/2006/main" xmlns:r="http://schemas.openxmlformats.org/officeDocument/2006/relationships" xmlns:p="http://schemas.openxmlformats.org/presentationml/2006/main">
-  <p:cSld>
-    <p:spTree>
-      <p:nvGrpSpPr>
         <p:cNvPr id="1" name="">
           <a:extLst>
             <a:ext uri="{FF2B5EF4-FFF2-40B4-BE49-F238E27FC236}">
@@ -18468,7 +18046,7 @@
 </p:sld>
 </file>
 
-<file path=ppt/slides/slide87.xml><?xml version="1.0" encoding="utf-8"?>
+<file path=ppt/slides/slide81.xml><?xml version="1.0" encoding="utf-8"?>
 <p:sld xmlns:a="http://schemas.openxmlformats.org/drawingml/2006/main" xmlns:r="http://schemas.openxmlformats.org/officeDocument/2006/relationships" xmlns:p="http://schemas.openxmlformats.org/presentationml/2006/main">
   <p:cSld>
     <p:spTree>
@@ -18540,7 +18118,7 @@
 </p:sld>
 </file>
 
-<file path=ppt/slides/slide88.xml><?xml version="1.0" encoding="utf-8"?>
+<file path=ppt/slides/slide82.xml><?xml version="1.0" encoding="utf-8"?>
 <p:sld xmlns:a="http://schemas.openxmlformats.org/drawingml/2006/main" xmlns:r="http://schemas.openxmlformats.org/officeDocument/2006/relationships" xmlns:p="http://schemas.openxmlformats.org/presentationml/2006/main">
   <p:cSld>
     <p:spTree>
@@ -18612,7 +18190,7 @@
 </p:sld>
 </file>
 
-<file path=ppt/slides/slide89.xml><?xml version="1.0" encoding="utf-8"?>
+<file path=ppt/slides/slide83.xml><?xml version="1.0" encoding="utf-8"?>
 <p:sld xmlns:a="http://schemas.openxmlformats.org/drawingml/2006/main" xmlns:r="http://schemas.openxmlformats.org/officeDocument/2006/relationships" xmlns:p="http://schemas.openxmlformats.org/presentationml/2006/main">
   <p:cSld>
     <p:spTree>

--- a/e commerce presentation.pptx
+++ b/e commerce presentation.pptx
@@ -207,7 +207,7 @@
   <pc:docChgLst>
     <pc:chgData name="abdulrahman eid" userId="8e5052248ce1e415" providerId="LiveId" clId="{1C84705C-32F5-451B-B417-2166EB23CF08}"/>
     <pc:docChg chg="undo custSel addSld delSld modSld sldOrd">
-      <pc:chgData name="abdulrahman eid" userId="8e5052248ce1e415" providerId="LiveId" clId="{1C84705C-32F5-451B-B417-2166EB23CF08}" dt="2025-02-22T17:21:01.081" v="190" actId="20577"/>
+      <pc:chgData name="abdulrahman eid" userId="8e5052248ce1e415" providerId="LiveId" clId="{1C84705C-32F5-451B-B417-2166EB23CF08}" dt="2025-03-01T18:59:20.968" v="217" actId="20577"/>
       <pc:docMkLst>
         <pc:docMk/>
       </pc:docMkLst>
@@ -225,12 +225,20 @@
           <pc:sldMk cId="2486327714" sldId="256"/>
         </pc:sldMkLst>
       </pc:sldChg>
-      <pc:sldChg chg="ord">
-        <pc:chgData name="abdulrahman eid" userId="8e5052248ce1e415" providerId="LiveId" clId="{1C84705C-32F5-451B-B417-2166EB23CF08}" dt="2025-02-12T00:14:49.402" v="110"/>
+      <pc:sldChg chg="modSp mod ord">
+        <pc:chgData name="abdulrahman eid" userId="8e5052248ce1e415" providerId="LiveId" clId="{1C84705C-32F5-451B-B417-2166EB23CF08}" dt="2025-03-01T18:59:01.761" v="199" actId="20577"/>
         <pc:sldMkLst>
           <pc:docMk/>
           <pc:sldMk cId="2606773228" sldId="257"/>
         </pc:sldMkLst>
+        <pc:spChg chg="mod">
+          <ac:chgData name="abdulrahman eid" userId="8e5052248ce1e415" providerId="LiveId" clId="{1C84705C-32F5-451B-B417-2166EB23CF08}" dt="2025-03-01T18:59:01.761" v="199" actId="20577"/>
+          <ac:spMkLst>
+            <pc:docMk/>
+            <pc:sldMk cId="2606773228" sldId="257"/>
+            <ac:spMk id="4" creationId="{0B051A51-6A55-01DB-C93A-CBA15E1125FC}"/>
+          </ac:spMkLst>
+        </pc:spChg>
       </pc:sldChg>
       <pc:sldChg chg="add del">
         <pc:chgData name="abdulrahman eid" userId="8e5052248ce1e415" providerId="LiveId" clId="{1C84705C-32F5-451B-B417-2166EB23CF08}" dt="2025-02-12T00:00:06.001" v="34"/>
@@ -254,6 +262,21 @@
           </ac:spMkLst>
         </pc:spChg>
       </pc:sldChg>
+      <pc:sldChg chg="modSp mod">
+        <pc:chgData name="abdulrahman eid" userId="8e5052248ce1e415" providerId="LiveId" clId="{1C84705C-32F5-451B-B417-2166EB23CF08}" dt="2025-03-01T18:59:20.968" v="217" actId="20577"/>
+        <pc:sldMkLst>
+          <pc:docMk/>
+          <pc:sldMk cId="1391575997" sldId="265"/>
+        </pc:sldMkLst>
+        <pc:spChg chg="mod">
+          <ac:chgData name="abdulrahman eid" userId="8e5052248ce1e415" providerId="LiveId" clId="{1C84705C-32F5-451B-B417-2166EB23CF08}" dt="2025-03-01T18:59:20.968" v="217" actId="20577"/>
+          <ac:spMkLst>
+            <pc:docMk/>
+            <pc:sldMk cId="1391575997" sldId="265"/>
+            <ac:spMk id="3" creationId="{A680F401-B941-2A6F-3CAD-D9317BF880EB}"/>
+          </ac:spMkLst>
+        </pc:spChg>
+      </pc:sldChg>
       <pc:sldChg chg="addSp delSp modSp add mod">
         <pc:chgData name="abdulrahman eid" userId="8e5052248ce1e415" providerId="LiveId" clId="{1C84705C-32F5-451B-B417-2166EB23CF08}" dt="2025-02-12T21:52:33.601" v="135" actId="22"/>
         <pc:sldMkLst>
@@ -266,6 +289,21 @@
             <pc:docMk/>
             <pc:sldMk cId="0" sldId="268"/>
             <ac:spMk id="3" creationId="{00000000-0000-0000-0000-000000000000}"/>
+          </ac:spMkLst>
+        </pc:spChg>
+      </pc:sldChg>
+      <pc:sldChg chg="modSp mod">
+        <pc:chgData name="abdulrahman eid" userId="8e5052248ce1e415" providerId="LiveId" clId="{1C84705C-32F5-451B-B417-2166EB23CF08}" dt="2025-03-01T18:59:09.519" v="208" actId="20577"/>
+        <pc:sldMkLst>
+          <pc:docMk/>
+          <pc:sldMk cId="4172846395" sldId="280"/>
+        </pc:sldMkLst>
+        <pc:spChg chg="mod">
+          <ac:chgData name="abdulrahman eid" userId="8e5052248ce1e415" providerId="LiveId" clId="{1C84705C-32F5-451B-B417-2166EB23CF08}" dt="2025-03-01T18:59:09.519" v="208" actId="20577"/>
+          <ac:spMkLst>
+            <pc:docMk/>
+            <pc:sldMk cId="4172846395" sldId="280"/>
+            <ac:spMk id="2" creationId="{49AC564A-C7A3-7D5B-84A0-965D88456706}"/>
           </ac:spMkLst>
         </pc:spChg>
       </pc:sldChg>
@@ -775,7 +813,7 @@
           <a:p>
             <a:fld id="{135BA12F-94F9-4C91-BA6D-58CC4EAFE9AA}" type="datetimeFigureOut">
               <a:rPr lang="en-US" smtClean="0"/>
-              <a:t>2/21/2025</a:t>
+              <a:t>3/1/2025</a:t>
             </a:fld>
             <a:endParaRPr lang="en-US"/>
           </a:p>
@@ -973,7 +1011,7 @@
           <a:p>
             <a:fld id="{135BA12F-94F9-4C91-BA6D-58CC4EAFE9AA}" type="datetimeFigureOut">
               <a:rPr lang="en-US" smtClean="0"/>
-              <a:t>2/21/2025</a:t>
+              <a:t>3/1/2025</a:t>
             </a:fld>
             <a:endParaRPr lang="en-US"/>
           </a:p>
@@ -1181,7 +1219,7 @@
           <a:p>
             <a:fld id="{135BA12F-94F9-4C91-BA6D-58CC4EAFE9AA}" type="datetimeFigureOut">
               <a:rPr lang="en-US" smtClean="0"/>
-              <a:t>2/21/2025</a:t>
+              <a:t>3/1/2025</a:t>
             </a:fld>
             <a:endParaRPr lang="en-US"/>
           </a:p>
@@ -1379,7 +1417,7 @@
           <a:p>
             <a:fld id="{135BA12F-94F9-4C91-BA6D-58CC4EAFE9AA}" type="datetimeFigureOut">
               <a:rPr lang="en-US" smtClean="0"/>
-              <a:t>2/21/2025</a:t>
+              <a:t>3/1/2025</a:t>
             </a:fld>
             <a:endParaRPr lang="en-US"/>
           </a:p>
@@ -1654,7 +1692,7 @@
           <a:p>
             <a:fld id="{135BA12F-94F9-4C91-BA6D-58CC4EAFE9AA}" type="datetimeFigureOut">
               <a:rPr lang="en-US" smtClean="0"/>
-              <a:t>2/21/2025</a:t>
+              <a:t>3/1/2025</a:t>
             </a:fld>
             <a:endParaRPr lang="en-US"/>
           </a:p>
@@ -1919,7 +1957,7 @@
           <a:p>
             <a:fld id="{135BA12F-94F9-4C91-BA6D-58CC4EAFE9AA}" type="datetimeFigureOut">
               <a:rPr lang="en-US" smtClean="0"/>
-              <a:t>2/21/2025</a:t>
+              <a:t>3/1/2025</a:t>
             </a:fld>
             <a:endParaRPr lang="en-US"/>
           </a:p>
@@ -2331,7 +2369,7 @@
           <a:p>
             <a:fld id="{135BA12F-94F9-4C91-BA6D-58CC4EAFE9AA}" type="datetimeFigureOut">
               <a:rPr lang="en-US" smtClean="0"/>
-              <a:t>2/21/2025</a:t>
+              <a:t>3/1/2025</a:t>
             </a:fld>
             <a:endParaRPr lang="en-US"/>
           </a:p>
@@ -2472,7 +2510,7 @@
           <a:p>
             <a:fld id="{135BA12F-94F9-4C91-BA6D-58CC4EAFE9AA}" type="datetimeFigureOut">
               <a:rPr lang="en-US" smtClean="0"/>
-              <a:t>2/21/2025</a:t>
+              <a:t>3/1/2025</a:t>
             </a:fld>
             <a:endParaRPr lang="en-US"/>
           </a:p>
@@ -2585,7 +2623,7 @@
           <a:p>
             <a:fld id="{135BA12F-94F9-4C91-BA6D-58CC4EAFE9AA}" type="datetimeFigureOut">
               <a:rPr lang="en-US" smtClean="0"/>
-              <a:t>2/21/2025</a:t>
+              <a:t>3/1/2025</a:t>
             </a:fld>
             <a:endParaRPr lang="en-US"/>
           </a:p>
@@ -2896,7 +2934,7 @@
           <a:p>
             <a:fld id="{135BA12F-94F9-4C91-BA6D-58CC4EAFE9AA}" type="datetimeFigureOut">
               <a:rPr lang="en-US" smtClean="0"/>
-              <a:t>2/21/2025</a:t>
+              <a:t>3/1/2025</a:t>
             </a:fld>
             <a:endParaRPr lang="en-US"/>
           </a:p>
@@ -3184,7 +3222,7 @@
           <a:p>
             <a:fld id="{135BA12F-94F9-4C91-BA6D-58CC4EAFE9AA}" type="datetimeFigureOut">
               <a:rPr lang="en-US" smtClean="0"/>
-              <a:t>2/21/2025</a:t>
+              <a:t>3/1/2025</a:t>
             </a:fld>
             <a:endParaRPr lang="en-US"/>
           </a:p>
@@ -3425,7 +3463,7 @@
           <a:p>
             <a:fld id="{135BA12F-94F9-4C91-BA6D-58CC4EAFE9AA}" type="datetimeFigureOut">
               <a:rPr lang="en-US" smtClean="0"/>
-              <a:t>2/21/2025</a:t>
+              <a:t>3/1/2025</a:t>
             </a:fld>
             <a:endParaRPr lang="en-US"/>
           </a:p>
@@ -5590,7 +5628,7 @@
                 <a:effectLst/>
                 <a:latin typeface="Arial" panose="020B0604020202020204" pitchFamily="34" charset="0"/>
               </a:rPr>
-              <a:t> Star Schema (Fact and Dimension Tables). </a:t>
+              <a:t> snowflake Schema (Fact and Dimension Tables). </a:t>
             </a:r>
           </a:p>
         </p:txBody>
@@ -6059,7 +6097,7 @@
             <a:pPr lvl="1"/>
             <a:r>
               <a:rPr lang="en-US" dirty="0"/>
-              <a:t>Design a star schema with fact and dimension tables to store and analyze structured data.</a:t>
+              <a:t>Design a snowflake schema with fact and dimension tables to store and analyze structured data.</a:t>
             </a:r>
           </a:p>
           <a:p>
@@ -10631,7 +10669,7 @@
                 <a:effectLst/>
                 <a:latin typeface="Arial" panose="020B0604020202020204" pitchFamily="34" charset="0"/>
               </a:rPr>
-              <a:t>star schema</a:t>
+              <a:t>snowflake schema</a:t>
             </a:r>
             <a:r>
               <a:rPr kumimoji="0" lang="en-US" altLang="en-US" sz="2800" b="0" i="0" u="none" strike="noStrike" cap="none" normalizeH="0" baseline="0" dirty="0">
